--- a/Document/보스.pptx
+++ b/Document/보스.pptx
@@ -5783,902 +5783,976 @@
           <a:chExt cx="0" cy="0"/>
         </a:xfrm>
       </p:grpSpPr>
-      <p:cxnSp>
-        <p:nvCxnSpPr>
-          <p:cNvPr id="4" name="직선 연결선 3">
+      <p:grpSp>
+        <p:nvGrpSpPr>
+          <p:cNvPr id="16" name="그룹 15">
             <a:extLst>
               <a:ext uri="{FF2B5EF4-FFF2-40B4-BE49-F238E27FC236}">
-                <a16:creationId xmlns:a16="http://schemas.microsoft.com/office/drawing/2014/main" id="{069BE2C5-FA83-C914-F5A6-85317F5073AF}"/>
+                <a16:creationId xmlns:a16="http://schemas.microsoft.com/office/drawing/2014/main" id="{092BE2A9-1030-0A0A-11E1-BE57E39F10E8}"/>
               </a:ext>
             </a:extLst>
           </p:cNvPr>
-          <p:cNvCxnSpPr/>
+          <p:cNvGrpSpPr/>
           <p:nvPr/>
-        </p:nvCxnSpPr>
-        <p:spPr>
+        </p:nvGrpSpPr>
+        <p:grpSpPr>
           <a:xfrm>
-            <a:off x="6610069" y="1216432"/>
-            <a:ext cx="0" cy="1371600"/>
+            <a:off x="675359" y="384742"/>
+            <a:ext cx="7793281" cy="4235185"/>
+            <a:chOff x="675359" y="384742"/>
+            <a:chExt cx="7793281" cy="4235185"/>
           </a:xfrm>
-          <a:prstGeom prst="line">
-            <a:avLst/>
-          </a:prstGeom>
-          <a:ln w="101600">
+        </p:grpSpPr>
+        <p:cxnSp>
+          <p:nvCxnSpPr>
+            <p:cNvPr id="4" name="직선 연결선 3">
+              <a:extLst>
+                <a:ext uri="{FF2B5EF4-FFF2-40B4-BE49-F238E27FC236}">
+                  <a16:creationId xmlns:a16="http://schemas.microsoft.com/office/drawing/2014/main" id="{069BE2C5-FA83-C914-F5A6-85317F5073AF}"/>
+                </a:ext>
+              </a:extLst>
+            </p:cNvPr>
+            <p:cNvCxnSpPr/>
+            <p:nvPr/>
+          </p:nvCxnSpPr>
+          <p:spPr>
+            <a:xfrm>
+              <a:off x="6610069" y="1216432"/>
+              <a:ext cx="0" cy="1371600"/>
+            </a:xfrm>
+            <a:prstGeom prst="line">
+              <a:avLst/>
+            </a:prstGeom>
+            <a:ln w="101600">
+              <a:solidFill>
+                <a:schemeClr val="tx1"/>
+              </a:solidFill>
+            </a:ln>
+          </p:spPr>
+          <p:style>
+            <a:lnRef idx="1">
+              <a:schemeClr val="accent1"/>
+            </a:lnRef>
+            <a:fillRef idx="0">
+              <a:schemeClr val="accent1"/>
+            </a:fillRef>
+            <a:effectRef idx="0">
+              <a:schemeClr val="accent1"/>
+            </a:effectRef>
+            <a:fontRef idx="minor">
+              <a:schemeClr val="tx1"/>
+            </a:fontRef>
+          </p:style>
+        </p:cxnSp>
+        <p:sp>
+          <p:nvSpPr>
+            <p:cNvPr id="5" name="사각형: 둥근 모서리 4">
+              <a:extLst>
+                <a:ext uri="{FF2B5EF4-FFF2-40B4-BE49-F238E27FC236}">
+                  <a16:creationId xmlns:a16="http://schemas.microsoft.com/office/drawing/2014/main" id="{7928E9AC-1D5B-5C97-CBFD-0093EF79C416}"/>
+                </a:ext>
+              </a:extLst>
+            </p:cNvPr>
+            <p:cNvSpPr/>
+            <p:nvPr/>
+          </p:nvSpPr>
+          <p:spPr>
+            <a:xfrm>
+              <a:off x="683409" y="1409089"/>
+              <a:ext cx="1951901" cy="886894"/>
+            </a:xfrm>
+            <a:prstGeom prst="roundRect">
+              <a:avLst/>
+            </a:prstGeom>
             <a:solidFill>
+              <a:schemeClr val="bg1"/>
+            </a:solidFill>
+            <a:ln>
+              <a:solidFill>
+                <a:schemeClr val="tx1"/>
+              </a:solidFill>
+            </a:ln>
+          </p:spPr>
+          <p:style>
+            <a:lnRef idx="3">
+              <a:schemeClr val="lt1"/>
+            </a:lnRef>
+            <a:fillRef idx="1">
+              <a:schemeClr val="dk1"/>
+            </a:fillRef>
+            <a:effectRef idx="1">
+              <a:schemeClr val="dk1"/>
+            </a:effectRef>
+            <a:fontRef idx="minor">
+              <a:schemeClr val="lt1"/>
+            </a:fontRef>
+          </p:style>
+          <p:txBody>
+            <a:bodyPr rtlCol="0" anchor="ctr"/>
+            <a:lstStyle/>
+            <a:p>
+              <a:pPr algn="ctr"/>
+              <a:r>
+                <a:rPr lang="ko-KR" altLang="en-US" b="1" dirty="0">
+                  <a:solidFill>
+                    <a:schemeClr val="tx1"/>
+                  </a:solidFill>
+                  <a:latin typeface="Microsoft GothicNeo Light" panose="020B0300000101010101" pitchFamily="50" charset="-127"/>
+                  <a:ea typeface="Microsoft GothicNeo Light" panose="020B0300000101010101" pitchFamily="50" charset="-127"/>
+                  <a:cs typeface="Microsoft GothicNeo Light" panose="020B0300000101010101" pitchFamily="50" charset="-127"/>
+                </a:rPr>
+                <a:t>시간</a:t>
+              </a:r>
+            </a:p>
+          </p:txBody>
+        </p:sp>
+        <p:sp>
+          <p:nvSpPr>
+            <p:cNvPr id="6" name="사각형: 둥근 모서리 5">
+              <a:extLst>
+                <a:ext uri="{FF2B5EF4-FFF2-40B4-BE49-F238E27FC236}">
+                  <a16:creationId xmlns:a16="http://schemas.microsoft.com/office/drawing/2014/main" id="{31402641-D6E5-A20F-C62B-BD68383A460B}"/>
+                </a:ext>
+              </a:extLst>
+            </p:cNvPr>
+            <p:cNvSpPr/>
+            <p:nvPr/>
+          </p:nvSpPr>
+          <p:spPr>
+            <a:xfrm>
+              <a:off x="675359" y="3007299"/>
+              <a:ext cx="1951901" cy="886894"/>
+            </a:xfrm>
+            <a:prstGeom prst="roundRect">
+              <a:avLst/>
+            </a:prstGeom>
+            <a:solidFill>
+              <a:schemeClr val="bg1"/>
+            </a:solidFill>
+            <a:ln>
+              <a:solidFill>
+                <a:schemeClr val="tx1"/>
+              </a:solidFill>
+            </a:ln>
+          </p:spPr>
+          <p:style>
+            <a:lnRef idx="3">
+              <a:schemeClr val="lt1"/>
+            </a:lnRef>
+            <a:fillRef idx="1">
+              <a:schemeClr val="dk1"/>
+            </a:fillRef>
+            <a:effectRef idx="1">
+              <a:schemeClr val="dk1"/>
+            </a:effectRef>
+            <a:fontRef idx="minor">
+              <a:schemeClr val="lt1"/>
+            </a:fontRef>
+          </p:style>
+          <p:txBody>
+            <a:bodyPr rtlCol="0" anchor="ctr"/>
+            <a:lstStyle/>
+            <a:p>
+              <a:pPr algn="ctr"/>
+              <a:r>
+                <a:rPr lang="ko-KR" altLang="en-US" dirty="0">
+                  <a:solidFill>
+                    <a:schemeClr val="tx1"/>
+                  </a:solidFill>
+                  <a:latin typeface="Cascadia Mono SemiLight" panose="020B0609020000020004" pitchFamily="49" charset="0"/>
+                  <a:cs typeface="Cascadia Mono SemiLight" panose="020B0609020000020004" pitchFamily="49" charset="0"/>
+                </a:rPr>
+                <a:t>체력</a:t>
+              </a:r>
+            </a:p>
+          </p:txBody>
+        </p:sp>
+        <p:cxnSp>
+          <p:nvCxnSpPr>
+            <p:cNvPr id="7" name="직선 연결선 6">
+              <a:extLst>
+                <a:ext uri="{FF2B5EF4-FFF2-40B4-BE49-F238E27FC236}">
+                  <a16:creationId xmlns:a16="http://schemas.microsoft.com/office/drawing/2014/main" id="{575B7627-5971-CDAE-22DE-DBF87F7FB278}"/>
+                </a:ext>
+              </a:extLst>
+            </p:cNvPr>
+            <p:cNvCxnSpPr/>
+            <p:nvPr/>
+          </p:nvCxnSpPr>
+          <p:spPr>
+            <a:xfrm>
+              <a:off x="4574706" y="1216432"/>
+              <a:ext cx="0" cy="1371600"/>
+            </a:xfrm>
+            <a:prstGeom prst="line">
+              <a:avLst/>
+            </a:prstGeom>
+            <a:ln w="101600">
+              <a:solidFill>
+                <a:schemeClr val="tx1"/>
+              </a:solidFill>
+            </a:ln>
+          </p:spPr>
+          <p:style>
+            <a:lnRef idx="1">
+              <a:schemeClr val="accent1"/>
+            </a:lnRef>
+            <a:fillRef idx="0">
+              <a:schemeClr val="accent1"/>
+            </a:fillRef>
+            <a:effectRef idx="0">
+              <a:schemeClr val="accent1"/>
+            </a:effectRef>
+            <a:fontRef idx="minor">
               <a:schemeClr val="tx1"/>
+            </a:fontRef>
+          </p:style>
+        </p:cxnSp>
+        <p:sp>
+          <p:nvSpPr>
+            <p:cNvPr id="8" name="화살표: 오른쪽 7">
+              <a:extLst>
+                <a:ext uri="{FF2B5EF4-FFF2-40B4-BE49-F238E27FC236}">
+                  <a16:creationId xmlns:a16="http://schemas.microsoft.com/office/drawing/2014/main" id="{12150327-E3A5-C702-2833-7B6C5D569DB8}"/>
+                </a:ext>
+              </a:extLst>
+            </p:cNvPr>
+            <p:cNvSpPr/>
+            <p:nvPr/>
+          </p:nvSpPr>
+          <p:spPr>
+            <a:xfrm>
+              <a:off x="2791754" y="1289319"/>
+              <a:ext cx="1681207" cy="468433"/>
+            </a:xfrm>
+            <a:prstGeom prst="rightArrow">
+              <a:avLst/>
+            </a:prstGeom>
+            <a:solidFill>
+              <a:schemeClr val="accent1"/>
             </a:solidFill>
-          </a:ln>
-        </p:spPr>
-        <p:style>
-          <a:lnRef idx="1">
-            <a:schemeClr val="accent1"/>
-          </a:lnRef>
-          <a:fillRef idx="0">
-            <a:schemeClr val="accent1"/>
-          </a:fillRef>
-          <a:effectRef idx="0">
-            <a:schemeClr val="accent1"/>
-          </a:effectRef>
-          <a:fontRef idx="minor">
-            <a:schemeClr val="tx1"/>
-          </a:fontRef>
-        </p:style>
-      </p:cxnSp>
-      <p:sp>
-        <p:nvSpPr>
-          <p:cNvPr id="5" name="사각형: 둥근 모서리 4">
-            <a:extLst>
-              <a:ext uri="{FF2B5EF4-FFF2-40B4-BE49-F238E27FC236}">
-                <a16:creationId xmlns:a16="http://schemas.microsoft.com/office/drawing/2014/main" id="{7928E9AC-1D5B-5C97-CBFD-0093EF79C416}"/>
-              </a:ext>
-            </a:extLst>
-          </p:cNvPr>
-          <p:cNvSpPr/>
-          <p:nvPr/>
-        </p:nvSpPr>
-        <p:spPr>
-          <a:xfrm>
-            <a:off x="683409" y="1409089"/>
-            <a:ext cx="1951901" cy="886894"/>
-          </a:xfrm>
-          <a:prstGeom prst="roundRect">
-            <a:avLst/>
-          </a:prstGeom>
-          <a:solidFill>
-            <a:schemeClr val="accent1"/>
-          </a:solidFill>
-        </p:spPr>
-        <p:style>
-          <a:lnRef idx="3">
-            <a:schemeClr val="lt1"/>
-          </a:lnRef>
-          <a:fillRef idx="1">
-            <a:schemeClr val="dk1"/>
-          </a:fillRef>
-          <a:effectRef idx="1">
-            <a:schemeClr val="dk1"/>
-          </a:effectRef>
-          <a:fontRef idx="minor">
-            <a:schemeClr val="lt1"/>
-          </a:fontRef>
-        </p:style>
-        <p:txBody>
-          <a:bodyPr rtlCol="0" anchor="ctr"/>
-          <a:lstStyle/>
-          <a:p>
-            <a:pPr algn="ctr"/>
-            <a:r>
-              <a:rPr lang="ko-KR" altLang="en-US" b="1" dirty="0">
+          </p:spPr>
+          <p:style>
+            <a:lnRef idx="3">
+              <a:schemeClr val="lt1"/>
+            </a:lnRef>
+            <a:fillRef idx="1">
+              <a:schemeClr val="dk1"/>
+            </a:fillRef>
+            <a:effectRef idx="1">
+              <a:schemeClr val="dk1"/>
+            </a:effectRef>
+            <a:fontRef idx="minor">
+              <a:schemeClr val="lt1"/>
+            </a:fontRef>
+          </p:style>
+          <p:txBody>
+            <a:bodyPr rtlCol="0" anchor="ctr"/>
+            <a:lstStyle/>
+            <a:p>
+              <a:pPr algn="ctr"/>
+              <a:r>
+                <a:rPr lang="ko-KR" altLang="en-US" sz="1200" dirty="0">
+                  <a:latin typeface="Microsoft GothicNeo Light" panose="020B0300000101010101" pitchFamily="50" charset="-127"/>
+                  <a:ea typeface="Microsoft GothicNeo Light" panose="020B0300000101010101" pitchFamily="50" charset="-127"/>
+                  <a:cs typeface="Microsoft GothicNeo Light" panose="020B0300000101010101" pitchFamily="50" charset="-127"/>
+                </a:rPr>
+                <a:t>최상위권</a:t>
+              </a:r>
+            </a:p>
+          </p:txBody>
+        </p:sp>
+        <p:sp>
+          <p:nvSpPr>
+            <p:cNvPr id="10" name="화살표: 오른쪽 9">
+              <a:extLst>
+                <a:ext uri="{FF2B5EF4-FFF2-40B4-BE49-F238E27FC236}">
+                  <a16:creationId xmlns:a16="http://schemas.microsoft.com/office/drawing/2014/main" id="{0146306D-BDB3-E459-A813-47759567E39A}"/>
+                </a:ext>
+              </a:extLst>
+            </p:cNvPr>
+            <p:cNvSpPr/>
+            <p:nvPr/>
+          </p:nvSpPr>
+          <p:spPr>
+            <a:xfrm>
+              <a:off x="2791754" y="1618320"/>
+              <a:ext cx="3970510" cy="468433"/>
+            </a:xfrm>
+            <a:prstGeom prst="rightArrow">
+              <a:avLst/>
+            </a:prstGeom>
+            <a:solidFill>
+              <a:srgbClr val="92D050"/>
+            </a:solidFill>
+          </p:spPr>
+          <p:style>
+            <a:lnRef idx="3">
+              <a:schemeClr val="lt1"/>
+            </a:lnRef>
+            <a:fillRef idx="1">
+              <a:schemeClr val="dk1"/>
+            </a:fillRef>
+            <a:effectRef idx="1">
+              <a:schemeClr val="dk1"/>
+            </a:effectRef>
+            <a:fontRef idx="minor">
+              <a:schemeClr val="lt1"/>
+            </a:fontRef>
+          </p:style>
+          <p:txBody>
+            <a:bodyPr rtlCol="0" anchor="ctr"/>
+            <a:lstStyle/>
+            <a:p>
+              <a:pPr algn="ctr"/>
+              <a:r>
+                <a:rPr lang="ko-KR" altLang="en-US" sz="1200" dirty="0">
+                  <a:latin typeface="Microsoft GothicNeo Light" panose="020B0300000101010101" pitchFamily="50" charset="-127"/>
+                  <a:ea typeface="Microsoft GothicNeo Light" panose="020B0300000101010101" pitchFamily="50" charset="-127"/>
+                  <a:cs typeface="Microsoft GothicNeo Light" panose="020B0300000101010101" pitchFamily="50" charset="-127"/>
+                </a:rPr>
+                <a:t>중위권</a:t>
+              </a:r>
+            </a:p>
+          </p:txBody>
+        </p:sp>
+        <p:sp>
+          <p:nvSpPr>
+            <p:cNvPr id="12" name="화살표: 오른쪽 11">
+              <a:extLst>
+                <a:ext uri="{FF2B5EF4-FFF2-40B4-BE49-F238E27FC236}">
+                  <a16:creationId xmlns:a16="http://schemas.microsoft.com/office/drawing/2014/main" id="{DB29A337-BE34-EDBF-B593-C5469AFDAA39}"/>
+                </a:ext>
+              </a:extLst>
+            </p:cNvPr>
+            <p:cNvSpPr/>
+            <p:nvPr/>
+          </p:nvSpPr>
+          <p:spPr>
+            <a:xfrm>
+              <a:off x="2791751" y="1947321"/>
+              <a:ext cx="5676880" cy="468433"/>
+            </a:xfrm>
+            <a:prstGeom prst="rightArrow">
+              <a:avLst/>
+            </a:prstGeom>
+            <a:solidFill>
+              <a:srgbClr val="FF0000"/>
+            </a:solidFill>
+          </p:spPr>
+          <p:style>
+            <a:lnRef idx="3">
+              <a:schemeClr val="lt1"/>
+            </a:lnRef>
+            <a:fillRef idx="1">
+              <a:schemeClr val="dk1"/>
+            </a:fillRef>
+            <a:effectRef idx="1">
+              <a:schemeClr val="dk1"/>
+            </a:effectRef>
+            <a:fontRef idx="minor">
+              <a:schemeClr val="lt1"/>
+            </a:fontRef>
+          </p:style>
+          <p:txBody>
+            <a:bodyPr rtlCol="0" anchor="ctr"/>
+            <a:lstStyle/>
+            <a:p>
+              <a:pPr algn="ctr"/>
+              <a:r>
+                <a:rPr lang="ko-KR" altLang="en-US" sz="1200" dirty="0">
+                  <a:latin typeface="Microsoft GothicNeo Light" panose="020B0300000101010101" pitchFamily="50" charset="-127"/>
+                  <a:ea typeface="Microsoft GothicNeo Light" panose="020B0300000101010101" pitchFamily="50" charset="-127"/>
+                  <a:cs typeface="Microsoft GothicNeo Light" panose="020B0300000101010101" pitchFamily="50" charset="-127"/>
+                </a:rPr>
+                <a:t>하위권</a:t>
+              </a:r>
+            </a:p>
+          </p:txBody>
+        </p:sp>
+        <p:cxnSp>
+          <p:nvCxnSpPr>
+            <p:cNvPr id="13" name="직선 연결선 12">
+              <a:extLst>
+                <a:ext uri="{FF2B5EF4-FFF2-40B4-BE49-F238E27FC236}">
+                  <a16:creationId xmlns:a16="http://schemas.microsoft.com/office/drawing/2014/main" id="{DD13F665-7B8B-E294-A6D2-ABFB6A5D5CB1}"/>
+                </a:ext>
+              </a:extLst>
+            </p:cNvPr>
+            <p:cNvCxnSpPr>
+              <a:cxnSpLocks/>
+            </p:cNvCxnSpPr>
+            <p:nvPr/>
+          </p:nvCxnSpPr>
+          <p:spPr>
+            <a:xfrm>
+              <a:off x="4574706" y="2764946"/>
+              <a:ext cx="0" cy="1371600"/>
+            </a:xfrm>
+            <a:prstGeom prst="line">
+              <a:avLst/>
+            </a:prstGeom>
+            <a:ln w="101600">
+              <a:solidFill>
+                <a:schemeClr val="tx1"/>
+              </a:solidFill>
+            </a:ln>
+          </p:spPr>
+          <p:style>
+            <a:lnRef idx="1">
+              <a:schemeClr val="accent1"/>
+            </a:lnRef>
+            <a:fillRef idx="0">
+              <a:schemeClr val="accent1"/>
+            </a:fillRef>
+            <a:effectRef idx="0">
+              <a:schemeClr val="accent1"/>
+            </a:effectRef>
+            <a:fontRef idx="minor">
+              <a:schemeClr val="tx1"/>
+            </a:fontRef>
+          </p:style>
+        </p:cxnSp>
+        <p:sp>
+          <p:nvSpPr>
+            <p:cNvPr id="14" name="TextBox 13">
+              <a:extLst>
+                <a:ext uri="{FF2B5EF4-FFF2-40B4-BE49-F238E27FC236}">
+                  <a16:creationId xmlns:a16="http://schemas.microsoft.com/office/drawing/2014/main" id="{919A3DAC-285A-A4A4-6B70-1BA3D03DA514}"/>
+                </a:ext>
+              </a:extLst>
+            </p:cNvPr>
+            <p:cNvSpPr txBox="1"/>
+            <p:nvPr/>
+          </p:nvSpPr>
+          <p:spPr>
+            <a:xfrm>
+              <a:off x="3909216" y="4313460"/>
+              <a:ext cx="1325568" cy="306467"/>
+            </a:xfrm>
+            <a:prstGeom prst="roundRect">
+              <a:avLst/>
+            </a:prstGeom>
+            <a:ln w="9525"/>
+          </p:spPr>
+          <p:style>
+            <a:lnRef idx="2">
+              <a:schemeClr val="dk1"/>
+            </a:lnRef>
+            <a:fillRef idx="1">
+              <a:schemeClr val="lt1"/>
+            </a:fillRef>
+            <a:effectRef idx="0">
+              <a:schemeClr val="dk1"/>
+            </a:effectRef>
+            <a:fontRef idx="minor">
+              <a:schemeClr val="dk1"/>
+            </a:fontRef>
+          </p:style>
+          <p:txBody>
+            <a:bodyPr wrap="square" rtlCol="0">
+              <a:spAutoFit/>
+            </a:bodyPr>
+            <a:lstStyle/>
+            <a:p>
+              <a:pPr marL="0" lvl="0" indent="0" algn="ctr" rtl="0">
+                <a:spcBef>
+                  <a:spcPts val="0"/>
+                </a:spcBef>
+                <a:spcAft>
+                  <a:spcPts val="0"/>
+                </a:spcAft>
+                <a:buNone/>
+              </a:pPr>
+              <a:r>
+                <a:rPr lang="ko-KR" altLang="en-US" sz="1200" dirty="0">
+                  <a:latin typeface="Microsoft GothicNeo Light" panose="020B0300000101010101" pitchFamily="50" charset="-127"/>
+                  <a:ea typeface="Microsoft GothicNeo Light" panose="020B0300000101010101" pitchFamily="50" charset="-127"/>
+                  <a:cs typeface="Microsoft GothicNeo Light" panose="020B0300000101010101" pitchFamily="50" charset="-127"/>
+                </a:rPr>
+                <a:t>전멸공격 </a:t>
+              </a:r>
+              <a:r>
+                <a:rPr lang="en-US" altLang="ko-KR" sz="1200" dirty="0">
+                  <a:latin typeface="Microsoft GothicNeo Light" panose="020B0300000101010101" pitchFamily="50" charset="-127"/>
+                  <a:ea typeface="Microsoft GothicNeo Light" panose="020B0300000101010101" pitchFamily="50" charset="-127"/>
+                  <a:cs typeface="Microsoft GothicNeo Light" panose="020B0300000101010101" pitchFamily="50" charset="-127"/>
+                </a:rPr>
+                <a:t>1</a:t>
+              </a:r>
+              <a:r>
+                <a:rPr lang="ko-KR" altLang="en-US" sz="1200" dirty="0">
+                  <a:latin typeface="Microsoft GothicNeo Light" panose="020B0300000101010101" pitchFamily="50" charset="-127"/>
+                  <a:ea typeface="Microsoft GothicNeo Light" panose="020B0300000101010101" pitchFamily="50" charset="-127"/>
+                  <a:cs typeface="Microsoft GothicNeo Light" panose="020B0300000101010101" pitchFamily="50" charset="-127"/>
+                </a:rPr>
+                <a:t>차</a:t>
+              </a:r>
+            </a:p>
+          </p:txBody>
+        </p:sp>
+        <p:cxnSp>
+          <p:nvCxnSpPr>
+            <p:cNvPr id="15" name="직선 연결선 14">
+              <a:extLst>
+                <a:ext uri="{FF2B5EF4-FFF2-40B4-BE49-F238E27FC236}">
+                  <a16:creationId xmlns:a16="http://schemas.microsoft.com/office/drawing/2014/main" id="{2663C592-29E0-FBBE-31A2-9D44200D1C97}"/>
+                </a:ext>
+              </a:extLst>
+            </p:cNvPr>
+            <p:cNvCxnSpPr>
+              <a:cxnSpLocks/>
+            </p:cNvCxnSpPr>
+            <p:nvPr/>
+          </p:nvCxnSpPr>
+          <p:spPr>
+            <a:xfrm>
+              <a:off x="6610069" y="2764946"/>
+              <a:ext cx="0" cy="1371600"/>
+            </a:xfrm>
+            <a:prstGeom prst="line">
+              <a:avLst/>
+            </a:prstGeom>
+            <a:ln w="101600">
+              <a:solidFill>
+                <a:schemeClr val="tx1"/>
+              </a:solidFill>
+            </a:ln>
+          </p:spPr>
+          <p:style>
+            <a:lnRef idx="1">
+              <a:schemeClr val="accent1"/>
+            </a:lnRef>
+            <a:fillRef idx="0">
+              <a:schemeClr val="accent1"/>
+            </a:fillRef>
+            <a:effectRef idx="0">
+              <a:schemeClr val="accent1"/>
+            </a:effectRef>
+            <a:fontRef idx="minor">
+              <a:schemeClr val="tx1"/>
+            </a:fontRef>
+          </p:style>
+        </p:cxnSp>
+        <p:sp>
+          <p:nvSpPr>
+            <p:cNvPr id="17" name="화살표: 오른쪽 16">
+              <a:extLst>
+                <a:ext uri="{FF2B5EF4-FFF2-40B4-BE49-F238E27FC236}">
+                  <a16:creationId xmlns:a16="http://schemas.microsoft.com/office/drawing/2014/main" id="{FCA8EBB6-EB40-BF4E-46AF-F58CDFABF393}"/>
+                </a:ext>
+              </a:extLst>
+            </p:cNvPr>
+            <p:cNvSpPr/>
+            <p:nvPr/>
+          </p:nvSpPr>
+          <p:spPr>
+            <a:xfrm>
+              <a:off x="2791753" y="2828509"/>
+              <a:ext cx="1618461" cy="1244475"/>
+            </a:xfrm>
+            <a:prstGeom prst="rightArrow">
+              <a:avLst>
+                <a:gd name="adj1" fmla="val 50000"/>
+                <a:gd name="adj2" fmla="val 19651"/>
+              </a:avLst>
+            </a:prstGeom>
+            <a:solidFill>
+              <a:schemeClr val="bg1"/>
+            </a:solidFill>
+            <a:ln>
+              <a:solidFill>
+                <a:schemeClr val="tx1"/>
+              </a:solidFill>
+            </a:ln>
+          </p:spPr>
+          <p:style>
+            <a:lnRef idx="3">
+              <a:schemeClr val="lt1"/>
+            </a:lnRef>
+            <a:fillRef idx="1">
+              <a:schemeClr val="dk1"/>
+            </a:fillRef>
+            <a:effectRef idx="1">
+              <a:schemeClr val="dk1"/>
+            </a:effectRef>
+            <a:fontRef idx="minor">
+              <a:schemeClr val="lt1"/>
+            </a:fontRef>
+          </p:style>
+          <p:txBody>
+            <a:bodyPr rtlCol="0" anchor="ctr"/>
+            <a:lstStyle/>
+            <a:p>
+              <a:pPr algn="ctr"/>
+              <a:endParaRPr lang="en-US" altLang="ko-KR" sz="1200" dirty="0">
                 <a:latin typeface="Microsoft GothicNeo Light" panose="020B0300000101010101" pitchFamily="50" charset="-127"/>
                 <a:ea typeface="Microsoft GothicNeo Light" panose="020B0300000101010101" pitchFamily="50" charset="-127"/>
                 <a:cs typeface="Microsoft GothicNeo Light" panose="020B0300000101010101" pitchFamily="50" charset="-127"/>
-              </a:rPr>
-              <a:t>시간</a:t>
-            </a:r>
-          </a:p>
-        </p:txBody>
-      </p:sp>
-      <p:sp>
-        <p:nvSpPr>
-          <p:cNvPr id="6" name="사각형: 둥근 모서리 5">
-            <a:extLst>
-              <a:ext uri="{FF2B5EF4-FFF2-40B4-BE49-F238E27FC236}">
-                <a16:creationId xmlns:a16="http://schemas.microsoft.com/office/drawing/2014/main" id="{31402641-D6E5-A20F-C62B-BD68383A460B}"/>
-              </a:ext>
-            </a:extLst>
-          </p:cNvPr>
-          <p:cNvSpPr/>
-          <p:nvPr/>
-        </p:nvSpPr>
-        <p:spPr>
-          <a:xfrm>
-            <a:off x="675359" y="3007299"/>
-            <a:ext cx="1951901" cy="886894"/>
-          </a:xfrm>
-          <a:prstGeom prst="roundRect">
-            <a:avLst/>
-          </a:prstGeom>
-          <a:solidFill>
-            <a:schemeClr val="accent1"/>
-          </a:solidFill>
-        </p:spPr>
-        <p:style>
-          <a:lnRef idx="3">
-            <a:schemeClr val="lt1"/>
-          </a:lnRef>
-          <a:fillRef idx="1">
-            <a:schemeClr val="dk1"/>
-          </a:fillRef>
-          <a:effectRef idx="1">
-            <a:schemeClr val="dk1"/>
-          </a:effectRef>
-          <a:fontRef idx="minor">
-            <a:schemeClr val="lt1"/>
-          </a:fontRef>
-        </p:style>
-        <p:txBody>
-          <a:bodyPr rtlCol="0" anchor="ctr"/>
-          <a:lstStyle/>
-          <a:p>
-            <a:pPr algn="ctr"/>
-            <a:r>
-              <a:rPr lang="ko-KR" altLang="en-US" dirty="0">
-                <a:latin typeface="Cascadia Mono SemiLight" panose="020B0609020000020004" pitchFamily="49" charset="0"/>
-                <a:cs typeface="Cascadia Mono SemiLight" panose="020B0609020000020004" pitchFamily="49" charset="0"/>
-              </a:rPr>
-              <a:t>체력</a:t>
-            </a:r>
-          </a:p>
-        </p:txBody>
-      </p:sp>
-      <p:cxnSp>
-        <p:nvCxnSpPr>
-          <p:cNvPr id="7" name="직선 연결선 6">
-            <a:extLst>
-              <a:ext uri="{FF2B5EF4-FFF2-40B4-BE49-F238E27FC236}">
-                <a16:creationId xmlns:a16="http://schemas.microsoft.com/office/drawing/2014/main" id="{575B7627-5971-CDAE-22DE-DBF87F7FB278}"/>
-              </a:ext>
-            </a:extLst>
-          </p:cNvPr>
-          <p:cNvCxnSpPr/>
-          <p:nvPr/>
-        </p:nvCxnSpPr>
-        <p:spPr>
-          <a:xfrm>
-            <a:off x="4574706" y="1216432"/>
-            <a:ext cx="0" cy="1371600"/>
-          </a:xfrm>
-          <a:prstGeom prst="line">
-            <a:avLst/>
-          </a:prstGeom>
-          <a:ln w="101600">
+              </a:endParaRPr>
+            </a:p>
+          </p:txBody>
+        </p:sp>
+        <p:sp>
+          <p:nvSpPr>
+            <p:cNvPr id="18" name="화살표: 오른쪽 17">
+              <a:extLst>
+                <a:ext uri="{FF2B5EF4-FFF2-40B4-BE49-F238E27FC236}">
+                  <a16:creationId xmlns:a16="http://schemas.microsoft.com/office/drawing/2014/main" id="{5C5243A2-B0A4-B111-E11C-FE2618347993}"/>
+                </a:ext>
+              </a:extLst>
+            </p:cNvPr>
+            <p:cNvSpPr/>
+            <p:nvPr/>
+          </p:nvSpPr>
+          <p:spPr>
+            <a:xfrm>
+              <a:off x="4739200" y="2828509"/>
+              <a:ext cx="1706378" cy="1244475"/>
+            </a:xfrm>
+            <a:prstGeom prst="rightArrow">
+              <a:avLst>
+                <a:gd name="adj1" fmla="val 50000"/>
+                <a:gd name="adj2" fmla="val 19651"/>
+              </a:avLst>
+            </a:prstGeom>
             <a:solidFill>
-              <a:schemeClr val="tx1"/>
+              <a:schemeClr val="bg1"/>
             </a:solidFill>
-          </a:ln>
-        </p:spPr>
-        <p:style>
-          <a:lnRef idx="1">
-            <a:schemeClr val="accent1"/>
-          </a:lnRef>
-          <a:fillRef idx="0">
-            <a:schemeClr val="accent1"/>
-          </a:fillRef>
-          <a:effectRef idx="0">
-            <a:schemeClr val="accent1"/>
-          </a:effectRef>
-          <a:fontRef idx="minor">
-            <a:schemeClr val="tx1"/>
-          </a:fontRef>
-        </p:style>
-      </p:cxnSp>
-      <p:sp>
-        <p:nvSpPr>
-          <p:cNvPr id="8" name="화살표: 오른쪽 7">
-            <a:extLst>
-              <a:ext uri="{FF2B5EF4-FFF2-40B4-BE49-F238E27FC236}">
-                <a16:creationId xmlns:a16="http://schemas.microsoft.com/office/drawing/2014/main" id="{12150327-E3A5-C702-2833-7B6C5D569DB8}"/>
-              </a:ext>
-            </a:extLst>
-          </p:cNvPr>
-          <p:cNvSpPr/>
-          <p:nvPr/>
-        </p:nvSpPr>
-        <p:spPr>
-          <a:xfrm>
-            <a:off x="2791754" y="1289319"/>
-            <a:ext cx="1681207" cy="468433"/>
-          </a:xfrm>
-          <a:prstGeom prst="rightArrow">
-            <a:avLst/>
-          </a:prstGeom>
-          <a:solidFill>
-            <a:schemeClr val="accent1"/>
-          </a:solidFill>
-        </p:spPr>
-        <p:style>
-          <a:lnRef idx="3">
-            <a:schemeClr val="lt1"/>
-          </a:lnRef>
-          <a:fillRef idx="1">
-            <a:schemeClr val="dk1"/>
-          </a:fillRef>
-          <a:effectRef idx="1">
-            <a:schemeClr val="dk1"/>
-          </a:effectRef>
-          <a:fontRef idx="minor">
-            <a:schemeClr val="lt1"/>
-          </a:fontRef>
-        </p:style>
-        <p:txBody>
-          <a:bodyPr rtlCol="0" anchor="ctr"/>
-          <a:lstStyle/>
-          <a:p>
-            <a:pPr algn="ctr"/>
-            <a:r>
-              <a:rPr lang="ko-KR" altLang="en-US" sz="1200" dirty="0">
+            <a:ln>
+              <a:solidFill>
+                <a:schemeClr val="tx1"/>
+              </a:solidFill>
+            </a:ln>
+          </p:spPr>
+          <p:style>
+            <a:lnRef idx="3">
+              <a:schemeClr val="lt1"/>
+            </a:lnRef>
+            <a:fillRef idx="1">
+              <a:schemeClr val="dk1"/>
+            </a:fillRef>
+            <a:effectRef idx="1">
+              <a:schemeClr val="dk1"/>
+            </a:effectRef>
+            <a:fontRef idx="minor">
+              <a:schemeClr val="lt1"/>
+            </a:fontRef>
+          </p:style>
+          <p:txBody>
+            <a:bodyPr rtlCol="0" anchor="ctr"/>
+            <a:lstStyle/>
+            <a:p>
+              <a:pPr algn="ctr"/>
+              <a:endParaRPr lang="en-US" altLang="ko-KR" sz="800" dirty="0">
                 <a:latin typeface="Microsoft GothicNeo Light" panose="020B0300000101010101" pitchFamily="50" charset="-127"/>
                 <a:ea typeface="Microsoft GothicNeo Light" panose="020B0300000101010101" pitchFamily="50" charset="-127"/>
                 <a:cs typeface="Microsoft GothicNeo Light" panose="020B0300000101010101" pitchFamily="50" charset="-127"/>
-              </a:rPr>
-              <a:t>최상위권</a:t>
-            </a:r>
-          </a:p>
-        </p:txBody>
-      </p:sp>
-      <p:sp>
-        <p:nvSpPr>
-          <p:cNvPr id="10" name="화살표: 오른쪽 9">
-            <a:extLst>
-              <a:ext uri="{FF2B5EF4-FFF2-40B4-BE49-F238E27FC236}">
-                <a16:creationId xmlns:a16="http://schemas.microsoft.com/office/drawing/2014/main" id="{0146306D-BDB3-E459-A813-47759567E39A}"/>
-              </a:ext>
-            </a:extLst>
-          </p:cNvPr>
-          <p:cNvSpPr/>
-          <p:nvPr/>
-        </p:nvSpPr>
-        <p:spPr>
-          <a:xfrm>
-            <a:off x="2791754" y="1618320"/>
-            <a:ext cx="3970510" cy="468433"/>
-          </a:xfrm>
-          <a:prstGeom prst="rightArrow">
-            <a:avLst/>
-          </a:prstGeom>
-          <a:solidFill>
-            <a:srgbClr val="92D050"/>
-          </a:solidFill>
-        </p:spPr>
-        <p:style>
-          <a:lnRef idx="3">
-            <a:schemeClr val="lt1"/>
-          </a:lnRef>
-          <a:fillRef idx="1">
-            <a:schemeClr val="dk1"/>
-          </a:fillRef>
-          <a:effectRef idx="1">
-            <a:schemeClr val="dk1"/>
-          </a:effectRef>
-          <a:fontRef idx="minor">
-            <a:schemeClr val="lt1"/>
-          </a:fontRef>
-        </p:style>
-        <p:txBody>
-          <a:bodyPr rtlCol="0" anchor="ctr"/>
-          <a:lstStyle/>
-          <a:p>
-            <a:pPr algn="ctr"/>
-            <a:r>
-              <a:rPr lang="ko-KR" altLang="en-US" sz="1200" dirty="0">
+              </a:endParaRPr>
+            </a:p>
+          </p:txBody>
+        </p:sp>
+        <p:sp>
+          <p:nvSpPr>
+            <p:cNvPr id="19" name="화살표: 오른쪽 18">
+              <a:extLst>
+                <a:ext uri="{FF2B5EF4-FFF2-40B4-BE49-F238E27FC236}">
+                  <a16:creationId xmlns:a16="http://schemas.microsoft.com/office/drawing/2014/main" id="{172BF70E-5860-D947-E083-D36F31FF2704}"/>
+                </a:ext>
+              </a:extLst>
+            </p:cNvPr>
+            <p:cNvSpPr/>
+            <p:nvPr/>
+          </p:nvSpPr>
+          <p:spPr>
+            <a:xfrm>
+              <a:off x="6762262" y="2828509"/>
+              <a:ext cx="1706378" cy="1244475"/>
+            </a:xfrm>
+            <a:prstGeom prst="rightArrow">
+              <a:avLst>
+                <a:gd name="adj1" fmla="val 50000"/>
+                <a:gd name="adj2" fmla="val 19651"/>
+              </a:avLst>
+            </a:prstGeom>
+            <a:solidFill>
+              <a:schemeClr val="bg1"/>
+            </a:solidFill>
+            <a:ln>
+              <a:solidFill>
+                <a:schemeClr val="tx1"/>
+              </a:solidFill>
+            </a:ln>
+          </p:spPr>
+          <p:style>
+            <a:lnRef idx="3">
+              <a:schemeClr val="lt1"/>
+            </a:lnRef>
+            <a:fillRef idx="1">
+              <a:schemeClr val="dk1"/>
+            </a:fillRef>
+            <a:effectRef idx="1">
+              <a:schemeClr val="dk1"/>
+            </a:effectRef>
+            <a:fontRef idx="minor">
+              <a:schemeClr val="lt1"/>
+            </a:fontRef>
+          </p:style>
+          <p:txBody>
+            <a:bodyPr rtlCol="0" anchor="ctr"/>
+            <a:lstStyle/>
+            <a:p>
+              <a:pPr algn="ctr"/>
+              <a:endParaRPr lang="en-US" altLang="ko-KR" sz="1200" dirty="0">
                 <a:latin typeface="Microsoft GothicNeo Light" panose="020B0300000101010101" pitchFamily="50" charset="-127"/>
                 <a:ea typeface="Microsoft GothicNeo Light" panose="020B0300000101010101" pitchFamily="50" charset="-127"/>
                 <a:cs typeface="Microsoft GothicNeo Light" panose="020B0300000101010101" pitchFamily="50" charset="-127"/>
-              </a:rPr>
-              <a:t>중위권</a:t>
-            </a:r>
-          </a:p>
-        </p:txBody>
-      </p:sp>
-      <p:sp>
-        <p:nvSpPr>
-          <p:cNvPr id="11" name="TextBox 10">
-            <a:extLst>
-              <a:ext uri="{FF2B5EF4-FFF2-40B4-BE49-F238E27FC236}">
-                <a16:creationId xmlns:a16="http://schemas.microsoft.com/office/drawing/2014/main" id="{66357BD7-160D-4567-7F8F-24AA6F24871A}"/>
-              </a:ext>
-            </a:extLst>
-          </p:cNvPr>
-          <p:cNvSpPr txBox="1"/>
-          <p:nvPr/>
-        </p:nvSpPr>
-        <p:spPr>
-          <a:xfrm>
-            <a:off x="4319982" y="556784"/>
-            <a:ext cx="2485656" cy="578882"/>
-          </a:xfrm>
-          <a:prstGeom prst="roundRect">
-            <a:avLst/>
-          </a:prstGeom>
-          <a:ln w="9525"/>
-        </p:spPr>
-        <p:style>
-          <a:lnRef idx="2">
-            <a:schemeClr val="accent2"/>
-          </a:lnRef>
-          <a:fillRef idx="1">
-            <a:schemeClr val="lt1"/>
-          </a:fillRef>
-          <a:effectRef idx="0">
-            <a:schemeClr val="accent2"/>
-          </a:effectRef>
-          <a:fontRef idx="minor">
-            <a:schemeClr val="dk1"/>
-          </a:fontRef>
-        </p:style>
-        <p:txBody>
-          <a:bodyPr wrap="none" rtlCol="0">
-            <a:spAutoFit/>
-          </a:bodyPr>
-          <a:lstStyle/>
-          <a:p>
-            <a:pPr marL="0" lvl="0" indent="0" algn="ctr" rtl="0">
-              <a:spcBef>
-                <a:spcPts val="0"/>
-              </a:spcBef>
-              <a:spcAft>
-                <a:spcPts val="0"/>
-              </a:spcAft>
-              <a:buNone/>
-            </a:pPr>
-            <a:r>
-              <a:rPr lang="ko-KR" altLang="en-US" sz="1400" dirty="0">
-                <a:latin typeface="Microsoft GothicNeo Light" panose="020B0300000101010101" pitchFamily="50" charset="-127"/>
-                <a:ea typeface="Microsoft GothicNeo Light" panose="020B0300000101010101" pitchFamily="50" charset="-127"/>
-                <a:cs typeface="Microsoft GothicNeo Light" panose="020B0300000101010101" pitchFamily="50" charset="-127"/>
-              </a:rPr>
-              <a:t>보스 패턴의 변경 점</a:t>
-            </a:r>
-          </a:p>
-          <a:p>
-            <a:pPr marL="0" lvl="0" indent="0" algn="ctr" rtl="0">
-              <a:spcBef>
-                <a:spcPts val="0"/>
-              </a:spcBef>
-              <a:spcAft>
-                <a:spcPts val="0"/>
-              </a:spcAft>
-              <a:buNone/>
-            </a:pPr>
-            <a:r>
-              <a:rPr lang="ko-KR" altLang="en-US" sz="1400" dirty="0">
-                <a:latin typeface="Microsoft GothicNeo Light" panose="020B0300000101010101" pitchFamily="50" charset="-127"/>
-                <a:ea typeface="Microsoft GothicNeo Light" panose="020B0300000101010101" pitchFamily="50" charset="-127"/>
-                <a:cs typeface="Microsoft GothicNeo Light" panose="020B0300000101010101" pitchFamily="50" charset="-127"/>
-              </a:rPr>
-              <a:t>분노</a:t>
-            </a:r>
-            <a:r>
-              <a:rPr lang="en-US" altLang="ko-KR" sz="1400" dirty="0">
-                <a:latin typeface="Microsoft GothicNeo Light" panose="020B0300000101010101" pitchFamily="50" charset="-127"/>
-                <a:ea typeface="Microsoft GothicNeo Light" panose="020B0300000101010101" pitchFamily="50" charset="-127"/>
-                <a:cs typeface="Microsoft GothicNeo Light" panose="020B0300000101010101" pitchFamily="50" charset="-127"/>
-              </a:rPr>
-              <a:t>, </a:t>
-            </a:r>
-            <a:r>
-              <a:rPr lang="ko-KR" altLang="en-US" sz="1400" dirty="0">
-                <a:latin typeface="Microsoft GothicNeo Light" panose="020B0300000101010101" pitchFamily="50" charset="-127"/>
-                <a:ea typeface="Microsoft GothicNeo Light" panose="020B0300000101010101" pitchFamily="50" charset="-127"/>
-                <a:cs typeface="Microsoft GothicNeo Light" panose="020B0300000101010101" pitchFamily="50" charset="-127"/>
-              </a:rPr>
-              <a:t>광폭화 혹은 약화 상태 등</a:t>
-            </a:r>
-          </a:p>
-        </p:txBody>
-      </p:sp>
-      <p:sp>
-        <p:nvSpPr>
-          <p:cNvPr id="12" name="화살표: 오른쪽 11">
-            <a:extLst>
-              <a:ext uri="{FF2B5EF4-FFF2-40B4-BE49-F238E27FC236}">
-                <a16:creationId xmlns:a16="http://schemas.microsoft.com/office/drawing/2014/main" id="{DB29A337-BE34-EDBF-B593-C5469AFDAA39}"/>
-              </a:ext>
-            </a:extLst>
-          </p:cNvPr>
-          <p:cNvSpPr/>
-          <p:nvPr/>
-        </p:nvSpPr>
-        <p:spPr>
-          <a:xfrm>
-            <a:off x="2791751" y="1947321"/>
-            <a:ext cx="5676880" cy="468433"/>
-          </a:xfrm>
-          <a:prstGeom prst="rightArrow">
-            <a:avLst/>
-          </a:prstGeom>
-          <a:solidFill>
-            <a:srgbClr val="FF0000"/>
-          </a:solidFill>
-        </p:spPr>
-        <p:style>
-          <a:lnRef idx="3">
-            <a:schemeClr val="lt1"/>
-          </a:lnRef>
-          <a:fillRef idx="1">
-            <a:schemeClr val="dk1"/>
-          </a:fillRef>
-          <a:effectRef idx="1">
-            <a:schemeClr val="dk1"/>
-          </a:effectRef>
-          <a:fontRef idx="minor">
-            <a:schemeClr val="lt1"/>
-          </a:fontRef>
-        </p:style>
-        <p:txBody>
-          <a:bodyPr rtlCol="0" anchor="ctr"/>
-          <a:lstStyle/>
-          <a:p>
-            <a:pPr algn="ctr"/>
-            <a:r>
-              <a:rPr lang="ko-KR" altLang="en-US" sz="1200" dirty="0">
-                <a:latin typeface="Microsoft GothicNeo Light" panose="020B0300000101010101" pitchFamily="50" charset="-127"/>
-                <a:ea typeface="Microsoft GothicNeo Light" panose="020B0300000101010101" pitchFamily="50" charset="-127"/>
-                <a:cs typeface="Microsoft GothicNeo Light" panose="020B0300000101010101" pitchFamily="50" charset="-127"/>
-              </a:rPr>
-              <a:t>하위권</a:t>
-            </a:r>
-          </a:p>
-        </p:txBody>
-      </p:sp>
-      <p:cxnSp>
-        <p:nvCxnSpPr>
-          <p:cNvPr id="13" name="직선 연결선 12">
-            <a:extLst>
-              <a:ext uri="{FF2B5EF4-FFF2-40B4-BE49-F238E27FC236}">
-                <a16:creationId xmlns:a16="http://schemas.microsoft.com/office/drawing/2014/main" id="{DD13F665-7B8B-E294-A6D2-ABFB6A5D5CB1}"/>
-              </a:ext>
-            </a:extLst>
-          </p:cNvPr>
-          <p:cNvCxnSpPr>
-            <a:cxnSpLocks/>
-          </p:cNvCxnSpPr>
-          <p:nvPr/>
-        </p:nvCxnSpPr>
-        <p:spPr>
-          <a:xfrm>
-            <a:off x="4574706" y="2764946"/>
-            <a:ext cx="0" cy="1371600"/>
-          </a:xfrm>
-          <a:prstGeom prst="line">
-            <a:avLst/>
-          </a:prstGeom>
-          <a:ln w="101600">
-            <a:solidFill>
-              <a:schemeClr val="tx1"/>
-            </a:solidFill>
-          </a:ln>
-        </p:spPr>
-        <p:style>
-          <a:lnRef idx="1">
-            <a:schemeClr val="accent1"/>
-          </a:lnRef>
-          <a:fillRef idx="0">
-            <a:schemeClr val="accent1"/>
-          </a:fillRef>
-          <a:effectRef idx="0">
-            <a:schemeClr val="accent1"/>
-          </a:effectRef>
-          <a:fontRef idx="minor">
-            <a:schemeClr val="tx1"/>
-          </a:fontRef>
-        </p:style>
-      </p:cxnSp>
-      <p:sp>
-        <p:nvSpPr>
-          <p:cNvPr id="14" name="TextBox 13">
-            <a:extLst>
-              <a:ext uri="{FF2B5EF4-FFF2-40B4-BE49-F238E27FC236}">
-                <a16:creationId xmlns:a16="http://schemas.microsoft.com/office/drawing/2014/main" id="{919A3DAC-285A-A4A4-6B70-1BA3D03DA514}"/>
-              </a:ext>
-            </a:extLst>
-          </p:cNvPr>
-          <p:cNvSpPr txBox="1"/>
-          <p:nvPr/>
-        </p:nvSpPr>
-        <p:spPr>
-          <a:xfrm>
-            <a:off x="4410214" y="4322177"/>
-            <a:ext cx="2396097" cy="340519"/>
-          </a:xfrm>
-          <a:prstGeom prst="roundRect">
-            <a:avLst/>
-          </a:prstGeom>
-          <a:ln w="9525"/>
-        </p:spPr>
-        <p:style>
-          <a:lnRef idx="2">
-            <a:schemeClr val="dk1"/>
-          </a:lnRef>
-          <a:fillRef idx="1">
-            <a:schemeClr val="lt1"/>
-          </a:fillRef>
-          <a:effectRef idx="0">
-            <a:schemeClr val="dk1"/>
-          </a:effectRef>
-          <a:fontRef idx="minor">
-            <a:schemeClr val="dk1"/>
-          </a:fontRef>
-        </p:style>
-        <p:txBody>
-          <a:bodyPr wrap="square" rtlCol="0">
-            <a:spAutoFit/>
-          </a:bodyPr>
-          <a:lstStyle/>
-          <a:p>
-            <a:pPr marL="0" lvl="0" indent="0" algn="ctr" rtl="0">
-              <a:spcBef>
-                <a:spcPts val="0"/>
-              </a:spcBef>
-              <a:spcAft>
-                <a:spcPts val="0"/>
-              </a:spcAft>
-              <a:buNone/>
-            </a:pPr>
-            <a:r>
-              <a:rPr lang="ko-KR" altLang="en-US" sz="1400" dirty="0">
-                <a:latin typeface="Microsoft GothicNeo Light" panose="020B0300000101010101" pitchFamily="50" charset="-127"/>
-                <a:ea typeface="Microsoft GothicNeo Light" panose="020B0300000101010101" pitchFamily="50" charset="-127"/>
-                <a:cs typeface="Microsoft GothicNeo Light" panose="020B0300000101010101" pitchFamily="50" charset="-127"/>
-              </a:rPr>
-              <a:t>전멸공격</a:t>
-            </a:r>
-            <a:r>
-              <a:rPr lang="en-US" altLang="ko-KR" sz="1400" dirty="0">
-                <a:latin typeface="Microsoft GothicNeo Light" panose="020B0300000101010101" pitchFamily="50" charset="-127"/>
-                <a:ea typeface="Microsoft GothicNeo Light" panose="020B0300000101010101" pitchFamily="50" charset="-127"/>
-                <a:cs typeface="Microsoft GothicNeo Light" panose="020B0300000101010101" pitchFamily="50" charset="-127"/>
-              </a:rPr>
-              <a:t>, </a:t>
-            </a:r>
-            <a:r>
-              <a:rPr lang="ko-KR" altLang="en-US" sz="1400" dirty="0">
-                <a:latin typeface="Microsoft GothicNeo Light" panose="020B0300000101010101" pitchFamily="50" charset="-127"/>
-                <a:ea typeface="Microsoft GothicNeo Light" panose="020B0300000101010101" pitchFamily="50" charset="-127"/>
-                <a:cs typeface="Microsoft GothicNeo Light" panose="020B0300000101010101" pitchFamily="50" charset="-127"/>
-              </a:rPr>
-              <a:t>패턴 파훼형식</a:t>
-            </a:r>
-          </a:p>
-        </p:txBody>
-      </p:sp>
-      <p:cxnSp>
-        <p:nvCxnSpPr>
-          <p:cNvPr id="15" name="직선 연결선 14">
-            <a:extLst>
-              <a:ext uri="{FF2B5EF4-FFF2-40B4-BE49-F238E27FC236}">
-                <a16:creationId xmlns:a16="http://schemas.microsoft.com/office/drawing/2014/main" id="{2663C592-29E0-FBBE-31A2-9D44200D1C97}"/>
-              </a:ext>
-            </a:extLst>
-          </p:cNvPr>
-          <p:cNvCxnSpPr>
-            <a:cxnSpLocks/>
-          </p:cNvCxnSpPr>
-          <p:nvPr/>
-        </p:nvCxnSpPr>
-        <p:spPr>
-          <a:xfrm>
-            <a:off x="6610069" y="2764946"/>
-            <a:ext cx="0" cy="1371600"/>
-          </a:xfrm>
-          <a:prstGeom prst="line">
-            <a:avLst/>
-          </a:prstGeom>
-          <a:ln w="101600">
-            <a:solidFill>
-              <a:schemeClr val="tx1"/>
-            </a:solidFill>
-          </a:ln>
-        </p:spPr>
-        <p:style>
-          <a:lnRef idx="1">
-            <a:schemeClr val="accent1"/>
-          </a:lnRef>
-          <a:fillRef idx="0">
-            <a:schemeClr val="accent1"/>
-          </a:fillRef>
-          <a:effectRef idx="0">
-            <a:schemeClr val="accent1"/>
-          </a:effectRef>
-          <a:fontRef idx="minor">
-            <a:schemeClr val="tx1"/>
-          </a:fontRef>
-        </p:style>
-      </p:cxnSp>
-      <p:sp>
-        <p:nvSpPr>
-          <p:cNvPr id="17" name="화살표: 오른쪽 16">
-            <a:extLst>
-              <a:ext uri="{FF2B5EF4-FFF2-40B4-BE49-F238E27FC236}">
-                <a16:creationId xmlns:a16="http://schemas.microsoft.com/office/drawing/2014/main" id="{FCA8EBB6-EB40-BF4E-46AF-F58CDFABF393}"/>
-              </a:ext>
-            </a:extLst>
-          </p:cNvPr>
-          <p:cNvSpPr/>
-          <p:nvPr/>
-        </p:nvSpPr>
-        <p:spPr>
-          <a:xfrm>
-            <a:off x="2791753" y="2828509"/>
-            <a:ext cx="1618461" cy="1244475"/>
-          </a:xfrm>
-          <a:prstGeom prst="rightArrow">
-            <a:avLst>
-              <a:gd name="adj1" fmla="val 50000"/>
-              <a:gd name="adj2" fmla="val 19651"/>
-            </a:avLst>
-          </a:prstGeom>
-          <a:solidFill>
-            <a:schemeClr val="accent1"/>
-          </a:solidFill>
-        </p:spPr>
-        <p:style>
-          <a:lnRef idx="3">
-            <a:schemeClr val="lt1"/>
-          </a:lnRef>
-          <a:fillRef idx="1">
-            <a:schemeClr val="dk1"/>
-          </a:fillRef>
-          <a:effectRef idx="1">
-            <a:schemeClr val="dk1"/>
-          </a:effectRef>
-          <a:fontRef idx="minor">
-            <a:schemeClr val="lt1"/>
-          </a:fontRef>
-        </p:style>
-        <p:txBody>
-          <a:bodyPr rtlCol="0" anchor="ctr"/>
-          <a:lstStyle/>
-          <a:p>
-            <a:pPr algn="ctr"/>
-            <a:r>
-              <a:rPr lang="ko-KR" altLang="en-US" sz="1200" dirty="0">
-                <a:latin typeface="Microsoft GothicNeo Light" panose="020B0300000101010101" pitchFamily="50" charset="-127"/>
-                <a:ea typeface="Microsoft GothicNeo Light" panose="020B0300000101010101" pitchFamily="50" charset="-127"/>
-                <a:cs typeface="Microsoft GothicNeo Light" panose="020B0300000101010101" pitchFamily="50" charset="-127"/>
-              </a:rPr>
-              <a:t>기본 상태</a:t>
-            </a:r>
-            <a:endParaRPr lang="en-US" altLang="ko-KR" sz="1200" dirty="0">
-              <a:latin typeface="Microsoft GothicNeo Light" panose="020B0300000101010101" pitchFamily="50" charset="-127"/>
-              <a:ea typeface="Microsoft GothicNeo Light" panose="020B0300000101010101" pitchFamily="50" charset="-127"/>
-              <a:cs typeface="Microsoft GothicNeo Light" panose="020B0300000101010101" pitchFamily="50" charset="-127"/>
-            </a:endParaRPr>
-          </a:p>
-        </p:txBody>
-      </p:sp>
-      <p:sp>
-        <p:nvSpPr>
-          <p:cNvPr id="18" name="화살표: 오른쪽 17">
-            <a:extLst>
-              <a:ext uri="{FF2B5EF4-FFF2-40B4-BE49-F238E27FC236}">
-                <a16:creationId xmlns:a16="http://schemas.microsoft.com/office/drawing/2014/main" id="{5C5243A2-B0A4-B111-E11C-FE2618347993}"/>
-              </a:ext>
-            </a:extLst>
-          </p:cNvPr>
-          <p:cNvSpPr/>
-          <p:nvPr/>
-        </p:nvSpPr>
-        <p:spPr>
-          <a:xfrm>
-            <a:off x="4739200" y="2828509"/>
-            <a:ext cx="1706378" cy="1244475"/>
-          </a:xfrm>
-          <a:prstGeom prst="rightArrow">
-            <a:avLst>
-              <a:gd name="adj1" fmla="val 50000"/>
-              <a:gd name="adj2" fmla="val 19651"/>
-            </a:avLst>
-          </a:prstGeom>
-          <a:solidFill>
-            <a:srgbClr val="92D050"/>
-          </a:solidFill>
-        </p:spPr>
-        <p:style>
-          <a:lnRef idx="3">
-            <a:schemeClr val="lt1"/>
-          </a:lnRef>
-          <a:fillRef idx="1">
-            <a:schemeClr val="dk1"/>
-          </a:fillRef>
-          <a:effectRef idx="1">
-            <a:schemeClr val="dk1"/>
-          </a:effectRef>
-          <a:fontRef idx="minor">
-            <a:schemeClr val="lt1"/>
-          </a:fontRef>
-        </p:style>
-        <p:txBody>
-          <a:bodyPr rtlCol="0" anchor="ctr"/>
-          <a:lstStyle/>
-          <a:p>
-            <a:pPr algn="ctr"/>
-            <a:r>
-              <a:rPr lang="ko-KR" altLang="en-US" sz="1200" dirty="0">
-                <a:latin typeface="Microsoft GothicNeo Light" panose="020B0300000101010101" pitchFamily="50" charset="-127"/>
-                <a:ea typeface="Microsoft GothicNeo Light" panose="020B0300000101010101" pitchFamily="50" charset="-127"/>
-                <a:cs typeface="Microsoft GothicNeo Light" panose="020B0300000101010101" pitchFamily="50" charset="-127"/>
-              </a:rPr>
-              <a:t>분노 상태</a:t>
-            </a:r>
-            <a:endParaRPr lang="en-US" altLang="ko-KR" sz="1200" dirty="0">
-              <a:latin typeface="Microsoft GothicNeo Light" panose="020B0300000101010101" pitchFamily="50" charset="-127"/>
-              <a:ea typeface="Microsoft GothicNeo Light" panose="020B0300000101010101" pitchFamily="50" charset="-127"/>
-              <a:cs typeface="Microsoft GothicNeo Light" panose="020B0300000101010101" pitchFamily="50" charset="-127"/>
-            </a:endParaRPr>
-          </a:p>
-          <a:p>
-            <a:pPr algn="ctr"/>
-            <a:r>
-              <a:rPr lang="en-US" altLang="ko-KR" sz="800" dirty="0">
-                <a:latin typeface="Microsoft GothicNeo Light" panose="020B0300000101010101" pitchFamily="50" charset="-127"/>
-                <a:ea typeface="Microsoft GothicNeo Light" panose="020B0300000101010101" pitchFamily="50" charset="-127"/>
-                <a:cs typeface="Microsoft GothicNeo Light" panose="020B0300000101010101" pitchFamily="50" charset="-127"/>
-              </a:rPr>
-              <a:t>( </a:t>
-            </a:r>
-            <a:r>
-              <a:rPr lang="ko-KR" altLang="en-US" sz="800" dirty="0">
-                <a:latin typeface="Microsoft GothicNeo Light" panose="020B0300000101010101" pitchFamily="50" charset="-127"/>
-                <a:ea typeface="Microsoft GothicNeo Light" panose="020B0300000101010101" pitchFamily="50" charset="-127"/>
-                <a:cs typeface="Microsoft GothicNeo Light" panose="020B0300000101010101" pitchFamily="50" charset="-127"/>
-              </a:rPr>
-              <a:t>강하고 빠른 공격 </a:t>
-            </a:r>
-            <a:r>
-              <a:rPr lang="en-US" altLang="ko-KR" sz="800" dirty="0">
-                <a:latin typeface="Microsoft GothicNeo Light" panose="020B0300000101010101" pitchFamily="50" charset="-127"/>
-                <a:ea typeface="Microsoft GothicNeo Light" panose="020B0300000101010101" pitchFamily="50" charset="-127"/>
-                <a:cs typeface="Microsoft GothicNeo Light" panose="020B0300000101010101" pitchFamily="50" charset="-127"/>
-              </a:rPr>
-              <a:t>)</a:t>
-            </a:r>
-          </a:p>
-        </p:txBody>
-      </p:sp>
-      <p:sp>
-        <p:nvSpPr>
-          <p:cNvPr id="19" name="화살표: 오른쪽 18">
-            <a:extLst>
-              <a:ext uri="{FF2B5EF4-FFF2-40B4-BE49-F238E27FC236}">
-                <a16:creationId xmlns:a16="http://schemas.microsoft.com/office/drawing/2014/main" id="{172BF70E-5860-D947-E083-D36F31FF2704}"/>
-              </a:ext>
-            </a:extLst>
-          </p:cNvPr>
-          <p:cNvSpPr/>
-          <p:nvPr/>
-        </p:nvSpPr>
-        <p:spPr>
-          <a:xfrm>
-            <a:off x="6762262" y="2828509"/>
-            <a:ext cx="1706378" cy="1244475"/>
-          </a:xfrm>
-          <a:prstGeom prst="rightArrow">
-            <a:avLst>
-              <a:gd name="adj1" fmla="val 50000"/>
-              <a:gd name="adj2" fmla="val 19651"/>
-            </a:avLst>
-          </a:prstGeom>
-          <a:solidFill>
-            <a:srgbClr val="FF0000"/>
-          </a:solidFill>
-        </p:spPr>
-        <p:style>
-          <a:lnRef idx="3">
-            <a:schemeClr val="lt1"/>
-          </a:lnRef>
-          <a:fillRef idx="1">
-            <a:schemeClr val="dk1"/>
-          </a:fillRef>
-          <a:effectRef idx="1">
-            <a:schemeClr val="dk1"/>
-          </a:effectRef>
-          <a:fontRef idx="minor">
-            <a:schemeClr val="lt1"/>
-          </a:fontRef>
-        </p:style>
-        <p:txBody>
-          <a:bodyPr rtlCol="0" anchor="ctr"/>
-          <a:lstStyle/>
-          <a:p>
-            <a:pPr algn="ctr"/>
-            <a:r>
-              <a:rPr lang="ko-KR" altLang="en-US" sz="1200" dirty="0">
-                <a:latin typeface="Microsoft GothicNeo Light" panose="020B0300000101010101" pitchFamily="50" charset="-127"/>
-                <a:ea typeface="Microsoft GothicNeo Light" panose="020B0300000101010101" pitchFamily="50" charset="-127"/>
-                <a:cs typeface="Microsoft GothicNeo Light" panose="020B0300000101010101" pitchFamily="50" charset="-127"/>
-              </a:rPr>
-              <a:t>빈약 상태</a:t>
-            </a:r>
-            <a:endParaRPr lang="en-US" altLang="ko-KR" sz="1200" dirty="0">
-              <a:latin typeface="Microsoft GothicNeo Light" panose="020B0300000101010101" pitchFamily="50" charset="-127"/>
-              <a:ea typeface="Microsoft GothicNeo Light" panose="020B0300000101010101" pitchFamily="50" charset="-127"/>
-              <a:cs typeface="Microsoft GothicNeo Light" panose="020B0300000101010101" pitchFamily="50" charset="-127"/>
-            </a:endParaRPr>
-          </a:p>
-          <a:p>
-            <a:pPr algn="ctr"/>
-            <a:r>
-              <a:rPr lang="en-US" altLang="ko-KR" sz="800" dirty="0">
-                <a:latin typeface="Microsoft GothicNeo Light" panose="020B0300000101010101" pitchFamily="50" charset="-127"/>
-                <a:ea typeface="Microsoft GothicNeo Light" panose="020B0300000101010101" pitchFamily="50" charset="-127"/>
-                <a:cs typeface="Microsoft GothicNeo Light" panose="020B0300000101010101" pitchFamily="50" charset="-127"/>
-              </a:rPr>
-              <a:t>(</a:t>
-            </a:r>
-            <a:r>
-              <a:rPr lang="ko-KR" altLang="en-US" sz="800" dirty="0">
-                <a:latin typeface="Microsoft GothicNeo Light" panose="020B0300000101010101" pitchFamily="50" charset="-127"/>
-                <a:ea typeface="Microsoft GothicNeo Light" panose="020B0300000101010101" pitchFamily="50" charset="-127"/>
-                <a:cs typeface="Microsoft GothicNeo Light" panose="020B0300000101010101" pitchFamily="50" charset="-127"/>
-              </a:rPr>
-              <a:t>공격 후 그로기 상태</a:t>
-            </a:r>
-            <a:r>
-              <a:rPr lang="en-US" altLang="ko-KR" sz="800" dirty="0">
-                <a:latin typeface="Microsoft GothicNeo Light" panose="020B0300000101010101" pitchFamily="50" charset="-127"/>
-                <a:ea typeface="Microsoft GothicNeo Light" panose="020B0300000101010101" pitchFamily="50" charset="-127"/>
-                <a:cs typeface="Microsoft GothicNeo Light" panose="020B0300000101010101" pitchFamily="50" charset="-127"/>
-              </a:rPr>
-              <a:t>)</a:t>
-            </a:r>
-            <a:endParaRPr lang="en-US" altLang="ko-KR" sz="1200" dirty="0">
-              <a:latin typeface="Microsoft GothicNeo Light" panose="020B0300000101010101" pitchFamily="50" charset="-127"/>
-              <a:ea typeface="Microsoft GothicNeo Light" panose="020B0300000101010101" pitchFamily="50" charset="-127"/>
-              <a:cs typeface="Microsoft GothicNeo Light" panose="020B0300000101010101" pitchFamily="50" charset="-127"/>
-            </a:endParaRPr>
-          </a:p>
-        </p:txBody>
-      </p:sp>
-      <p:sp>
-        <p:nvSpPr>
-          <p:cNvPr id="20" name="TextBox 19">
-            <a:extLst>
-              <a:ext uri="{FF2B5EF4-FFF2-40B4-BE49-F238E27FC236}">
-                <a16:creationId xmlns:a16="http://schemas.microsoft.com/office/drawing/2014/main" id="{9EBFB019-B680-6D88-1306-6A7761E3C8B9}"/>
-              </a:ext>
-            </a:extLst>
-          </p:cNvPr>
-          <p:cNvSpPr txBox="1"/>
-          <p:nvPr/>
-        </p:nvSpPr>
-        <p:spPr>
-          <a:xfrm>
-            <a:off x="675359" y="384742"/>
-            <a:ext cx="4018467" cy="369332"/>
-          </a:xfrm>
-          <a:prstGeom prst="rect">
-            <a:avLst/>
-          </a:prstGeom>
-          <a:noFill/>
-        </p:spPr>
-        <p:txBody>
-          <a:bodyPr wrap="none" rtlCol="0">
-            <a:spAutoFit/>
-          </a:bodyPr>
-          <a:lstStyle/>
-          <a:p>
-            <a:r>
-              <a:rPr lang="ko-KR" altLang="en-US" dirty="0">
-                <a:latin typeface="Microsoft GothicNeo Light" panose="020B0300000101010101" pitchFamily="50" charset="-127"/>
-                <a:ea typeface="Microsoft GothicNeo Light" panose="020B0300000101010101" pitchFamily="50" charset="-127"/>
-                <a:cs typeface="Microsoft GothicNeo Light" panose="020B0300000101010101" pitchFamily="50" charset="-127"/>
-              </a:rPr>
-              <a:t>보스 레이드 패턴 기본 구성</a:t>
-            </a:r>
-          </a:p>
-        </p:txBody>
-      </p:sp>
+              </a:endParaRPr>
+            </a:p>
+          </p:txBody>
+        </p:sp>
+        <p:sp>
+          <p:nvSpPr>
+            <p:cNvPr id="20" name="TextBox 19">
+              <a:extLst>
+                <a:ext uri="{FF2B5EF4-FFF2-40B4-BE49-F238E27FC236}">
+                  <a16:creationId xmlns:a16="http://schemas.microsoft.com/office/drawing/2014/main" id="{9EBFB019-B680-6D88-1306-6A7761E3C8B9}"/>
+                </a:ext>
+              </a:extLst>
+            </p:cNvPr>
+            <p:cNvSpPr txBox="1"/>
+            <p:nvPr/>
+          </p:nvSpPr>
+          <p:spPr>
+            <a:xfrm>
+              <a:off x="675359" y="384742"/>
+              <a:ext cx="4018467" cy="369332"/>
+            </a:xfrm>
+            <a:prstGeom prst="rect">
+              <a:avLst/>
+            </a:prstGeom>
+            <a:noFill/>
+          </p:spPr>
+          <p:txBody>
+            <a:bodyPr wrap="none" rtlCol="0">
+              <a:spAutoFit/>
+            </a:bodyPr>
+            <a:lstStyle/>
+            <a:p>
+              <a:r>
+                <a:rPr lang="ko-KR" altLang="en-US" dirty="0">
+                  <a:latin typeface="Microsoft GothicNeo Light" panose="020B0300000101010101" pitchFamily="50" charset="-127"/>
+                  <a:ea typeface="Microsoft GothicNeo Light" panose="020B0300000101010101" pitchFamily="50" charset="-127"/>
+                  <a:cs typeface="Microsoft GothicNeo Light" panose="020B0300000101010101" pitchFamily="50" charset="-127"/>
+                </a:rPr>
+                <a:t>보스 레이드 패턴 기본 구성</a:t>
+              </a:r>
+            </a:p>
+          </p:txBody>
+        </p:sp>
+        <p:sp>
+          <p:nvSpPr>
+            <p:cNvPr id="2" name="TextBox 1">
+              <a:extLst>
+                <a:ext uri="{FF2B5EF4-FFF2-40B4-BE49-F238E27FC236}">
+                  <a16:creationId xmlns:a16="http://schemas.microsoft.com/office/drawing/2014/main" id="{5F24668E-9581-4877-885E-3F02B096D83C}"/>
+                </a:ext>
+              </a:extLst>
+            </p:cNvPr>
+            <p:cNvSpPr txBox="1"/>
+            <p:nvPr/>
+          </p:nvSpPr>
+          <p:spPr>
+            <a:xfrm>
+              <a:off x="5904271" y="4313459"/>
+              <a:ext cx="1325568" cy="306467"/>
+            </a:xfrm>
+            <a:prstGeom prst="roundRect">
+              <a:avLst/>
+            </a:prstGeom>
+            <a:ln w="9525"/>
+          </p:spPr>
+          <p:style>
+            <a:lnRef idx="2">
+              <a:schemeClr val="dk1"/>
+            </a:lnRef>
+            <a:fillRef idx="1">
+              <a:schemeClr val="lt1"/>
+            </a:fillRef>
+            <a:effectRef idx="0">
+              <a:schemeClr val="dk1"/>
+            </a:effectRef>
+            <a:fontRef idx="minor">
+              <a:schemeClr val="dk1"/>
+            </a:fontRef>
+          </p:style>
+          <p:txBody>
+            <a:bodyPr wrap="square" rtlCol="0">
+              <a:spAutoFit/>
+            </a:bodyPr>
+            <a:lstStyle/>
+            <a:p>
+              <a:pPr marL="0" lvl="0" indent="0" algn="ctr" rtl="0">
+                <a:spcBef>
+                  <a:spcPts val="0"/>
+                </a:spcBef>
+                <a:spcAft>
+                  <a:spcPts val="0"/>
+                </a:spcAft>
+                <a:buNone/>
+              </a:pPr>
+              <a:r>
+                <a:rPr lang="ko-KR" altLang="en-US" sz="1200" dirty="0">
+                  <a:latin typeface="Microsoft GothicNeo Light" panose="020B0300000101010101" pitchFamily="50" charset="-127"/>
+                  <a:ea typeface="Microsoft GothicNeo Light" panose="020B0300000101010101" pitchFamily="50" charset="-127"/>
+                  <a:cs typeface="Microsoft GothicNeo Light" panose="020B0300000101010101" pitchFamily="50" charset="-127"/>
+                </a:rPr>
+                <a:t>전멸공격 </a:t>
+              </a:r>
+              <a:r>
+                <a:rPr lang="en-US" altLang="ko-KR" sz="1200" dirty="0">
+                  <a:latin typeface="Microsoft GothicNeo Light" panose="020B0300000101010101" pitchFamily="50" charset="-127"/>
+                  <a:ea typeface="Microsoft GothicNeo Light" panose="020B0300000101010101" pitchFamily="50" charset="-127"/>
+                  <a:cs typeface="Microsoft GothicNeo Light" panose="020B0300000101010101" pitchFamily="50" charset="-127"/>
+                </a:rPr>
+                <a:t>2</a:t>
+              </a:r>
+              <a:r>
+                <a:rPr lang="ko-KR" altLang="en-US" sz="1200" dirty="0">
+                  <a:latin typeface="Microsoft GothicNeo Light" panose="020B0300000101010101" pitchFamily="50" charset="-127"/>
+                  <a:ea typeface="Microsoft GothicNeo Light" panose="020B0300000101010101" pitchFamily="50" charset="-127"/>
+                  <a:cs typeface="Microsoft GothicNeo Light" panose="020B0300000101010101" pitchFamily="50" charset="-127"/>
+                </a:rPr>
+                <a:t>차</a:t>
+              </a:r>
+            </a:p>
+          </p:txBody>
+        </p:sp>
+        <p:sp>
+          <p:nvSpPr>
+            <p:cNvPr id="3" name="TextBox 2">
+              <a:extLst>
+                <a:ext uri="{FF2B5EF4-FFF2-40B4-BE49-F238E27FC236}">
+                  <a16:creationId xmlns:a16="http://schemas.microsoft.com/office/drawing/2014/main" id="{DCF6523F-B79F-3F58-C676-C616D9486047}"/>
+                </a:ext>
+              </a:extLst>
+            </p:cNvPr>
+            <p:cNvSpPr txBox="1"/>
+            <p:nvPr/>
+          </p:nvSpPr>
+          <p:spPr>
+            <a:xfrm>
+              <a:off x="3909216" y="704052"/>
+              <a:ext cx="1325568" cy="306467"/>
+            </a:xfrm>
+            <a:prstGeom prst="roundRect">
+              <a:avLst/>
+            </a:prstGeom>
+            <a:ln w="9525"/>
+          </p:spPr>
+          <p:style>
+            <a:lnRef idx="2">
+              <a:schemeClr val="dk1"/>
+            </a:lnRef>
+            <a:fillRef idx="1">
+              <a:schemeClr val="lt1"/>
+            </a:fillRef>
+            <a:effectRef idx="0">
+              <a:schemeClr val="dk1"/>
+            </a:effectRef>
+            <a:fontRef idx="minor">
+              <a:schemeClr val="dk1"/>
+            </a:fontRef>
+          </p:style>
+          <p:txBody>
+            <a:bodyPr wrap="square" rtlCol="0">
+              <a:spAutoFit/>
+            </a:bodyPr>
+            <a:lstStyle/>
+            <a:p>
+              <a:pPr marL="0" lvl="0" indent="0" algn="ctr" rtl="0">
+                <a:spcBef>
+                  <a:spcPts val="0"/>
+                </a:spcBef>
+                <a:spcAft>
+                  <a:spcPts val="0"/>
+                </a:spcAft>
+                <a:buNone/>
+              </a:pPr>
+              <a:r>
+                <a:rPr lang="ko-KR" altLang="en-US" sz="1200" dirty="0">
+                  <a:latin typeface="Microsoft GothicNeo Light" panose="020B0300000101010101" pitchFamily="50" charset="-127"/>
+                  <a:ea typeface="Microsoft GothicNeo Light" panose="020B0300000101010101" pitchFamily="50" charset="-127"/>
+                  <a:cs typeface="Microsoft GothicNeo Light" panose="020B0300000101010101" pitchFamily="50" charset="-127"/>
+                </a:rPr>
+                <a:t>광폭화</a:t>
+              </a:r>
+            </a:p>
+          </p:txBody>
+        </p:sp>
+        <p:sp>
+          <p:nvSpPr>
+            <p:cNvPr id="9" name="TextBox 8">
+              <a:extLst>
+                <a:ext uri="{FF2B5EF4-FFF2-40B4-BE49-F238E27FC236}">
+                  <a16:creationId xmlns:a16="http://schemas.microsoft.com/office/drawing/2014/main" id="{1202461D-4700-1F60-5E5A-022FA1D3731A}"/>
+                </a:ext>
+              </a:extLst>
+            </p:cNvPr>
+            <p:cNvSpPr txBox="1"/>
+            <p:nvPr/>
+          </p:nvSpPr>
+          <p:spPr>
+            <a:xfrm>
+              <a:off x="5904271" y="704051"/>
+              <a:ext cx="1325568" cy="306467"/>
+            </a:xfrm>
+            <a:prstGeom prst="roundRect">
+              <a:avLst/>
+            </a:prstGeom>
+            <a:ln w="9525"/>
+          </p:spPr>
+          <p:style>
+            <a:lnRef idx="2">
+              <a:schemeClr val="dk1"/>
+            </a:lnRef>
+            <a:fillRef idx="1">
+              <a:schemeClr val="lt1"/>
+            </a:fillRef>
+            <a:effectRef idx="0">
+              <a:schemeClr val="dk1"/>
+            </a:effectRef>
+            <a:fontRef idx="minor">
+              <a:schemeClr val="dk1"/>
+            </a:fontRef>
+          </p:style>
+          <p:txBody>
+            <a:bodyPr wrap="square" rtlCol="0">
+              <a:spAutoFit/>
+            </a:bodyPr>
+            <a:lstStyle/>
+            <a:p>
+              <a:pPr marL="0" lvl="0" indent="0" algn="ctr" rtl="0">
+                <a:spcBef>
+                  <a:spcPts val="0"/>
+                </a:spcBef>
+                <a:spcAft>
+                  <a:spcPts val="0"/>
+                </a:spcAft>
+                <a:buNone/>
+              </a:pPr>
+              <a:r>
+                <a:rPr lang="ko-KR" altLang="en-US" sz="1200" dirty="0">
+                  <a:latin typeface="Microsoft GothicNeo Light" panose="020B0300000101010101" pitchFamily="50" charset="-127"/>
+                  <a:ea typeface="Microsoft GothicNeo Light" panose="020B0300000101010101" pitchFamily="50" charset="-127"/>
+                  <a:cs typeface="Microsoft GothicNeo Light" panose="020B0300000101010101" pitchFamily="50" charset="-127"/>
+                </a:rPr>
+                <a:t>광폭화</a:t>
+              </a:r>
+            </a:p>
+          </p:txBody>
+        </p:sp>
+      </p:grpSp>
     </p:spTree>
     <p:extLst>
       <p:ext uri="{BB962C8B-B14F-4D97-AF65-F5344CB8AC3E}">
@@ -6709,61 +6783,6 @@
           <a:chExt cx="0" cy="0"/>
         </a:xfrm>
       </p:grpSpPr>
-      <p:sp>
-        <p:nvSpPr>
-          <p:cNvPr id="76" name="화살표: 오른쪽 75">
-            <a:extLst>
-              <a:ext uri="{FF2B5EF4-FFF2-40B4-BE49-F238E27FC236}">
-                <a16:creationId xmlns:a16="http://schemas.microsoft.com/office/drawing/2014/main" id="{8CD651A4-AFE6-2FF6-4927-ECB1D79AA220}"/>
-              </a:ext>
-            </a:extLst>
-          </p:cNvPr>
-          <p:cNvSpPr/>
-          <p:nvPr/>
-        </p:nvSpPr>
-        <p:spPr>
-          <a:xfrm>
-            <a:off x="207122" y="3353749"/>
-            <a:ext cx="3398785" cy="1054330"/>
-          </a:xfrm>
-          <a:prstGeom prst="rightArrow">
-            <a:avLst>
-              <a:gd name="adj1" fmla="val 41960"/>
-              <a:gd name="adj2" fmla="val 50000"/>
-            </a:avLst>
-          </a:prstGeom>
-          <a:solidFill>
-            <a:schemeClr val="tx2"/>
-          </a:solidFill>
-          <a:ln>
-            <a:noFill/>
-          </a:ln>
-        </p:spPr>
-        <p:style>
-          <a:lnRef idx="2">
-            <a:schemeClr val="accent1">
-              <a:shade val="50000"/>
-            </a:schemeClr>
-          </a:lnRef>
-          <a:fillRef idx="1">
-            <a:schemeClr val="accent1"/>
-          </a:fillRef>
-          <a:effectRef idx="0">
-            <a:schemeClr val="accent1"/>
-          </a:effectRef>
-          <a:fontRef idx="minor">
-            <a:schemeClr val="lt1"/>
-          </a:fontRef>
-        </p:style>
-        <p:txBody>
-          <a:bodyPr rtlCol="0" anchor="ctr"/>
-          <a:lstStyle/>
-          <a:p>
-            <a:pPr algn="ctr"/>
-            <a:endParaRPr lang="ko-KR" altLang="en-US"/>
-          </a:p>
-        </p:txBody>
-      </p:sp>
       <p:sp>
         <p:nvSpPr>
           <p:cNvPr id="13" name="Google Shape;83;p14">
@@ -7145,120 +7164,12 @@
           </a:p>
         </p:txBody>
       </p:sp>
-      <p:sp>
-        <p:nvSpPr>
-          <p:cNvPr id="21" name="TextBox 20">
+      <p:grpSp>
+        <p:nvGrpSpPr>
+          <p:cNvPr id="2" name="그룹 1">
             <a:extLst>
               <a:ext uri="{FF2B5EF4-FFF2-40B4-BE49-F238E27FC236}">
-                <a16:creationId xmlns:a16="http://schemas.microsoft.com/office/drawing/2014/main" id="{F6DF2D48-A655-2EDC-5AF6-03E2C28AC588}"/>
-              </a:ext>
-            </a:extLst>
-          </p:cNvPr>
-          <p:cNvSpPr txBox="1"/>
-          <p:nvPr/>
-        </p:nvSpPr>
-        <p:spPr>
-          <a:xfrm>
-            <a:off x="119503" y="166685"/>
-            <a:ext cx="2065130" cy="307777"/>
-          </a:xfrm>
-          <a:prstGeom prst="rect">
-            <a:avLst/>
-          </a:prstGeom>
-          <a:noFill/>
-        </p:spPr>
-        <p:txBody>
-          <a:bodyPr wrap="square">
-            <a:spAutoFit/>
-          </a:bodyPr>
-          <a:lstStyle/>
-          <a:p>
-            <a:pPr lvl="0" rtl="0">
-              <a:spcBef>
-                <a:spcPts val="0"/>
-              </a:spcBef>
-              <a:spcAft>
-                <a:spcPts val="0"/>
-              </a:spcAft>
-            </a:pPr>
-            <a:r>
-              <a:rPr lang="en-US" altLang="ko-KR" dirty="0">
-                <a:latin typeface="Microsoft GothicNeo Light" panose="020B0300000101010101" pitchFamily="50" charset="-127"/>
-                <a:ea typeface="Microsoft GothicNeo Light" panose="020B0300000101010101" pitchFamily="50" charset="-127"/>
-                <a:cs typeface="Microsoft GothicNeo Light" panose="020B0300000101010101" pitchFamily="50" charset="-127"/>
-              </a:rPr>
-              <a:t>*4</a:t>
-            </a:r>
-            <a:r>
-              <a:rPr lang="ko-KR" altLang="en-US" dirty="0">
-                <a:latin typeface="Microsoft GothicNeo Light" panose="020B0300000101010101" pitchFamily="50" charset="-127"/>
-                <a:ea typeface="Microsoft GothicNeo Light" panose="020B0300000101010101" pitchFamily="50" charset="-127"/>
-                <a:cs typeface="Microsoft GothicNeo Light" panose="020B0300000101010101" pitchFamily="50" charset="-127"/>
-              </a:rPr>
-              <a:t>인 플레이 기준</a:t>
-            </a:r>
-          </a:p>
-        </p:txBody>
-      </p:sp>
-      <p:sp>
-        <p:nvSpPr>
-          <p:cNvPr id="4" name="Google Shape;73;p14">
-            <a:extLst>
-              <a:ext uri="{FF2B5EF4-FFF2-40B4-BE49-F238E27FC236}">
-                <a16:creationId xmlns:a16="http://schemas.microsoft.com/office/drawing/2014/main" id="{9CB4D703-0258-B1E2-5DC1-A0F98F9103AC}"/>
-              </a:ext>
-            </a:extLst>
-          </p:cNvPr>
-          <p:cNvSpPr/>
-          <p:nvPr/>
-        </p:nvSpPr>
-        <p:spPr>
-          <a:xfrm>
-            <a:off x="359930" y="372248"/>
-            <a:ext cx="2977132" cy="2977132"/>
-          </a:xfrm>
-          <a:prstGeom prst="ellipse">
-            <a:avLst/>
-          </a:prstGeom>
-          <a:solidFill>
-            <a:schemeClr val="bg2">
-              <a:lumMod val="20000"/>
-              <a:lumOff val="80000"/>
-            </a:schemeClr>
-          </a:solidFill>
-          <a:ln w="38100" cap="flat" cmpd="sng">
-            <a:noFill/>
-            <a:prstDash val="solid"/>
-            <a:round/>
-            <a:headEnd type="none" w="sm" len="sm"/>
-            <a:tailEnd type="none" w="sm" len="sm"/>
-          </a:ln>
-        </p:spPr>
-        <p:txBody>
-          <a:bodyPr spcFirstLastPara="1" wrap="square" lIns="91425" tIns="91425" rIns="91425" bIns="91425" anchor="ctr" anchorCtr="0">
-            <a:noAutofit/>
-          </a:bodyPr>
-          <a:lstStyle/>
-          <a:p>
-            <a:pPr marL="0" lvl="0" indent="0" algn="l" rtl="0">
-              <a:spcBef>
-                <a:spcPts val="0"/>
-              </a:spcBef>
-              <a:spcAft>
-                <a:spcPts val="0"/>
-              </a:spcAft>
-              <a:buNone/>
-            </a:pPr>
-            <a:endParaRPr/>
-          </a:p>
-        </p:txBody>
-      </p:sp>
-      <p:grpSp>
-        <p:nvGrpSpPr>
-          <p:cNvPr id="19" name="그룹 18">
-            <a:extLst>
-              <a:ext uri="{FF2B5EF4-FFF2-40B4-BE49-F238E27FC236}">
-                <a16:creationId xmlns:a16="http://schemas.microsoft.com/office/drawing/2014/main" id="{70029ACB-B2D9-78DD-1334-BFF9F7480B34}"/>
+                <a16:creationId xmlns:a16="http://schemas.microsoft.com/office/drawing/2014/main" id="{71776497-E420-C0AF-86A8-27EB5FE2B81E}"/>
               </a:ext>
             </a:extLst>
           </p:cNvPr>
@@ -7267,18 +7178,18 @@
         </p:nvGrpSpPr>
         <p:grpSpPr>
           <a:xfrm>
-            <a:off x="1716853" y="1516599"/>
-            <a:ext cx="531062" cy="691867"/>
-            <a:chOff x="1865021" y="2124792"/>
-            <a:chExt cx="631904" cy="823243"/>
+            <a:off x="95640" y="372248"/>
+            <a:ext cx="3510267" cy="4444542"/>
+            <a:chOff x="95640" y="372248"/>
+            <a:chExt cx="3510267" cy="4444542"/>
           </a:xfrm>
         </p:grpSpPr>
         <p:sp>
           <p:nvSpPr>
-            <p:cNvPr id="17" name="내용 개체 틀 38" descr="단색으로 채워진 악마 얼굴 단색으로 채워진">
+            <p:cNvPr id="76" name="화살표: 오른쪽 75">
               <a:extLst>
                 <a:ext uri="{FF2B5EF4-FFF2-40B4-BE49-F238E27FC236}">
-                  <a16:creationId xmlns:a16="http://schemas.microsoft.com/office/drawing/2014/main" id="{0F131D33-13F8-8007-37A0-5DC33019994E}"/>
+                  <a16:creationId xmlns:a16="http://schemas.microsoft.com/office/drawing/2014/main" id="{8CD651A4-AFE6-2FF6-4927-ECB1D79AA220}"/>
                 </a:ext>
               </a:extLst>
             </p:cNvPr>
@@ -7287,747 +7198,53 @@
           </p:nvSpPr>
           <p:spPr>
             <a:xfrm>
-              <a:off x="1925137" y="2124792"/>
-              <a:ext cx="511672" cy="550914"/>
+              <a:off x="207122" y="3353749"/>
+              <a:ext cx="3398785" cy="1054330"/>
             </a:xfrm>
-            <a:custGeom>
-              <a:avLst/>
-              <a:gdLst>
-                <a:gd name="connsiteX0" fmla="*/ 566293 w 571014"/>
-                <a:gd name="connsiteY0" fmla="*/ 70447 h 614808"/>
-                <a:gd name="connsiteX1" fmla="*/ 537014 w 571014"/>
-                <a:gd name="connsiteY1" fmla="*/ 6033 h 614808"/>
-                <a:gd name="connsiteX2" fmla="*/ 516565 w 571014"/>
-                <a:gd name="connsiteY2" fmla="*/ 2799 h 614808"/>
-                <a:gd name="connsiteX3" fmla="*/ 510589 w 571014"/>
-                <a:gd name="connsiteY3" fmla="*/ 13353 h 614808"/>
-                <a:gd name="connsiteX4" fmla="*/ 432415 w 571014"/>
-                <a:gd name="connsiteY4" fmla="*/ 100604 h 614808"/>
-                <a:gd name="connsiteX5" fmla="*/ 138600 w 571014"/>
-                <a:gd name="connsiteY5" fmla="*/ 100604 h 614808"/>
-                <a:gd name="connsiteX6" fmla="*/ 60425 w 571014"/>
-                <a:gd name="connsiteY6" fmla="*/ 13719 h 614808"/>
-                <a:gd name="connsiteX7" fmla="*/ 44554 w 571014"/>
-                <a:gd name="connsiteY7" fmla="*/ 424 h 614808"/>
-                <a:gd name="connsiteX8" fmla="*/ 34001 w 571014"/>
-                <a:gd name="connsiteY8" fmla="*/ 6399 h 614808"/>
-                <a:gd name="connsiteX9" fmla="*/ 4722 w 571014"/>
-                <a:gd name="connsiteY9" fmla="*/ 70813 h 614808"/>
-                <a:gd name="connsiteX10" fmla="*/ 36636 w 571014"/>
-                <a:gd name="connsiteY10" fmla="*/ 212377 h 614808"/>
-                <a:gd name="connsiteX11" fmla="*/ 161287 w 571014"/>
-                <a:gd name="connsiteY11" fmla="*/ 585469 h 614808"/>
-                <a:gd name="connsiteX12" fmla="*/ 534379 w 571014"/>
-                <a:gd name="connsiteY12" fmla="*/ 460817 h 614808"/>
-                <a:gd name="connsiteX13" fmla="*/ 534379 w 571014"/>
-                <a:gd name="connsiteY13" fmla="*/ 212377 h 614808"/>
-                <a:gd name="connsiteX14" fmla="*/ 566293 w 571014"/>
-                <a:gd name="connsiteY14" fmla="*/ 70447 h 614808"/>
-                <a:gd name="connsiteX15" fmla="*/ 325839 w 571014"/>
-                <a:gd name="connsiteY15" fmla="*/ 217720 h 614808"/>
-                <a:gd name="connsiteX16" fmla="*/ 407820 w 571014"/>
-                <a:gd name="connsiteY16" fmla="*/ 180389 h 614808"/>
-                <a:gd name="connsiteX17" fmla="*/ 436367 w 571014"/>
-                <a:gd name="connsiteY17" fmla="*/ 184049 h 614808"/>
-                <a:gd name="connsiteX18" fmla="*/ 446138 w 571014"/>
-                <a:gd name="connsiteY18" fmla="*/ 200760 h 614808"/>
-                <a:gd name="connsiteX19" fmla="*/ 445883 w 571014"/>
-                <a:gd name="connsiteY19" fmla="*/ 201617 h 614808"/>
-                <a:gd name="connsiteX20" fmla="*/ 427953 w 571014"/>
-                <a:gd name="connsiteY20" fmla="*/ 211969 h 614808"/>
-                <a:gd name="connsiteX21" fmla="*/ 427584 w 571014"/>
-                <a:gd name="connsiteY21" fmla="*/ 211864 h 614808"/>
-                <a:gd name="connsiteX22" fmla="*/ 347798 w 571014"/>
-                <a:gd name="connsiteY22" fmla="*/ 236751 h 614808"/>
-                <a:gd name="connsiteX23" fmla="*/ 327484 w 571014"/>
-                <a:gd name="connsiteY23" fmla="*/ 240744 h 614808"/>
-                <a:gd name="connsiteX24" fmla="*/ 323490 w 571014"/>
-                <a:gd name="connsiteY24" fmla="*/ 220430 h 614808"/>
-                <a:gd name="connsiteX25" fmla="*/ 325839 w 571014"/>
-                <a:gd name="connsiteY25" fmla="*/ 217720 h 614808"/>
-                <a:gd name="connsiteX26" fmla="*/ 245322 w 571014"/>
-                <a:gd name="connsiteY26" fmla="*/ 217720 h 614808"/>
-                <a:gd name="connsiteX27" fmla="*/ 246387 w 571014"/>
-                <a:gd name="connsiteY27" fmla="*/ 238396 h 614808"/>
-                <a:gd name="connsiteX28" fmla="*/ 225711 w 571014"/>
-                <a:gd name="connsiteY28" fmla="*/ 239461 h 614808"/>
-                <a:gd name="connsiteX29" fmla="*/ 223362 w 571014"/>
-                <a:gd name="connsiteY29" fmla="*/ 236751 h 614808"/>
-                <a:gd name="connsiteX30" fmla="*/ 143577 w 571014"/>
-                <a:gd name="connsiteY30" fmla="*/ 211864 h 614808"/>
-                <a:gd name="connsiteX31" fmla="*/ 125383 w 571014"/>
-                <a:gd name="connsiteY31" fmla="*/ 201986 h 614808"/>
-                <a:gd name="connsiteX32" fmla="*/ 125278 w 571014"/>
-                <a:gd name="connsiteY32" fmla="*/ 201617 h 614808"/>
-                <a:gd name="connsiteX33" fmla="*/ 133937 w 571014"/>
-                <a:gd name="connsiteY33" fmla="*/ 184304 h 614808"/>
-                <a:gd name="connsiteX34" fmla="*/ 134794 w 571014"/>
-                <a:gd name="connsiteY34" fmla="*/ 184049 h 614808"/>
-                <a:gd name="connsiteX35" fmla="*/ 163341 w 571014"/>
-                <a:gd name="connsiteY35" fmla="*/ 180389 h 614808"/>
-                <a:gd name="connsiteX36" fmla="*/ 245395 w 571014"/>
-                <a:gd name="connsiteY36" fmla="*/ 217720 h 614808"/>
-                <a:gd name="connsiteX37" fmla="*/ 124473 w 571014"/>
-                <a:gd name="connsiteY37" fmla="*/ 292894 h 614808"/>
-                <a:gd name="connsiteX38" fmla="*/ 168391 w 571014"/>
-                <a:gd name="connsiteY38" fmla="*/ 248975 h 614808"/>
-                <a:gd name="connsiteX39" fmla="*/ 212310 w 571014"/>
-                <a:gd name="connsiteY39" fmla="*/ 292894 h 614808"/>
-                <a:gd name="connsiteX40" fmla="*/ 168391 w 571014"/>
-                <a:gd name="connsiteY40" fmla="*/ 336812 h 614808"/>
-                <a:gd name="connsiteX41" fmla="*/ 124473 w 571014"/>
-                <a:gd name="connsiteY41" fmla="*/ 292894 h 614808"/>
-                <a:gd name="connsiteX42" fmla="*/ 430658 w 571014"/>
-                <a:gd name="connsiteY42" fmla="*/ 455539 h 614808"/>
-                <a:gd name="connsiteX43" fmla="*/ 174071 w 571014"/>
-                <a:gd name="connsiteY43" fmla="*/ 489253 h 614808"/>
-                <a:gd name="connsiteX44" fmla="*/ 140357 w 571014"/>
-                <a:gd name="connsiteY44" fmla="*/ 455539 h 614808"/>
-                <a:gd name="connsiteX45" fmla="*/ 143028 w 571014"/>
-                <a:gd name="connsiteY45" fmla="*/ 435007 h 614808"/>
-                <a:gd name="connsiteX46" fmla="*/ 163560 w 571014"/>
-                <a:gd name="connsiteY46" fmla="*/ 437678 h 614808"/>
-                <a:gd name="connsiteX47" fmla="*/ 379087 w 571014"/>
-                <a:gd name="connsiteY47" fmla="*/ 466046 h 614808"/>
-                <a:gd name="connsiteX48" fmla="*/ 407454 w 571014"/>
-                <a:gd name="connsiteY48" fmla="*/ 437678 h 614808"/>
-                <a:gd name="connsiteX49" fmla="*/ 427986 w 571014"/>
-                <a:gd name="connsiteY49" fmla="*/ 435007 h 614808"/>
-                <a:gd name="connsiteX50" fmla="*/ 430658 w 571014"/>
-                <a:gd name="connsiteY50" fmla="*/ 455539 h 614808"/>
-                <a:gd name="connsiteX51" fmla="*/ 402623 w 571014"/>
-                <a:gd name="connsiteY51" fmla="*/ 336812 h 614808"/>
-                <a:gd name="connsiteX52" fmla="*/ 358705 w 571014"/>
-                <a:gd name="connsiteY52" fmla="*/ 292894 h 614808"/>
-                <a:gd name="connsiteX53" fmla="*/ 402623 w 571014"/>
-                <a:gd name="connsiteY53" fmla="*/ 248975 h 614808"/>
-                <a:gd name="connsiteX54" fmla="*/ 446542 w 571014"/>
-                <a:gd name="connsiteY54" fmla="*/ 292894 h 614808"/>
-                <a:gd name="connsiteX55" fmla="*/ 402623 w 571014"/>
-                <a:gd name="connsiteY55" fmla="*/ 336812 h 614808"/>
-              </a:gdLst>
-              <a:ahLst/>
-              <a:cxnLst>
-                <a:cxn ang="0">
-                  <a:pos x="connsiteX0" y="connsiteY0"/>
-                </a:cxn>
-                <a:cxn ang="0">
-                  <a:pos x="connsiteX1" y="connsiteY1"/>
-                </a:cxn>
-                <a:cxn ang="0">
-                  <a:pos x="connsiteX2" y="connsiteY2"/>
-                </a:cxn>
-                <a:cxn ang="0">
-                  <a:pos x="connsiteX3" y="connsiteY3"/>
-                </a:cxn>
-                <a:cxn ang="0">
-                  <a:pos x="connsiteX4" y="connsiteY4"/>
-                </a:cxn>
-                <a:cxn ang="0">
-                  <a:pos x="connsiteX5" y="connsiteY5"/>
-                </a:cxn>
-                <a:cxn ang="0">
-                  <a:pos x="connsiteX6" y="connsiteY6"/>
-                </a:cxn>
-                <a:cxn ang="0">
-                  <a:pos x="connsiteX7" y="connsiteY7"/>
-                </a:cxn>
-                <a:cxn ang="0">
-                  <a:pos x="connsiteX8" y="connsiteY8"/>
-                </a:cxn>
-                <a:cxn ang="0">
-                  <a:pos x="connsiteX9" y="connsiteY9"/>
-                </a:cxn>
-                <a:cxn ang="0">
-                  <a:pos x="connsiteX10" y="connsiteY10"/>
-                </a:cxn>
-                <a:cxn ang="0">
-                  <a:pos x="connsiteX11" y="connsiteY11"/>
-                </a:cxn>
-                <a:cxn ang="0">
-                  <a:pos x="connsiteX12" y="connsiteY12"/>
-                </a:cxn>
-                <a:cxn ang="0">
-                  <a:pos x="connsiteX13" y="connsiteY13"/>
-                </a:cxn>
-                <a:cxn ang="0">
-                  <a:pos x="connsiteX14" y="connsiteY14"/>
-                </a:cxn>
-                <a:cxn ang="0">
-                  <a:pos x="connsiteX15" y="connsiteY15"/>
-                </a:cxn>
-                <a:cxn ang="0">
-                  <a:pos x="connsiteX16" y="connsiteY16"/>
-                </a:cxn>
-                <a:cxn ang="0">
-                  <a:pos x="connsiteX17" y="connsiteY17"/>
-                </a:cxn>
-                <a:cxn ang="0">
-                  <a:pos x="connsiteX18" y="connsiteY18"/>
-                </a:cxn>
-                <a:cxn ang="0">
-                  <a:pos x="connsiteX19" y="connsiteY19"/>
-                </a:cxn>
-                <a:cxn ang="0">
-                  <a:pos x="connsiteX20" y="connsiteY20"/>
-                </a:cxn>
-                <a:cxn ang="0">
-                  <a:pos x="connsiteX21" y="connsiteY21"/>
-                </a:cxn>
-                <a:cxn ang="0">
-                  <a:pos x="connsiteX22" y="connsiteY22"/>
-                </a:cxn>
-                <a:cxn ang="0">
-                  <a:pos x="connsiteX23" y="connsiteY23"/>
-                </a:cxn>
-                <a:cxn ang="0">
-                  <a:pos x="connsiteX24" y="connsiteY24"/>
-                </a:cxn>
-                <a:cxn ang="0">
-                  <a:pos x="connsiteX25" y="connsiteY25"/>
-                </a:cxn>
-                <a:cxn ang="0">
-                  <a:pos x="connsiteX26" y="connsiteY26"/>
-                </a:cxn>
-                <a:cxn ang="0">
-                  <a:pos x="connsiteX27" y="connsiteY27"/>
-                </a:cxn>
-                <a:cxn ang="0">
-                  <a:pos x="connsiteX28" y="connsiteY28"/>
-                </a:cxn>
-                <a:cxn ang="0">
-                  <a:pos x="connsiteX29" y="connsiteY29"/>
-                </a:cxn>
-                <a:cxn ang="0">
-                  <a:pos x="connsiteX30" y="connsiteY30"/>
-                </a:cxn>
-                <a:cxn ang="0">
-                  <a:pos x="connsiteX31" y="connsiteY31"/>
-                </a:cxn>
-                <a:cxn ang="0">
-                  <a:pos x="connsiteX32" y="connsiteY32"/>
-                </a:cxn>
-                <a:cxn ang="0">
-                  <a:pos x="connsiteX33" y="connsiteY33"/>
-                </a:cxn>
-                <a:cxn ang="0">
-                  <a:pos x="connsiteX34" y="connsiteY34"/>
-                </a:cxn>
-                <a:cxn ang="0">
-                  <a:pos x="connsiteX35" y="connsiteY35"/>
-                </a:cxn>
-                <a:cxn ang="0">
-                  <a:pos x="connsiteX36" y="connsiteY36"/>
-                </a:cxn>
-                <a:cxn ang="0">
-                  <a:pos x="connsiteX37" y="connsiteY37"/>
-                </a:cxn>
-                <a:cxn ang="0">
-                  <a:pos x="connsiteX38" y="connsiteY38"/>
-                </a:cxn>
-                <a:cxn ang="0">
-                  <a:pos x="connsiteX39" y="connsiteY39"/>
-                </a:cxn>
-                <a:cxn ang="0">
-                  <a:pos x="connsiteX40" y="connsiteY40"/>
-                </a:cxn>
-                <a:cxn ang="0">
-                  <a:pos x="connsiteX41" y="connsiteY41"/>
-                </a:cxn>
-                <a:cxn ang="0">
-                  <a:pos x="connsiteX42" y="connsiteY42"/>
-                </a:cxn>
-                <a:cxn ang="0">
-                  <a:pos x="connsiteX43" y="connsiteY43"/>
-                </a:cxn>
-                <a:cxn ang="0">
-                  <a:pos x="connsiteX44" y="connsiteY44"/>
-                </a:cxn>
-                <a:cxn ang="0">
-                  <a:pos x="connsiteX45" y="connsiteY45"/>
-                </a:cxn>
-                <a:cxn ang="0">
-                  <a:pos x="connsiteX46" y="connsiteY46"/>
-                </a:cxn>
-                <a:cxn ang="0">
-                  <a:pos x="connsiteX47" y="connsiteY47"/>
-                </a:cxn>
-                <a:cxn ang="0">
-                  <a:pos x="connsiteX48" y="connsiteY48"/>
-                </a:cxn>
-                <a:cxn ang="0">
-                  <a:pos x="connsiteX49" y="connsiteY49"/>
-                </a:cxn>
-                <a:cxn ang="0">
-                  <a:pos x="connsiteX50" y="connsiteY50"/>
-                </a:cxn>
-                <a:cxn ang="0">
-                  <a:pos x="connsiteX51" y="connsiteY51"/>
-                </a:cxn>
-                <a:cxn ang="0">
-                  <a:pos x="connsiteX52" y="connsiteY52"/>
-                </a:cxn>
-                <a:cxn ang="0">
-                  <a:pos x="connsiteX53" y="connsiteY53"/>
-                </a:cxn>
-                <a:cxn ang="0">
-                  <a:pos x="connsiteX54" y="connsiteY54"/>
-                </a:cxn>
-                <a:cxn ang="0">
-                  <a:pos x="connsiteX55" y="connsiteY55"/>
-                </a:cxn>
-              </a:cxnLst>
-              <a:rect l="l" t="t" r="r" b="b"/>
-              <a:pathLst>
-                <a:path w="571014" h="614808">
-                  <a:moveTo>
-                    <a:pt x="566293" y="70447"/>
-                  </a:moveTo>
-                  <a:cubicBezTo>
-                    <a:pt x="560974" y="47222"/>
-                    <a:pt x="551015" y="25312"/>
-                    <a:pt x="537014" y="6033"/>
-                  </a:cubicBezTo>
-                  <a:cubicBezTo>
-                    <a:pt x="532260" y="-507"/>
-                    <a:pt x="523105" y="-1955"/>
-                    <a:pt x="516565" y="2799"/>
-                  </a:cubicBezTo>
-                  <a:cubicBezTo>
-                    <a:pt x="513141" y="5288"/>
-                    <a:pt x="510962" y="9136"/>
-                    <a:pt x="510589" y="13353"/>
-                  </a:cubicBezTo>
-                  <a:cubicBezTo>
-                    <a:pt x="507644" y="56931"/>
-                    <a:pt x="475409" y="92909"/>
-                    <a:pt x="432415" y="100604"/>
-                  </a:cubicBezTo>
-                  <a:cubicBezTo>
-                    <a:pt x="342466" y="44657"/>
-                    <a:pt x="228549" y="44657"/>
-                    <a:pt x="138600" y="100604"/>
-                  </a:cubicBezTo>
-                  <a:cubicBezTo>
-                    <a:pt x="95729" y="92943"/>
-                    <a:pt x="63531" y="57157"/>
-                    <a:pt x="60425" y="13719"/>
-                  </a:cubicBezTo>
-                  <a:cubicBezTo>
-                    <a:pt x="59713" y="5665"/>
-                    <a:pt x="52608" y="-288"/>
-                    <a:pt x="44554" y="424"/>
-                  </a:cubicBezTo>
-                  <a:cubicBezTo>
-                    <a:pt x="40338" y="796"/>
-                    <a:pt x="36489" y="2975"/>
-                    <a:pt x="34001" y="6399"/>
-                  </a:cubicBezTo>
-                  <a:cubicBezTo>
-                    <a:pt x="19999" y="25678"/>
-                    <a:pt x="10041" y="47588"/>
-                    <a:pt x="4722" y="70813"/>
-                  </a:cubicBezTo>
-                  <a:cubicBezTo>
-                    <a:pt x="-7795" y="124540"/>
-                    <a:pt x="5161" y="177901"/>
-                    <a:pt x="36636" y="212377"/>
-                  </a:cubicBezTo>
-                  <a:cubicBezTo>
-                    <a:pt x="-31969" y="349825"/>
-                    <a:pt x="23839" y="516864"/>
-                    <a:pt x="161287" y="585469"/>
-                  </a:cubicBezTo>
-                  <a:cubicBezTo>
-                    <a:pt x="298735" y="654073"/>
-                    <a:pt x="465774" y="598265"/>
-                    <a:pt x="534379" y="460817"/>
-                  </a:cubicBezTo>
-                  <a:cubicBezTo>
-                    <a:pt x="573417" y="382605"/>
-                    <a:pt x="573417" y="290590"/>
-                    <a:pt x="534379" y="212377"/>
-                  </a:cubicBezTo>
-                  <a:cubicBezTo>
-                    <a:pt x="565854" y="177901"/>
-                    <a:pt x="578810" y="124540"/>
-                    <a:pt x="566293" y="70447"/>
-                  </a:cubicBezTo>
-                  <a:close/>
-                  <a:moveTo>
-                    <a:pt x="325839" y="217720"/>
-                  </a:moveTo>
-                  <a:cubicBezTo>
-                    <a:pt x="346218" y="193655"/>
-                    <a:pt x="376289" y="179962"/>
-                    <a:pt x="407820" y="180389"/>
-                  </a:cubicBezTo>
-                  <a:cubicBezTo>
-                    <a:pt x="417469" y="180108"/>
-                    <a:pt x="427102" y="181343"/>
-                    <a:pt x="436367" y="184049"/>
-                  </a:cubicBezTo>
-                  <a:cubicBezTo>
-                    <a:pt x="443680" y="185965"/>
-                    <a:pt x="448054" y="193448"/>
-                    <a:pt x="446138" y="200760"/>
-                  </a:cubicBezTo>
-                  <a:cubicBezTo>
-                    <a:pt x="446062" y="201049"/>
-                    <a:pt x="445977" y="201334"/>
-                    <a:pt x="445883" y="201617"/>
-                  </a:cubicBezTo>
-                  <a:cubicBezTo>
-                    <a:pt x="443790" y="209426"/>
-                    <a:pt x="435763" y="214061"/>
-                    <a:pt x="427953" y="211969"/>
-                  </a:cubicBezTo>
-                  <a:cubicBezTo>
-                    <a:pt x="427829" y="211935"/>
-                    <a:pt x="427707" y="211901"/>
-                    <a:pt x="427584" y="211864"/>
-                  </a:cubicBezTo>
-                  <a:cubicBezTo>
-                    <a:pt x="398417" y="204219"/>
-                    <a:pt x="367446" y="213881"/>
-                    <a:pt x="347798" y="236751"/>
-                  </a:cubicBezTo>
-                  <a:cubicBezTo>
-                    <a:pt x="343291" y="243464"/>
-                    <a:pt x="334196" y="245252"/>
-                    <a:pt x="327484" y="240744"/>
-                  </a:cubicBezTo>
-                  <a:cubicBezTo>
-                    <a:pt x="320771" y="236238"/>
-                    <a:pt x="318983" y="227142"/>
-                    <a:pt x="323490" y="220430"/>
-                  </a:cubicBezTo>
-                  <a:cubicBezTo>
-                    <a:pt x="324159" y="219434"/>
-                    <a:pt x="324948" y="218524"/>
-                    <a:pt x="325839" y="217720"/>
-                  </a:cubicBezTo>
-                  <a:close/>
-                  <a:moveTo>
-                    <a:pt x="245322" y="217720"/>
-                  </a:moveTo>
-                  <a:cubicBezTo>
-                    <a:pt x="251325" y="223135"/>
-                    <a:pt x="251803" y="232392"/>
-                    <a:pt x="246387" y="238396"/>
-                  </a:cubicBezTo>
-                  <a:cubicBezTo>
-                    <a:pt x="240972" y="244400"/>
-                    <a:pt x="231715" y="244876"/>
-                    <a:pt x="225711" y="239461"/>
-                  </a:cubicBezTo>
-                  <a:cubicBezTo>
-                    <a:pt x="224820" y="238657"/>
-                    <a:pt x="224032" y="237748"/>
-                    <a:pt x="223362" y="236751"/>
-                  </a:cubicBezTo>
-                  <a:cubicBezTo>
-                    <a:pt x="203715" y="213881"/>
-                    <a:pt x="172744" y="204219"/>
-                    <a:pt x="143577" y="211864"/>
-                  </a:cubicBezTo>
-                  <a:cubicBezTo>
-                    <a:pt x="135825" y="214161"/>
-                    <a:pt x="127679" y="209739"/>
-                    <a:pt x="125383" y="201986"/>
-                  </a:cubicBezTo>
-                  <a:cubicBezTo>
-                    <a:pt x="125346" y="201864"/>
-                    <a:pt x="125311" y="201740"/>
-                    <a:pt x="125278" y="201617"/>
-                  </a:cubicBezTo>
-                  <a:cubicBezTo>
-                    <a:pt x="122888" y="194445"/>
-                    <a:pt x="126765" y="186693"/>
-                    <a:pt x="133937" y="184304"/>
-                  </a:cubicBezTo>
-                  <a:cubicBezTo>
-                    <a:pt x="134220" y="184209"/>
-                    <a:pt x="134505" y="184125"/>
-                    <a:pt x="134794" y="184049"/>
-                  </a:cubicBezTo>
-                  <a:cubicBezTo>
-                    <a:pt x="144059" y="181343"/>
-                    <a:pt x="153692" y="180108"/>
-                    <a:pt x="163341" y="180389"/>
-                  </a:cubicBezTo>
-                  <a:cubicBezTo>
-                    <a:pt x="194897" y="179940"/>
-                    <a:pt x="225000" y="193635"/>
-                    <a:pt x="245395" y="217720"/>
-                  </a:cubicBezTo>
-                  <a:close/>
-                  <a:moveTo>
-                    <a:pt x="124473" y="292894"/>
-                  </a:moveTo>
-                  <a:cubicBezTo>
-                    <a:pt x="124473" y="268638"/>
-                    <a:pt x="144136" y="248975"/>
-                    <a:pt x="168391" y="248975"/>
-                  </a:cubicBezTo>
-                  <a:cubicBezTo>
-                    <a:pt x="192647" y="248975"/>
-                    <a:pt x="212310" y="268638"/>
-                    <a:pt x="212310" y="292894"/>
-                  </a:cubicBezTo>
-                  <a:cubicBezTo>
-                    <a:pt x="212310" y="317149"/>
-                    <a:pt x="192647" y="336812"/>
-                    <a:pt x="168391" y="336812"/>
-                  </a:cubicBezTo>
-                  <a:cubicBezTo>
-                    <a:pt x="144136" y="336812"/>
-                    <a:pt x="124473" y="317149"/>
-                    <a:pt x="124473" y="292894"/>
-                  </a:cubicBezTo>
-                  <a:close/>
-                  <a:moveTo>
-                    <a:pt x="430658" y="455539"/>
-                  </a:moveTo>
-                  <a:cubicBezTo>
-                    <a:pt x="369113" y="535703"/>
-                    <a:pt x="254236" y="550798"/>
-                    <a:pt x="174071" y="489253"/>
-                  </a:cubicBezTo>
-                  <a:cubicBezTo>
-                    <a:pt x="161410" y="479534"/>
-                    <a:pt x="150076" y="468199"/>
-                    <a:pt x="140357" y="455539"/>
-                  </a:cubicBezTo>
-                  <a:cubicBezTo>
-                    <a:pt x="135424" y="449131"/>
-                    <a:pt x="136621" y="439939"/>
-                    <a:pt x="143028" y="435007"/>
-                  </a:cubicBezTo>
-                  <a:cubicBezTo>
-                    <a:pt x="149436" y="430075"/>
-                    <a:pt x="158628" y="431271"/>
-                    <a:pt x="163560" y="437678"/>
-                  </a:cubicBezTo>
-                  <a:cubicBezTo>
-                    <a:pt x="215243" y="505028"/>
-                    <a:pt x="311738" y="517729"/>
-                    <a:pt x="379087" y="466046"/>
-                  </a:cubicBezTo>
-                  <a:cubicBezTo>
-                    <a:pt x="389741" y="457870"/>
-                    <a:pt x="399278" y="448333"/>
-                    <a:pt x="407454" y="437678"/>
-                  </a:cubicBezTo>
-                  <a:cubicBezTo>
-                    <a:pt x="412386" y="431271"/>
-                    <a:pt x="421578" y="430075"/>
-                    <a:pt x="427986" y="435007"/>
-                  </a:cubicBezTo>
-                  <a:cubicBezTo>
-                    <a:pt x="434394" y="439939"/>
-                    <a:pt x="435590" y="449131"/>
-                    <a:pt x="430658" y="455539"/>
-                  </a:cubicBezTo>
-                  <a:close/>
-                  <a:moveTo>
-                    <a:pt x="402623" y="336812"/>
-                  </a:moveTo>
-                  <a:cubicBezTo>
-                    <a:pt x="378368" y="336812"/>
-                    <a:pt x="358705" y="317149"/>
-                    <a:pt x="358705" y="292894"/>
-                  </a:cubicBezTo>
-                  <a:cubicBezTo>
-                    <a:pt x="358705" y="268638"/>
-                    <a:pt x="378368" y="248975"/>
-                    <a:pt x="402623" y="248975"/>
-                  </a:cubicBezTo>
-                  <a:cubicBezTo>
-                    <a:pt x="426879" y="248975"/>
-                    <a:pt x="446542" y="268638"/>
-                    <a:pt x="446542" y="292894"/>
-                  </a:cubicBezTo>
-                  <a:cubicBezTo>
-                    <a:pt x="446542" y="317149"/>
-                    <a:pt x="426879" y="336812"/>
-                    <a:pt x="402623" y="336812"/>
-                  </a:cubicBezTo>
-                  <a:close/>
-                </a:path>
-              </a:pathLst>
-            </a:custGeom>
+            <a:prstGeom prst="rightArrow">
+              <a:avLst>
+                <a:gd name="adj1" fmla="val 41960"/>
+                <a:gd name="adj2" fmla="val 50000"/>
+              </a:avLst>
+            </a:prstGeom>
             <a:solidFill>
-              <a:schemeClr val="tx1"/>
+              <a:schemeClr val="tx2"/>
             </a:solidFill>
-            <a:ln w="7243" cap="flat">
+            <a:ln>
               <a:noFill/>
-              <a:prstDash val="solid"/>
-              <a:miter/>
             </a:ln>
           </p:spPr>
+          <p:style>
+            <a:lnRef idx="2">
+              <a:schemeClr val="accent1">
+                <a:shade val="50000"/>
+              </a:schemeClr>
+            </a:lnRef>
+            <a:fillRef idx="1">
+              <a:schemeClr val="accent1"/>
+            </a:fillRef>
+            <a:effectRef idx="0">
+              <a:schemeClr val="accent1"/>
+            </a:effectRef>
+            <a:fontRef idx="minor">
+              <a:schemeClr val="lt1"/>
+            </a:fontRef>
+          </p:style>
           <p:txBody>
             <a:bodyPr rtlCol="0" anchor="ctr"/>
             <a:lstStyle/>
             <a:p>
+              <a:pPr algn="ctr"/>
               <a:endParaRPr lang="ko-KR" altLang="en-US"/>
             </a:p>
           </p:txBody>
         </p:sp>
         <p:sp>
           <p:nvSpPr>
-            <p:cNvPr id="18" name="TextBox 17">
+            <p:cNvPr id="4" name="Google Shape;73;p14">
               <a:extLst>
                 <a:ext uri="{FF2B5EF4-FFF2-40B4-BE49-F238E27FC236}">
-                  <a16:creationId xmlns:a16="http://schemas.microsoft.com/office/drawing/2014/main" id="{BEB94A39-AFB2-595A-60BB-11510DBD0575}"/>
-                </a:ext>
-              </a:extLst>
-            </p:cNvPr>
-            <p:cNvSpPr txBox="1"/>
-            <p:nvPr/>
-          </p:nvSpPr>
-          <p:spPr>
-            <a:xfrm>
-              <a:off x="1865021" y="2640258"/>
-              <a:ext cx="631904" cy="307777"/>
-            </a:xfrm>
-            <a:prstGeom prst="rect">
-              <a:avLst/>
-            </a:prstGeom>
-            <a:noFill/>
-          </p:spPr>
-          <p:txBody>
-            <a:bodyPr wrap="none" rtlCol="0">
-              <a:spAutoFit/>
-            </a:bodyPr>
-            <a:lstStyle/>
-            <a:p>
-              <a:pPr algn="ctr"/>
-              <a:r>
-                <a:rPr lang="en-US" altLang="ko-KR" dirty="0">
-                  <a:latin typeface="Microsoft GothicNeo Light" panose="020B0300000101010101" pitchFamily="50" charset="-127"/>
-                  <a:ea typeface="Microsoft GothicNeo Light" panose="020B0300000101010101" pitchFamily="50" charset="-127"/>
-                  <a:cs typeface="Microsoft GothicNeo Light" panose="020B0300000101010101" pitchFamily="50" charset="-127"/>
-                </a:rPr>
-                <a:t>BOSS</a:t>
-              </a:r>
-              <a:endParaRPr lang="ko-KR" altLang="en-US" dirty="0">
-                <a:latin typeface="Microsoft GothicNeo Light" panose="020B0300000101010101" pitchFamily="50" charset="-127"/>
-                <a:ea typeface="Microsoft GothicNeo Light" panose="020B0300000101010101" pitchFamily="50" charset="-127"/>
-                <a:cs typeface="Microsoft GothicNeo Light" panose="020B0300000101010101" pitchFamily="50" charset="-127"/>
-              </a:endParaRPr>
-            </a:p>
-          </p:txBody>
-        </p:sp>
-      </p:grpSp>
-      <p:sp>
-        <p:nvSpPr>
-          <p:cNvPr id="22" name="원통형 21">
-            <a:extLst>
-              <a:ext uri="{FF2B5EF4-FFF2-40B4-BE49-F238E27FC236}">
-                <a16:creationId xmlns:a16="http://schemas.microsoft.com/office/drawing/2014/main" id="{870ACBFC-5A74-8CB5-853C-1CA80C14759B}"/>
-              </a:ext>
-            </a:extLst>
-          </p:cNvPr>
-          <p:cNvSpPr/>
-          <p:nvPr/>
-        </p:nvSpPr>
-        <p:spPr>
-          <a:xfrm>
-            <a:off x="449404" y="1846333"/>
-            <a:ext cx="427130" cy="666237"/>
-          </a:xfrm>
-          <a:prstGeom prst="can">
-            <a:avLst/>
-          </a:prstGeom>
-        </p:spPr>
-        <p:style>
-          <a:lnRef idx="2">
-            <a:schemeClr val="accent1">
-              <a:shade val="50000"/>
-            </a:schemeClr>
-          </a:lnRef>
-          <a:fillRef idx="1">
-            <a:schemeClr val="accent1"/>
-          </a:fillRef>
-          <a:effectRef idx="0">
-            <a:schemeClr val="accent1"/>
-          </a:effectRef>
-          <a:fontRef idx="minor">
-            <a:schemeClr val="lt1"/>
-          </a:fontRef>
-        </p:style>
-        <p:txBody>
-          <a:bodyPr rtlCol="0" anchor="ctr"/>
-          <a:lstStyle/>
-          <a:p>
-            <a:pPr algn="ctr"/>
-            <a:endParaRPr lang="ko-KR" altLang="en-US"/>
-          </a:p>
-        </p:txBody>
-      </p:sp>
-      <p:grpSp>
-        <p:nvGrpSpPr>
-          <p:cNvPr id="29" name="그룹 28">
-            <a:extLst>
-              <a:ext uri="{FF2B5EF4-FFF2-40B4-BE49-F238E27FC236}">
-                <a16:creationId xmlns:a16="http://schemas.microsoft.com/office/drawing/2014/main" id="{228A079A-FD20-78FD-0F1B-D29D1C13AAF8}"/>
-              </a:ext>
-            </a:extLst>
-          </p:cNvPr>
-          <p:cNvGrpSpPr/>
-          <p:nvPr/>
-        </p:nvGrpSpPr>
-        <p:grpSpPr>
-          <a:xfrm>
-            <a:off x="825089" y="1981606"/>
-            <a:ext cx="583603" cy="931193"/>
-            <a:chOff x="764582" y="2571750"/>
-            <a:chExt cx="694421" cy="1108014"/>
-          </a:xfrm>
-        </p:grpSpPr>
-        <p:pic>
-          <p:nvPicPr>
-            <p:cNvPr id="27" name="그래픽 26" descr="사용자 단색으로 채워진">
-              <a:extLst>
-                <a:ext uri="{FF2B5EF4-FFF2-40B4-BE49-F238E27FC236}">
-                  <a16:creationId xmlns:a16="http://schemas.microsoft.com/office/drawing/2014/main" id="{7941F2E6-946D-2447-2D5F-912D8C56D9A3}"/>
-                </a:ext>
-              </a:extLst>
-            </p:cNvPr>
-            <p:cNvPicPr>
-              <a:picLocks noChangeAspect="1"/>
-            </p:cNvPicPr>
-            <p:nvPr/>
-          </p:nvPicPr>
-          <p:blipFill>
-            <a:blip r:embed="rId2">
-              <a:extLst>
-                <a:ext uri="{96DAC541-7B7A-43D3-8B79-37D633B846F1}">
-                  <asvg:svgBlip xmlns:asvg="http://schemas.microsoft.com/office/drawing/2016/SVG/main" r:embed="rId3"/>
-                </a:ext>
-              </a:extLst>
-            </a:blip>
-            <a:stretch>
-              <a:fillRect/>
-            </a:stretch>
-          </p:blipFill>
-          <p:spPr>
-            <a:xfrm>
-              <a:off x="780085" y="2841688"/>
-              <a:ext cx="663414" cy="663414"/>
-            </a:xfrm>
-            <a:prstGeom prst="rect">
-              <a:avLst/>
-            </a:prstGeom>
-          </p:spPr>
-        </p:pic>
-        <p:sp>
-          <p:nvSpPr>
-            <p:cNvPr id="10" name="Google Shape;80;p14">
-              <a:extLst>
-                <a:ext uri="{FF2B5EF4-FFF2-40B4-BE49-F238E27FC236}">
-                  <a16:creationId xmlns:a16="http://schemas.microsoft.com/office/drawing/2014/main" id="{77C9F2C4-F61D-4BD2-EA6E-1EB7F0BDA271}"/>
+                  <a16:creationId xmlns:a16="http://schemas.microsoft.com/office/drawing/2014/main" id="{9CB4D703-0258-B1E2-5DC1-A0F98F9103AC}"/>
                 </a:ext>
               </a:extLst>
             </p:cNvPr>
@@ -8036,16 +7253,19 @@
           </p:nvSpPr>
           <p:spPr>
             <a:xfrm>
-              <a:off x="943566" y="2571750"/>
-              <a:ext cx="336452" cy="329495"/>
+              <a:off x="359930" y="372248"/>
+              <a:ext cx="2977132" cy="2977132"/>
             </a:xfrm>
             <a:prstGeom prst="ellipse">
               <a:avLst/>
             </a:prstGeom>
             <a:solidFill>
-              <a:schemeClr val="accent1"/>
+              <a:schemeClr val="bg2">
+                <a:lumMod val="20000"/>
+                <a:lumOff val="80000"/>
+              </a:schemeClr>
             </a:solidFill>
-            <a:ln w="9525" cap="flat" cmpd="sng">
+            <a:ln w="38100" cap="flat" cmpd="sng">
               <a:noFill/>
               <a:prstDash val="solid"/>
               <a:round/>
@@ -8068,20 +7288,2291 @@
                 </a:spcAft>
                 <a:buNone/>
               </a:pPr>
-              <a:endParaRPr dirty="0">
-                <a:latin typeface="Microsoft GothicNeo Light" panose="020B0300000101010101" pitchFamily="50" charset="-127"/>
-                <a:ea typeface="Microsoft GothicNeo Light" panose="020B0300000101010101" pitchFamily="50" charset="-127"/>
-                <a:cs typeface="Microsoft GothicNeo Light" panose="020B0300000101010101" pitchFamily="50" charset="-127"/>
-              </a:endParaRPr>
+              <a:endParaRPr/>
+            </a:p>
+          </p:txBody>
+        </p:sp>
+        <p:grpSp>
+          <p:nvGrpSpPr>
+            <p:cNvPr id="19" name="그룹 18">
+              <a:extLst>
+                <a:ext uri="{FF2B5EF4-FFF2-40B4-BE49-F238E27FC236}">
+                  <a16:creationId xmlns:a16="http://schemas.microsoft.com/office/drawing/2014/main" id="{70029ACB-B2D9-78DD-1334-BFF9F7480B34}"/>
+                </a:ext>
+              </a:extLst>
+            </p:cNvPr>
+            <p:cNvGrpSpPr/>
+            <p:nvPr/>
+          </p:nvGrpSpPr>
+          <p:grpSpPr>
+            <a:xfrm>
+              <a:off x="1716853" y="1516599"/>
+              <a:ext cx="531062" cy="691867"/>
+              <a:chOff x="1865021" y="2124792"/>
+              <a:chExt cx="631904" cy="823243"/>
+            </a:xfrm>
+          </p:grpSpPr>
+          <p:sp>
+            <p:nvSpPr>
+              <p:cNvPr id="17" name="내용 개체 틀 38" descr="단색으로 채워진 악마 얼굴 단색으로 채워진">
+                <a:extLst>
+                  <a:ext uri="{FF2B5EF4-FFF2-40B4-BE49-F238E27FC236}">
+                    <a16:creationId xmlns:a16="http://schemas.microsoft.com/office/drawing/2014/main" id="{0F131D33-13F8-8007-37A0-5DC33019994E}"/>
+                  </a:ext>
+                </a:extLst>
+              </p:cNvPr>
+              <p:cNvSpPr/>
+              <p:nvPr/>
+            </p:nvSpPr>
+            <p:spPr>
+              <a:xfrm>
+                <a:off x="1925137" y="2124792"/>
+                <a:ext cx="511672" cy="550914"/>
+              </a:xfrm>
+              <a:custGeom>
+                <a:avLst/>
+                <a:gdLst>
+                  <a:gd name="connsiteX0" fmla="*/ 566293 w 571014"/>
+                  <a:gd name="connsiteY0" fmla="*/ 70447 h 614808"/>
+                  <a:gd name="connsiteX1" fmla="*/ 537014 w 571014"/>
+                  <a:gd name="connsiteY1" fmla="*/ 6033 h 614808"/>
+                  <a:gd name="connsiteX2" fmla="*/ 516565 w 571014"/>
+                  <a:gd name="connsiteY2" fmla="*/ 2799 h 614808"/>
+                  <a:gd name="connsiteX3" fmla="*/ 510589 w 571014"/>
+                  <a:gd name="connsiteY3" fmla="*/ 13353 h 614808"/>
+                  <a:gd name="connsiteX4" fmla="*/ 432415 w 571014"/>
+                  <a:gd name="connsiteY4" fmla="*/ 100604 h 614808"/>
+                  <a:gd name="connsiteX5" fmla="*/ 138600 w 571014"/>
+                  <a:gd name="connsiteY5" fmla="*/ 100604 h 614808"/>
+                  <a:gd name="connsiteX6" fmla="*/ 60425 w 571014"/>
+                  <a:gd name="connsiteY6" fmla="*/ 13719 h 614808"/>
+                  <a:gd name="connsiteX7" fmla="*/ 44554 w 571014"/>
+                  <a:gd name="connsiteY7" fmla="*/ 424 h 614808"/>
+                  <a:gd name="connsiteX8" fmla="*/ 34001 w 571014"/>
+                  <a:gd name="connsiteY8" fmla="*/ 6399 h 614808"/>
+                  <a:gd name="connsiteX9" fmla="*/ 4722 w 571014"/>
+                  <a:gd name="connsiteY9" fmla="*/ 70813 h 614808"/>
+                  <a:gd name="connsiteX10" fmla="*/ 36636 w 571014"/>
+                  <a:gd name="connsiteY10" fmla="*/ 212377 h 614808"/>
+                  <a:gd name="connsiteX11" fmla="*/ 161287 w 571014"/>
+                  <a:gd name="connsiteY11" fmla="*/ 585469 h 614808"/>
+                  <a:gd name="connsiteX12" fmla="*/ 534379 w 571014"/>
+                  <a:gd name="connsiteY12" fmla="*/ 460817 h 614808"/>
+                  <a:gd name="connsiteX13" fmla="*/ 534379 w 571014"/>
+                  <a:gd name="connsiteY13" fmla="*/ 212377 h 614808"/>
+                  <a:gd name="connsiteX14" fmla="*/ 566293 w 571014"/>
+                  <a:gd name="connsiteY14" fmla="*/ 70447 h 614808"/>
+                  <a:gd name="connsiteX15" fmla="*/ 325839 w 571014"/>
+                  <a:gd name="connsiteY15" fmla="*/ 217720 h 614808"/>
+                  <a:gd name="connsiteX16" fmla="*/ 407820 w 571014"/>
+                  <a:gd name="connsiteY16" fmla="*/ 180389 h 614808"/>
+                  <a:gd name="connsiteX17" fmla="*/ 436367 w 571014"/>
+                  <a:gd name="connsiteY17" fmla="*/ 184049 h 614808"/>
+                  <a:gd name="connsiteX18" fmla="*/ 446138 w 571014"/>
+                  <a:gd name="connsiteY18" fmla="*/ 200760 h 614808"/>
+                  <a:gd name="connsiteX19" fmla="*/ 445883 w 571014"/>
+                  <a:gd name="connsiteY19" fmla="*/ 201617 h 614808"/>
+                  <a:gd name="connsiteX20" fmla="*/ 427953 w 571014"/>
+                  <a:gd name="connsiteY20" fmla="*/ 211969 h 614808"/>
+                  <a:gd name="connsiteX21" fmla="*/ 427584 w 571014"/>
+                  <a:gd name="connsiteY21" fmla="*/ 211864 h 614808"/>
+                  <a:gd name="connsiteX22" fmla="*/ 347798 w 571014"/>
+                  <a:gd name="connsiteY22" fmla="*/ 236751 h 614808"/>
+                  <a:gd name="connsiteX23" fmla="*/ 327484 w 571014"/>
+                  <a:gd name="connsiteY23" fmla="*/ 240744 h 614808"/>
+                  <a:gd name="connsiteX24" fmla="*/ 323490 w 571014"/>
+                  <a:gd name="connsiteY24" fmla="*/ 220430 h 614808"/>
+                  <a:gd name="connsiteX25" fmla="*/ 325839 w 571014"/>
+                  <a:gd name="connsiteY25" fmla="*/ 217720 h 614808"/>
+                  <a:gd name="connsiteX26" fmla="*/ 245322 w 571014"/>
+                  <a:gd name="connsiteY26" fmla="*/ 217720 h 614808"/>
+                  <a:gd name="connsiteX27" fmla="*/ 246387 w 571014"/>
+                  <a:gd name="connsiteY27" fmla="*/ 238396 h 614808"/>
+                  <a:gd name="connsiteX28" fmla="*/ 225711 w 571014"/>
+                  <a:gd name="connsiteY28" fmla="*/ 239461 h 614808"/>
+                  <a:gd name="connsiteX29" fmla="*/ 223362 w 571014"/>
+                  <a:gd name="connsiteY29" fmla="*/ 236751 h 614808"/>
+                  <a:gd name="connsiteX30" fmla="*/ 143577 w 571014"/>
+                  <a:gd name="connsiteY30" fmla="*/ 211864 h 614808"/>
+                  <a:gd name="connsiteX31" fmla="*/ 125383 w 571014"/>
+                  <a:gd name="connsiteY31" fmla="*/ 201986 h 614808"/>
+                  <a:gd name="connsiteX32" fmla="*/ 125278 w 571014"/>
+                  <a:gd name="connsiteY32" fmla="*/ 201617 h 614808"/>
+                  <a:gd name="connsiteX33" fmla="*/ 133937 w 571014"/>
+                  <a:gd name="connsiteY33" fmla="*/ 184304 h 614808"/>
+                  <a:gd name="connsiteX34" fmla="*/ 134794 w 571014"/>
+                  <a:gd name="connsiteY34" fmla="*/ 184049 h 614808"/>
+                  <a:gd name="connsiteX35" fmla="*/ 163341 w 571014"/>
+                  <a:gd name="connsiteY35" fmla="*/ 180389 h 614808"/>
+                  <a:gd name="connsiteX36" fmla="*/ 245395 w 571014"/>
+                  <a:gd name="connsiteY36" fmla="*/ 217720 h 614808"/>
+                  <a:gd name="connsiteX37" fmla="*/ 124473 w 571014"/>
+                  <a:gd name="connsiteY37" fmla="*/ 292894 h 614808"/>
+                  <a:gd name="connsiteX38" fmla="*/ 168391 w 571014"/>
+                  <a:gd name="connsiteY38" fmla="*/ 248975 h 614808"/>
+                  <a:gd name="connsiteX39" fmla="*/ 212310 w 571014"/>
+                  <a:gd name="connsiteY39" fmla="*/ 292894 h 614808"/>
+                  <a:gd name="connsiteX40" fmla="*/ 168391 w 571014"/>
+                  <a:gd name="connsiteY40" fmla="*/ 336812 h 614808"/>
+                  <a:gd name="connsiteX41" fmla="*/ 124473 w 571014"/>
+                  <a:gd name="connsiteY41" fmla="*/ 292894 h 614808"/>
+                  <a:gd name="connsiteX42" fmla="*/ 430658 w 571014"/>
+                  <a:gd name="connsiteY42" fmla="*/ 455539 h 614808"/>
+                  <a:gd name="connsiteX43" fmla="*/ 174071 w 571014"/>
+                  <a:gd name="connsiteY43" fmla="*/ 489253 h 614808"/>
+                  <a:gd name="connsiteX44" fmla="*/ 140357 w 571014"/>
+                  <a:gd name="connsiteY44" fmla="*/ 455539 h 614808"/>
+                  <a:gd name="connsiteX45" fmla="*/ 143028 w 571014"/>
+                  <a:gd name="connsiteY45" fmla="*/ 435007 h 614808"/>
+                  <a:gd name="connsiteX46" fmla="*/ 163560 w 571014"/>
+                  <a:gd name="connsiteY46" fmla="*/ 437678 h 614808"/>
+                  <a:gd name="connsiteX47" fmla="*/ 379087 w 571014"/>
+                  <a:gd name="connsiteY47" fmla="*/ 466046 h 614808"/>
+                  <a:gd name="connsiteX48" fmla="*/ 407454 w 571014"/>
+                  <a:gd name="connsiteY48" fmla="*/ 437678 h 614808"/>
+                  <a:gd name="connsiteX49" fmla="*/ 427986 w 571014"/>
+                  <a:gd name="connsiteY49" fmla="*/ 435007 h 614808"/>
+                  <a:gd name="connsiteX50" fmla="*/ 430658 w 571014"/>
+                  <a:gd name="connsiteY50" fmla="*/ 455539 h 614808"/>
+                  <a:gd name="connsiteX51" fmla="*/ 402623 w 571014"/>
+                  <a:gd name="connsiteY51" fmla="*/ 336812 h 614808"/>
+                  <a:gd name="connsiteX52" fmla="*/ 358705 w 571014"/>
+                  <a:gd name="connsiteY52" fmla="*/ 292894 h 614808"/>
+                  <a:gd name="connsiteX53" fmla="*/ 402623 w 571014"/>
+                  <a:gd name="connsiteY53" fmla="*/ 248975 h 614808"/>
+                  <a:gd name="connsiteX54" fmla="*/ 446542 w 571014"/>
+                  <a:gd name="connsiteY54" fmla="*/ 292894 h 614808"/>
+                  <a:gd name="connsiteX55" fmla="*/ 402623 w 571014"/>
+                  <a:gd name="connsiteY55" fmla="*/ 336812 h 614808"/>
+                </a:gdLst>
+                <a:ahLst/>
+                <a:cxnLst>
+                  <a:cxn ang="0">
+                    <a:pos x="connsiteX0" y="connsiteY0"/>
+                  </a:cxn>
+                  <a:cxn ang="0">
+                    <a:pos x="connsiteX1" y="connsiteY1"/>
+                  </a:cxn>
+                  <a:cxn ang="0">
+                    <a:pos x="connsiteX2" y="connsiteY2"/>
+                  </a:cxn>
+                  <a:cxn ang="0">
+                    <a:pos x="connsiteX3" y="connsiteY3"/>
+                  </a:cxn>
+                  <a:cxn ang="0">
+                    <a:pos x="connsiteX4" y="connsiteY4"/>
+                  </a:cxn>
+                  <a:cxn ang="0">
+                    <a:pos x="connsiteX5" y="connsiteY5"/>
+                  </a:cxn>
+                  <a:cxn ang="0">
+                    <a:pos x="connsiteX6" y="connsiteY6"/>
+                  </a:cxn>
+                  <a:cxn ang="0">
+                    <a:pos x="connsiteX7" y="connsiteY7"/>
+                  </a:cxn>
+                  <a:cxn ang="0">
+                    <a:pos x="connsiteX8" y="connsiteY8"/>
+                  </a:cxn>
+                  <a:cxn ang="0">
+                    <a:pos x="connsiteX9" y="connsiteY9"/>
+                  </a:cxn>
+                  <a:cxn ang="0">
+                    <a:pos x="connsiteX10" y="connsiteY10"/>
+                  </a:cxn>
+                  <a:cxn ang="0">
+                    <a:pos x="connsiteX11" y="connsiteY11"/>
+                  </a:cxn>
+                  <a:cxn ang="0">
+                    <a:pos x="connsiteX12" y="connsiteY12"/>
+                  </a:cxn>
+                  <a:cxn ang="0">
+                    <a:pos x="connsiteX13" y="connsiteY13"/>
+                  </a:cxn>
+                  <a:cxn ang="0">
+                    <a:pos x="connsiteX14" y="connsiteY14"/>
+                  </a:cxn>
+                  <a:cxn ang="0">
+                    <a:pos x="connsiteX15" y="connsiteY15"/>
+                  </a:cxn>
+                  <a:cxn ang="0">
+                    <a:pos x="connsiteX16" y="connsiteY16"/>
+                  </a:cxn>
+                  <a:cxn ang="0">
+                    <a:pos x="connsiteX17" y="connsiteY17"/>
+                  </a:cxn>
+                  <a:cxn ang="0">
+                    <a:pos x="connsiteX18" y="connsiteY18"/>
+                  </a:cxn>
+                  <a:cxn ang="0">
+                    <a:pos x="connsiteX19" y="connsiteY19"/>
+                  </a:cxn>
+                  <a:cxn ang="0">
+                    <a:pos x="connsiteX20" y="connsiteY20"/>
+                  </a:cxn>
+                  <a:cxn ang="0">
+                    <a:pos x="connsiteX21" y="connsiteY21"/>
+                  </a:cxn>
+                  <a:cxn ang="0">
+                    <a:pos x="connsiteX22" y="connsiteY22"/>
+                  </a:cxn>
+                  <a:cxn ang="0">
+                    <a:pos x="connsiteX23" y="connsiteY23"/>
+                  </a:cxn>
+                  <a:cxn ang="0">
+                    <a:pos x="connsiteX24" y="connsiteY24"/>
+                  </a:cxn>
+                  <a:cxn ang="0">
+                    <a:pos x="connsiteX25" y="connsiteY25"/>
+                  </a:cxn>
+                  <a:cxn ang="0">
+                    <a:pos x="connsiteX26" y="connsiteY26"/>
+                  </a:cxn>
+                  <a:cxn ang="0">
+                    <a:pos x="connsiteX27" y="connsiteY27"/>
+                  </a:cxn>
+                  <a:cxn ang="0">
+                    <a:pos x="connsiteX28" y="connsiteY28"/>
+                  </a:cxn>
+                  <a:cxn ang="0">
+                    <a:pos x="connsiteX29" y="connsiteY29"/>
+                  </a:cxn>
+                  <a:cxn ang="0">
+                    <a:pos x="connsiteX30" y="connsiteY30"/>
+                  </a:cxn>
+                  <a:cxn ang="0">
+                    <a:pos x="connsiteX31" y="connsiteY31"/>
+                  </a:cxn>
+                  <a:cxn ang="0">
+                    <a:pos x="connsiteX32" y="connsiteY32"/>
+                  </a:cxn>
+                  <a:cxn ang="0">
+                    <a:pos x="connsiteX33" y="connsiteY33"/>
+                  </a:cxn>
+                  <a:cxn ang="0">
+                    <a:pos x="connsiteX34" y="connsiteY34"/>
+                  </a:cxn>
+                  <a:cxn ang="0">
+                    <a:pos x="connsiteX35" y="connsiteY35"/>
+                  </a:cxn>
+                  <a:cxn ang="0">
+                    <a:pos x="connsiteX36" y="connsiteY36"/>
+                  </a:cxn>
+                  <a:cxn ang="0">
+                    <a:pos x="connsiteX37" y="connsiteY37"/>
+                  </a:cxn>
+                  <a:cxn ang="0">
+                    <a:pos x="connsiteX38" y="connsiteY38"/>
+                  </a:cxn>
+                  <a:cxn ang="0">
+                    <a:pos x="connsiteX39" y="connsiteY39"/>
+                  </a:cxn>
+                  <a:cxn ang="0">
+                    <a:pos x="connsiteX40" y="connsiteY40"/>
+                  </a:cxn>
+                  <a:cxn ang="0">
+                    <a:pos x="connsiteX41" y="connsiteY41"/>
+                  </a:cxn>
+                  <a:cxn ang="0">
+                    <a:pos x="connsiteX42" y="connsiteY42"/>
+                  </a:cxn>
+                  <a:cxn ang="0">
+                    <a:pos x="connsiteX43" y="connsiteY43"/>
+                  </a:cxn>
+                  <a:cxn ang="0">
+                    <a:pos x="connsiteX44" y="connsiteY44"/>
+                  </a:cxn>
+                  <a:cxn ang="0">
+                    <a:pos x="connsiteX45" y="connsiteY45"/>
+                  </a:cxn>
+                  <a:cxn ang="0">
+                    <a:pos x="connsiteX46" y="connsiteY46"/>
+                  </a:cxn>
+                  <a:cxn ang="0">
+                    <a:pos x="connsiteX47" y="connsiteY47"/>
+                  </a:cxn>
+                  <a:cxn ang="0">
+                    <a:pos x="connsiteX48" y="connsiteY48"/>
+                  </a:cxn>
+                  <a:cxn ang="0">
+                    <a:pos x="connsiteX49" y="connsiteY49"/>
+                  </a:cxn>
+                  <a:cxn ang="0">
+                    <a:pos x="connsiteX50" y="connsiteY50"/>
+                  </a:cxn>
+                  <a:cxn ang="0">
+                    <a:pos x="connsiteX51" y="connsiteY51"/>
+                  </a:cxn>
+                  <a:cxn ang="0">
+                    <a:pos x="connsiteX52" y="connsiteY52"/>
+                  </a:cxn>
+                  <a:cxn ang="0">
+                    <a:pos x="connsiteX53" y="connsiteY53"/>
+                  </a:cxn>
+                  <a:cxn ang="0">
+                    <a:pos x="connsiteX54" y="connsiteY54"/>
+                  </a:cxn>
+                  <a:cxn ang="0">
+                    <a:pos x="connsiteX55" y="connsiteY55"/>
+                  </a:cxn>
+                </a:cxnLst>
+                <a:rect l="l" t="t" r="r" b="b"/>
+                <a:pathLst>
+                  <a:path w="571014" h="614808">
+                    <a:moveTo>
+                      <a:pt x="566293" y="70447"/>
+                    </a:moveTo>
+                    <a:cubicBezTo>
+                      <a:pt x="560974" y="47222"/>
+                      <a:pt x="551015" y="25312"/>
+                      <a:pt x="537014" y="6033"/>
+                    </a:cubicBezTo>
+                    <a:cubicBezTo>
+                      <a:pt x="532260" y="-507"/>
+                      <a:pt x="523105" y="-1955"/>
+                      <a:pt x="516565" y="2799"/>
+                    </a:cubicBezTo>
+                    <a:cubicBezTo>
+                      <a:pt x="513141" y="5288"/>
+                      <a:pt x="510962" y="9136"/>
+                      <a:pt x="510589" y="13353"/>
+                    </a:cubicBezTo>
+                    <a:cubicBezTo>
+                      <a:pt x="507644" y="56931"/>
+                      <a:pt x="475409" y="92909"/>
+                      <a:pt x="432415" y="100604"/>
+                    </a:cubicBezTo>
+                    <a:cubicBezTo>
+                      <a:pt x="342466" y="44657"/>
+                      <a:pt x="228549" y="44657"/>
+                      <a:pt x="138600" y="100604"/>
+                    </a:cubicBezTo>
+                    <a:cubicBezTo>
+                      <a:pt x="95729" y="92943"/>
+                      <a:pt x="63531" y="57157"/>
+                      <a:pt x="60425" y="13719"/>
+                    </a:cubicBezTo>
+                    <a:cubicBezTo>
+                      <a:pt x="59713" y="5665"/>
+                      <a:pt x="52608" y="-288"/>
+                      <a:pt x="44554" y="424"/>
+                    </a:cubicBezTo>
+                    <a:cubicBezTo>
+                      <a:pt x="40338" y="796"/>
+                      <a:pt x="36489" y="2975"/>
+                      <a:pt x="34001" y="6399"/>
+                    </a:cubicBezTo>
+                    <a:cubicBezTo>
+                      <a:pt x="19999" y="25678"/>
+                      <a:pt x="10041" y="47588"/>
+                      <a:pt x="4722" y="70813"/>
+                    </a:cubicBezTo>
+                    <a:cubicBezTo>
+                      <a:pt x="-7795" y="124540"/>
+                      <a:pt x="5161" y="177901"/>
+                      <a:pt x="36636" y="212377"/>
+                    </a:cubicBezTo>
+                    <a:cubicBezTo>
+                      <a:pt x="-31969" y="349825"/>
+                      <a:pt x="23839" y="516864"/>
+                      <a:pt x="161287" y="585469"/>
+                    </a:cubicBezTo>
+                    <a:cubicBezTo>
+                      <a:pt x="298735" y="654073"/>
+                      <a:pt x="465774" y="598265"/>
+                      <a:pt x="534379" y="460817"/>
+                    </a:cubicBezTo>
+                    <a:cubicBezTo>
+                      <a:pt x="573417" y="382605"/>
+                      <a:pt x="573417" y="290590"/>
+                      <a:pt x="534379" y="212377"/>
+                    </a:cubicBezTo>
+                    <a:cubicBezTo>
+                      <a:pt x="565854" y="177901"/>
+                      <a:pt x="578810" y="124540"/>
+                      <a:pt x="566293" y="70447"/>
+                    </a:cubicBezTo>
+                    <a:close/>
+                    <a:moveTo>
+                      <a:pt x="325839" y="217720"/>
+                    </a:moveTo>
+                    <a:cubicBezTo>
+                      <a:pt x="346218" y="193655"/>
+                      <a:pt x="376289" y="179962"/>
+                      <a:pt x="407820" y="180389"/>
+                    </a:cubicBezTo>
+                    <a:cubicBezTo>
+                      <a:pt x="417469" y="180108"/>
+                      <a:pt x="427102" y="181343"/>
+                      <a:pt x="436367" y="184049"/>
+                    </a:cubicBezTo>
+                    <a:cubicBezTo>
+                      <a:pt x="443680" y="185965"/>
+                      <a:pt x="448054" y="193448"/>
+                      <a:pt x="446138" y="200760"/>
+                    </a:cubicBezTo>
+                    <a:cubicBezTo>
+                      <a:pt x="446062" y="201049"/>
+                      <a:pt x="445977" y="201334"/>
+                      <a:pt x="445883" y="201617"/>
+                    </a:cubicBezTo>
+                    <a:cubicBezTo>
+                      <a:pt x="443790" y="209426"/>
+                      <a:pt x="435763" y="214061"/>
+                      <a:pt x="427953" y="211969"/>
+                    </a:cubicBezTo>
+                    <a:cubicBezTo>
+                      <a:pt x="427829" y="211935"/>
+                      <a:pt x="427707" y="211901"/>
+                      <a:pt x="427584" y="211864"/>
+                    </a:cubicBezTo>
+                    <a:cubicBezTo>
+                      <a:pt x="398417" y="204219"/>
+                      <a:pt x="367446" y="213881"/>
+                      <a:pt x="347798" y="236751"/>
+                    </a:cubicBezTo>
+                    <a:cubicBezTo>
+                      <a:pt x="343291" y="243464"/>
+                      <a:pt x="334196" y="245252"/>
+                      <a:pt x="327484" y="240744"/>
+                    </a:cubicBezTo>
+                    <a:cubicBezTo>
+                      <a:pt x="320771" y="236238"/>
+                      <a:pt x="318983" y="227142"/>
+                      <a:pt x="323490" y="220430"/>
+                    </a:cubicBezTo>
+                    <a:cubicBezTo>
+                      <a:pt x="324159" y="219434"/>
+                      <a:pt x="324948" y="218524"/>
+                      <a:pt x="325839" y="217720"/>
+                    </a:cubicBezTo>
+                    <a:close/>
+                    <a:moveTo>
+                      <a:pt x="245322" y="217720"/>
+                    </a:moveTo>
+                    <a:cubicBezTo>
+                      <a:pt x="251325" y="223135"/>
+                      <a:pt x="251803" y="232392"/>
+                      <a:pt x="246387" y="238396"/>
+                    </a:cubicBezTo>
+                    <a:cubicBezTo>
+                      <a:pt x="240972" y="244400"/>
+                      <a:pt x="231715" y="244876"/>
+                      <a:pt x="225711" y="239461"/>
+                    </a:cubicBezTo>
+                    <a:cubicBezTo>
+                      <a:pt x="224820" y="238657"/>
+                      <a:pt x="224032" y="237748"/>
+                      <a:pt x="223362" y="236751"/>
+                    </a:cubicBezTo>
+                    <a:cubicBezTo>
+                      <a:pt x="203715" y="213881"/>
+                      <a:pt x="172744" y="204219"/>
+                      <a:pt x="143577" y="211864"/>
+                    </a:cubicBezTo>
+                    <a:cubicBezTo>
+                      <a:pt x="135825" y="214161"/>
+                      <a:pt x="127679" y="209739"/>
+                      <a:pt x="125383" y="201986"/>
+                    </a:cubicBezTo>
+                    <a:cubicBezTo>
+                      <a:pt x="125346" y="201864"/>
+                      <a:pt x="125311" y="201740"/>
+                      <a:pt x="125278" y="201617"/>
+                    </a:cubicBezTo>
+                    <a:cubicBezTo>
+                      <a:pt x="122888" y="194445"/>
+                      <a:pt x="126765" y="186693"/>
+                      <a:pt x="133937" y="184304"/>
+                    </a:cubicBezTo>
+                    <a:cubicBezTo>
+                      <a:pt x="134220" y="184209"/>
+                      <a:pt x="134505" y="184125"/>
+                      <a:pt x="134794" y="184049"/>
+                    </a:cubicBezTo>
+                    <a:cubicBezTo>
+                      <a:pt x="144059" y="181343"/>
+                      <a:pt x="153692" y="180108"/>
+                      <a:pt x="163341" y="180389"/>
+                    </a:cubicBezTo>
+                    <a:cubicBezTo>
+                      <a:pt x="194897" y="179940"/>
+                      <a:pt x="225000" y="193635"/>
+                      <a:pt x="245395" y="217720"/>
+                    </a:cubicBezTo>
+                    <a:close/>
+                    <a:moveTo>
+                      <a:pt x="124473" y="292894"/>
+                    </a:moveTo>
+                    <a:cubicBezTo>
+                      <a:pt x="124473" y="268638"/>
+                      <a:pt x="144136" y="248975"/>
+                      <a:pt x="168391" y="248975"/>
+                    </a:cubicBezTo>
+                    <a:cubicBezTo>
+                      <a:pt x="192647" y="248975"/>
+                      <a:pt x="212310" y="268638"/>
+                      <a:pt x="212310" y="292894"/>
+                    </a:cubicBezTo>
+                    <a:cubicBezTo>
+                      <a:pt x="212310" y="317149"/>
+                      <a:pt x="192647" y="336812"/>
+                      <a:pt x="168391" y="336812"/>
+                    </a:cubicBezTo>
+                    <a:cubicBezTo>
+                      <a:pt x="144136" y="336812"/>
+                      <a:pt x="124473" y="317149"/>
+                      <a:pt x="124473" y="292894"/>
+                    </a:cubicBezTo>
+                    <a:close/>
+                    <a:moveTo>
+                      <a:pt x="430658" y="455539"/>
+                    </a:moveTo>
+                    <a:cubicBezTo>
+                      <a:pt x="369113" y="535703"/>
+                      <a:pt x="254236" y="550798"/>
+                      <a:pt x="174071" y="489253"/>
+                    </a:cubicBezTo>
+                    <a:cubicBezTo>
+                      <a:pt x="161410" y="479534"/>
+                      <a:pt x="150076" y="468199"/>
+                      <a:pt x="140357" y="455539"/>
+                    </a:cubicBezTo>
+                    <a:cubicBezTo>
+                      <a:pt x="135424" y="449131"/>
+                      <a:pt x="136621" y="439939"/>
+                      <a:pt x="143028" y="435007"/>
+                    </a:cubicBezTo>
+                    <a:cubicBezTo>
+                      <a:pt x="149436" y="430075"/>
+                      <a:pt x="158628" y="431271"/>
+                      <a:pt x="163560" y="437678"/>
+                    </a:cubicBezTo>
+                    <a:cubicBezTo>
+                      <a:pt x="215243" y="505028"/>
+                      <a:pt x="311738" y="517729"/>
+                      <a:pt x="379087" y="466046"/>
+                    </a:cubicBezTo>
+                    <a:cubicBezTo>
+                      <a:pt x="389741" y="457870"/>
+                      <a:pt x="399278" y="448333"/>
+                      <a:pt x="407454" y="437678"/>
+                    </a:cubicBezTo>
+                    <a:cubicBezTo>
+                      <a:pt x="412386" y="431271"/>
+                      <a:pt x="421578" y="430075"/>
+                      <a:pt x="427986" y="435007"/>
+                    </a:cubicBezTo>
+                    <a:cubicBezTo>
+                      <a:pt x="434394" y="439939"/>
+                      <a:pt x="435590" y="449131"/>
+                      <a:pt x="430658" y="455539"/>
+                    </a:cubicBezTo>
+                    <a:close/>
+                    <a:moveTo>
+                      <a:pt x="402623" y="336812"/>
+                    </a:moveTo>
+                    <a:cubicBezTo>
+                      <a:pt x="378368" y="336812"/>
+                      <a:pt x="358705" y="317149"/>
+                      <a:pt x="358705" y="292894"/>
+                    </a:cubicBezTo>
+                    <a:cubicBezTo>
+                      <a:pt x="358705" y="268638"/>
+                      <a:pt x="378368" y="248975"/>
+                      <a:pt x="402623" y="248975"/>
+                    </a:cubicBezTo>
+                    <a:cubicBezTo>
+                      <a:pt x="426879" y="248975"/>
+                      <a:pt x="446542" y="268638"/>
+                      <a:pt x="446542" y="292894"/>
+                    </a:cubicBezTo>
+                    <a:cubicBezTo>
+                      <a:pt x="446542" y="317149"/>
+                      <a:pt x="426879" y="336812"/>
+                      <a:pt x="402623" y="336812"/>
+                    </a:cubicBezTo>
+                    <a:close/>
+                  </a:path>
+                </a:pathLst>
+              </a:custGeom>
+              <a:solidFill>
+                <a:schemeClr val="tx1"/>
+              </a:solidFill>
+              <a:ln w="7243" cap="flat">
+                <a:noFill/>
+                <a:prstDash val="solid"/>
+                <a:miter/>
+              </a:ln>
+            </p:spPr>
+            <p:txBody>
+              <a:bodyPr rtlCol="0" anchor="ctr"/>
+              <a:lstStyle/>
+              <a:p>
+                <a:endParaRPr lang="ko-KR" altLang="en-US"/>
+              </a:p>
+            </p:txBody>
+          </p:sp>
+          <p:sp>
+            <p:nvSpPr>
+              <p:cNvPr id="18" name="TextBox 17">
+                <a:extLst>
+                  <a:ext uri="{FF2B5EF4-FFF2-40B4-BE49-F238E27FC236}">
+                    <a16:creationId xmlns:a16="http://schemas.microsoft.com/office/drawing/2014/main" id="{BEB94A39-AFB2-595A-60BB-11510DBD0575}"/>
+                  </a:ext>
+                </a:extLst>
+              </p:cNvPr>
+              <p:cNvSpPr txBox="1"/>
+              <p:nvPr/>
+            </p:nvSpPr>
+            <p:spPr>
+              <a:xfrm>
+                <a:off x="1865021" y="2640258"/>
+                <a:ext cx="631904" cy="307777"/>
+              </a:xfrm>
+              <a:prstGeom prst="rect">
+                <a:avLst/>
+              </a:prstGeom>
+              <a:noFill/>
+            </p:spPr>
+            <p:txBody>
+              <a:bodyPr wrap="none" rtlCol="0">
+                <a:spAutoFit/>
+              </a:bodyPr>
+              <a:lstStyle/>
+              <a:p>
+                <a:pPr algn="ctr"/>
+                <a:r>
+                  <a:rPr lang="en-US" altLang="ko-KR" dirty="0">
+                    <a:latin typeface="Microsoft GothicNeo Light" panose="020B0300000101010101" pitchFamily="50" charset="-127"/>
+                    <a:ea typeface="Microsoft GothicNeo Light" panose="020B0300000101010101" pitchFamily="50" charset="-127"/>
+                    <a:cs typeface="Microsoft GothicNeo Light" panose="020B0300000101010101" pitchFamily="50" charset="-127"/>
+                  </a:rPr>
+                  <a:t>BOSS</a:t>
+                </a:r>
+                <a:endParaRPr lang="ko-KR" altLang="en-US" dirty="0">
+                  <a:latin typeface="Microsoft GothicNeo Light" panose="020B0300000101010101" pitchFamily="50" charset="-127"/>
+                  <a:ea typeface="Microsoft GothicNeo Light" panose="020B0300000101010101" pitchFamily="50" charset="-127"/>
+                  <a:cs typeface="Microsoft GothicNeo Light" panose="020B0300000101010101" pitchFamily="50" charset="-127"/>
+                </a:endParaRPr>
+              </a:p>
+            </p:txBody>
+          </p:sp>
+        </p:grpSp>
+        <p:sp>
+          <p:nvSpPr>
+            <p:cNvPr id="22" name="원통형 21">
+              <a:extLst>
+                <a:ext uri="{FF2B5EF4-FFF2-40B4-BE49-F238E27FC236}">
+                  <a16:creationId xmlns:a16="http://schemas.microsoft.com/office/drawing/2014/main" id="{870ACBFC-5A74-8CB5-853C-1CA80C14759B}"/>
+                </a:ext>
+              </a:extLst>
+            </p:cNvPr>
+            <p:cNvSpPr/>
+            <p:nvPr/>
+          </p:nvSpPr>
+          <p:spPr>
+            <a:xfrm>
+              <a:off x="449404" y="1846333"/>
+              <a:ext cx="427130" cy="666237"/>
+            </a:xfrm>
+            <a:prstGeom prst="can">
+              <a:avLst/>
+            </a:prstGeom>
+          </p:spPr>
+          <p:style>
+            <a:lnRef idx="2">
+              <a:schemeClr val="accent1">
+                <a:shade val="50000"/>
+              </a:schemeClr>
+            </a:lnRef>
+            <a:fillRef idx="1">
+              <a:schemeClr val="accent1"/>
+            </a:fillRef>
+            <a:effectRef idx="0">
+              <a:schemeClr val="accent1"/>
+            </a:effectRef>
+            <a:fontRef idx="minor">
+              <a:schemeClr val="lt1"/>
+            </a:fontRef>
+          </p:style>
+          <p:txBody>
+            <a:bodyPr rtlCol="0" anchor="ctr"/>
+            <a:lstStyle/>
+            <a:p>
+              <a:pPr algn="ctr"/>
+              <a:endParaRPr lang="ko-KR" altLang="en-US"/>
+            </a:p>
+          </p:txBody>
+        </p:sp>
+        <p:grpSp>
+          <p:nvGrpSpPr>
+            <p:cNvPr id="29" name="그룹 28">
+              <a:extLst>
+                <a:ext uri="{FF2B5EF4-FFF2-40B4-BE49-F238E27FC236}">
+                  <a16:creationId xmlns:a16="http://schemas.microsoft.com/office/drawing/2014/main" id="{228A079A-FD20-78FD-0F1B-D29D1C13AAF8}"/>
+                </a:ext>
+              </a:extLst>
+            </p:cNvPr>
+            <p:cNvGrpSpPr/>
+            <p:nvPr/>
+          </p:nvGrpSpPr>
+          <p:grpSpPr>
+            <a:xfrm>
+              <a:off x="825089" y="1981606"/>
+              <a:ext cx="583603" cy="931193"/>
+              <a:chOff x="764582" y="2571750"/>
+              <a:chExt cx="694421" cy="1108014"/>
+            </a:xfrm>
+          </p:grpSpPr>
+          <p:pic>
+            <p:nvPicPr>
+              <p:cNvPr id="27" name="그래픽 26" descr="사용자 단색으로 채워진">
+                <a:extLst>
+                  <a:ext uri="{FF2B5EF4-FFF2-40B4-BE49-F238E27FC236}">
+                    <a16:creationId xmlns:a16="http://schemas.microsoft.com/office/drawing/2014/main" id="{7941F2E6-946D-2447-2D5F-912D8C56D9A3}"/>
+                  </a:ext>
+                </a:extLst>
+              </p:cNvPr>
+              <p:cNvPicPr>
+                <a:picLocks noChangeAspect="1"/>
+              </p:cNvPicPr>
+              <p:nvPr/>
+            </p:nvPicPr>
+            <p:blipFill>
+              <a:blip r:embed="rId2">
+                <a:extLst>
+                  <a:ext uri="{96DAC541-7B7A-43D3-8B79-37D633B846F1}">
+                    <asvg:svgBlip xmlns:asvg="http://schemas.microsoft.com/office/drawing/2016/SVG/main" r:embed="rId3"/>
+                  </a:ext>
+                </a:extLst>
+              </a:blip>
+              <a:stretch>
+                <a:fillRect/>
+              </a:stretch>
+            </p:blipFill>
+            <p:spPr>
+              <a:xfrm>
+                <a:off x="780085" y="2841688"/>
+                <a:ext cx="663414" cy="663414"/>
+              </a:xfrm>
+              <a:prstGeom prst="rect">
+                <a:avLst/>
+              </a:prstGeom>
+            </p:spPr>
+          </p:pic>
+          <p:sp>
+            <p:nvSpPr>
+              <p:cNvPr id="10" name="Google Shape;80;p14">
+                <a:extLst>
+                  <a:ext uri="{FF2B5EF4-FFF2-40B4-BE49-F238E27FC236}">
+                    <a16:creationId xmlns:a16="http://schemas.microsoft.com/office/drawing/2014/main" id="{77C9F2C4-F61D-4BD2-EA6E-1EB7F0BDA271}"/>
+                  </a:ext>
+                </a:extLst>
+              </p:cNvPr>
+              <p:cNvSpPr/>
+              <p:nvPr/>
+            </p:nvSpPr>
+            <p:spPr>
+              <a:xfrm>
+                <a:off x="943566" y="2571750"/>
+                <a:ext cx="336452" cy="329495"/>
+              </a:xfrm>
+              <a:prstGeom prst="ellipse">
+                <a:avLst/>
+              </a:prstGeom>
+              <a:solidFill>
+                <a:schemeClr val="accent1"/>
+              </a:solidFill>
+              <a:ln w="9525" cap="flat" cmpd="sng">
+                <a:noFill/>
+                <a:prstDash val="solid"/>
+                <a:round/>
+                <a:headEnd type="none" w="sm" len="sm"/>
+                <a:tailEnd type="none" w="sm" len="sm"/>
+              </a:ln>
+            </p:spPr>
+            <p:txBody>
+              <a:bodyPr spcFirstLastPara="1" wrap="square" lIns="91425" tIns="91425" rIns="91425" bIns="91425" anchor="ctr" anchorCtr="0">
+                <a:noAutofit/>
+              </a:bodyPr>
+              <a:lstStyle/>
+              <a:p>
+                <a:pPr marL="0" lvl="0" indent="0" algn="l" rtl="0">
+                  <a:spcBef>
+                    <a:spcPts val="0"/>
+                  </a:spcBef>
+                  <a:spcAft>
+                    <a:spcPts val="0"/>
+                  </a:spcAft>
+                  <a:buNone/>
+                </a:pPr>
+                <a:endParaRPr dirty="0">
+                  <a:latin typeface="Microsoft GothicNeo Light" panose="020B0300000101010101" pitchFamily="50" charset="-127"/>
+                  <a:ea typeface="Microsoft GothicNeo Light" panose="020B0300000101010101" pitchFamily="50" charset="-127"/>
+                  <a:cs typeface="Microsoft GothicNeo Light" panose="020B0300000101010101" pitchFamily="50" charset="-127"/>
+                </a:endParaRPr>
+              </a:p>
+            </p:txBody>
+          </p:sp>
+          <p:sp>
+            <p:nvSpPr>
+              <p:cNvPr id="28" name="TextBox 27">
+                <a:extLst>
+                  <a:ext uri="{FF2B5EF4-FFF2-40B4-BE49-F238E27FC236}">
+                    <a16:creationId xmlns:a16="http://schemas.microsoft.com/office/drawing/2014/main" id="{3D549906-47AE-7F28-9D73-C9B4BFEF5E38}"/>
+                  </a:ext>
+                </a:extLst>
+              </p:cNvPr>
+              <p:cNvSpPr txBox="1"/>
+              <p:nvPr/>
+            </p:nvSpPr>
+            <p:spPr>
+              <a:xfrm>
+                <a:off x="764582" y="3371987"/>
+                <a:ext cx="694421" cy="307777"/>
+              </a:xfrm>
+              <a:prstGeom prst="rect">
+                <a:avLst/>
+              </a:prstGeom>
+              <a:noFill/>
+            </p:spPr>
+            <p:txBody>
+              <a:bodyPr wrap="none" rtlCol="0">
+                <a:spAutoFit/>
+              </a:bodyPr>
+              <a:lstStyle/>
+              <a:p>
+                <a:pPr algn="ctr"/>
+                <a:r>
+                  <a:rPr lang="en-US" altLang="ko-KR" dirty="0">
+                    <a:latin typeface="Microsoft GothicNeo Light" panose="020B0300000101010101" pitchFamily="50" charset="-127"/>
+                    <a:ea typeface="Microsoft GothicNeo Light" panose="020B0300000101010101" pitchFamily="50" charset="-127"/>
+                    <a:cs typeface="Microsoft GothicNeo Light" panose="020B0300000101010101" pitchFamily="50" charset="-127"/>
+                  </a:rPr>
+                  <a:t>USER1</a:t>
+                </a:r>
+                <a:endParaRPr lang="ko-KR" altLang="en-US" dirty="0">
+                  <a:latin typeface="Microsoft GothicNeo Light" panose="020B0300000101010101" pitchFamily="50" charset="-127"/>
+                  <a:ea typeface="Microsoft GothicNeo Light" panose="020B0300000101010101" pitchFamily="50" charset="-127"/>
+                  <a:cs typeface="Microsoft GothicNeo Light" panose="020B0300000101010101" pitchFamily="50" charset="-127"/>
+                </a:endParaRPr>
+              </a:p>
+            </p:txBody>
+          </p:sp>
+        </p:grpSp>
+        <p:grpSp>
+          <p:nvGrpSpPr>
+            <p:cNvPr id="42" name="그룹 41">
+              <a:extLst>
+                <a:ext uri="{FF2B5EF4-FFF2-40B4-BE49-F238E27FC236}">
+                  <a16:creationId xmlns:a16="http://schemas.microsoft.com/office/drawing/2014/main" id="{DE150F89-3882-3999-0A97-62C0E6C29A9F}"/>
+                </a:ext>
+              </a:extLst>
+            </p:cNvPr>
+            <p:cNvGrpSpPr/>
+            <p:nvPr/>
+          </p:nvGrpSpPr>
+          <p:grpSpPr>
+            <a:xfrm>
+              <a:off x="1908745" y="2447202"/>
+              <a:ext cx="594380" cy="931193"/>
+              <a:chOff x="758170" y="2571750"/>
+              <a:chExt cx="707245" cy="1108014"/>
+            </a:xfrm>
+          </p:grpSpPr>
+          <p:pic>
+            <p:nvPicPr>
+              <p:cNvPr id="43" name="그래픽 42" descr="사용자 단색으로 채워진">
+                <a:extLst>
+                  <a:ext uri="{FF2B5EF4-FFF2-40B4-BE49-F238E27FC236}">
+                    <a16:creationId xmlns:a16="http://schemas.microsoft.com/office/drawing/2014/main" id="{358D68AD-A581-C202-76F7-9E3C6E1635CD}"/>
+                  </a:ext>
+                </a:extLst>
+              </p:cNvPr>
+              <p:cNvPicPr>
+                <a:picLocks noChangeAspect="1"/>
+              </p:cNvPicPr>
+              <p:nvPr/>
+            </p:nvPicPr>
+            <p:blipFill>
+              <a:blip r:embed="rId2">
+                <a:extLst>
+                  <a:ext uri="{96DAC541-7B7A-43D3-8B79-37D633B846F1}">
+                    <asvg:svgBlip xmlns:asvg="http://schemas.microsoft.com/office/drawing/2016/SVG/main" r:embed="rId3"/>
+                  </a:ext>
+                </a:extLst>
+              </a:blip>
+              <a:stretch>
+                <a:fillRect/>
+              </a:stretch>
+            </p:blipFill>
+            <p:spPr>
+              <a:xfrm>
+                <a:off x="780085" y="2841688"/>
+                <a:ext cx="663414" cy="663414"/>
+              </a:xfrm>
+              <a:prstGeom prst="rect">
+                <a:avLst/>
+              </a:prstGeom>
+            </p:spPr>
+          </p:pic>
+          <p:sp>
+            <p:nvSpPr>
+              <p:cNvPr id="44" name="Google Shape;80;p14">
+                <a:extLst>
+                  <a:ext uri="{FF2B5EF4-FFF2-40B4-BE49-F238E27FC236}">
+                    <a16:creationId xmlns:a16="http://schemas.microsoft.com/office/drawing/2014/main" id="{BDBFA851-774B-BAB5-CA6E-980592CFB27B}"/>
+                  </a:ext>
+                </a:extLst>
+              </p:cNvPr>
+              <p:cNvSpPr/>
+              <p:nvPr/>
+            </p:nvSpPr>
+            <p:spPr>
+              <a:xfrm>
+                <a:off x="943566" y="2571750"/>
+                <a:ext cx="336452" cy="329495"/>
+              </a:xfrm>
+              <a:prstGeom prst="ellipse">
+                <a:avLst/>
+              </a:prstGeom>
+              <a:solidFill>
+                <a:srgbClr val="FF0000"/>
+              </a:solidFill>
+              <a:ln w="9525" cap="flat" cmpd="sng">
+                <a:noFill/>
+                <a:prstDash val="solid"/>
+                <a:round/>
+                <a:headEnd type="none" w="sm" len="sm"/>
+                <a:tailEnd type="none" w="sm" len="sm"/>
+              </a:ln>
+            </p:spPr>
+            <p:txBody>
+              <a:bodyPr spcFirstLastPara="1" wrap="square" lIns="91425" tIns="91425" rIns="91425" bIns="91425" anchor="ctr" anchorCtr="0">
+                <a:noAutofit/>
+              </a:bodyPr>
+              <a:lstStyle/>
+              <a:p>
+                <a:pPr marL="0" lvl="0" indent="0" algn="l" rtl="0">
+                  <a:spcBef>
+                    <a:spcPts val="0"/>
+                  </a:spcBef>
+                  <a:spcAft>
+                    <a:spcPts val="0"/>
+                  </a:spcAft>
+                  <a:buNone/>
+                </a:pPr>
+                <a:endParaRPr dirty="0">
+                  <a:latin typeface="Microsoft GothicNeo Light" panose="020B0300000101010101" pitchFamily="50" charset="-127"/>
+                  <a:ea typeface="Microsoft GothicNeo Light" panose="020B0300000101010101" pitchFamily="50" charset="-127"/>
+                  <a:cs typeface="Microsoft GothicNeo Light" panose="020B0300000101010101" pitchFamily="50" charset="-127"/>
+                </a:endParaRPr>
+              </a:p>
+            </p:txBody>
+          </p:sp>
+          <p:sp>
+            <p:nvSpPr>
+              <p:cNvPr id="45" name="TextBox 44">
+                <a:extLst>
+                  <a:ext uri="{FF2B5EF4-FFF2-40B4-BE49-F238E27FC236}">
+                    <a16:creationId xmlns:a16="http://schemas.microsoft.com/office/drawing/2014/main" id="{A8A7BBD4-4F5A-2290-74D5-4C92664220EB}"/>
+                  </a:ext>
+                </a:extLst>
+              </p:cNvPr>
+              <p:cNvSpPr txBox="1"/>
+              <p:nvPr/>
+            </p:nvSpPr>
+            <p:spPr>
+              <a:xfrm>
+                <a:off x="758170" y="3371987"/>
+                <a:ext cx="707245" cy="307777"/>
+              </a:xfrm>
+              <a:prstGeom prst="rect">
+                <a:avLst/>
+              </a:prstGeom>
+              <a:noFill/>
+            </p:spPr>
+            <p:txBody>
+              <a:bodyPr wrap="none" rtlCol="0">
+                <a:spAutoFit/>
+              </a:bodyPr>
+              <a:lstStyle/>
+              <a:p>
+                <a:pPr algn="ctr"/>
+                <a:r>
+                  <a:rPr lang="en-US" altLang="ko-KR" dirty="0">
+                    <a:latin typeface="Microsoft GothicNeo Light" panose="020B0300000101010101" pitchFamily="50" charset="-127"/>
+                    <a:ea typeface="Microsoft GothicNeo Light" panose="020B0300000101010101" pitchFamily="50" charset="-127"/>
+                    <a:cs typeface="Microsoft GothicNeo Light" panose="020B0300000101010101" pitchFamily="50" charset="-127"/>
+                  </a:rPr>
+                  <a:t>USER2</a:t>
+                </a:r>
+              </a:p>
+            </p:txBody>
+          </p:sp>
+        </p:grpSp>
+        <p:grpSp>
+          <p:nvGrpSpPr>
+            <p:cNvPr id="46" name="그룹 45">
+              <a:extLst>
+                <a:ext uri="{FF2B5EF4-FFF2-40B4-BE49-F238E27FC236}">
+                  <a16:creationId xmlns:a16="http://schemas.microsoft.com/office/drawing/2014/main" id="{938F13B0-0B69-5469-ECED-C3AEB73EFC40}"/>
+                </a:ext>
+              </a:extLst>
+            </p:cNvPr>
+            <p:cNvGrpSpPr/>
+            <p:nvPr/>
+          </p:nvGrpSpPr>
+          <p:grpSpPr>
+            <a:xfrm>
+              <a:off x="2124180" y="588486"/>
+              <a:ext cx="594380" cy="931193"/>
+              <a:chOff x="758170" y="2571750"/>
+              <a:chExt cx="707245" cy="1108014"/>
+            </a:xfrm>
+          </p:grpSpPr>
+          <p:pic>
+            <p:nvPicPr>
+              <p:cNvPr id="47" name="그래픽 46" descr="사용자 단색으로 채워진">
+                <a:extLst>
+                  <a:ext uri="{FF2B5EF4-FFF2-40B4-BE49-F238E27FC236}">
+                    <a16:creationId xmlns:a16="http://schemas.microsoft.com/office/drawing/2014/main" id="{F711D364-EC95-9B84-5E69-6238E0F167AA}"/>
+                  </a:ext>
+                </a:extLst>
+              </p:cNvPr>
+              <p:cNvPicPr>
+                <a:picLocks noChangeAspect="1"/>
+              </p:cNvPicPr>
+              <p:nvPr/>
+            </p:nvPicPr>
+            <p:blipFill>
+              <a:blip r:embed="rId2">
+                <a:extLst>
+                  <a:ext uri="{96DAC541-7B7A-43D3-8B79-37D633B846F1}">
+                    <asvg:svgBlip xmlns:asvg="http://schemas.microsoft.com/office/drawing/2016/SVG/main" r:embed="rId3"/>
+                  </a:ext>
+                </a:extLst>
+              </a:blip>
+              <a:stretch>
+                <a:fillRect/>
+              </a:stretch>
+            </p:blipFill>
+            <p:spPr>
+              <a:xfrm>
+                <a:off x="780085" y="2841688"/>
+                <a:ext cx="663414" cy="663414"/>
+              </a:xfrm>
+              <a:prstGeom prst="rect">
+                <a:avLst/>
+              </a:prstGeom>
+            </p:spPr>
+          </p:pic>
+          <p:sp>
+            <p:nvSpPr>
+              <p:cNvPr id="48" name="Google Shape;80;p14">
+                <a:extLst>
+                  <a:ext uri="{FF2B5EF4-FFF2-40B4-BE49-F238E27FC236}">
+                    <a16:creationId xmlns:a16="http://schemas.microsoft.com/office/drawing/2014/main" id="{4441B952-4397-51A9-83B7-C202BDED4336}"/>
+                  </a:ext>
+                </a:extLst>
+              </p:cNvPr>
+              <p:cNvSpPr/>
+              <p:nvPr/>
+            </p:nvSpPr>
+            <p:spPr>
+              <a:xfrm>
+                <a:off x="943566" y="2571750"/>
+                <a:ext cx="336452" cy="329495"/>
+              </a:xfrm>
+              <a:prstGeom prst="ellipse">
+                <a:avLst/>
+              </a:prstGeom>
+              <a:solidFill>
+                <a:srgbClr val="00B050"/>
+              </a:solidFill>
+              <a:ln w="9525" cap="flat" cmpd="sng">
+                <a:noFill/>
+                <a:prstDash val="solid"/>
+                <a:round/>
+                <a:headEnd type="none" w="sm" len="sm"/>
+                <a:tailEnd type="none" w="sm" len="sm"/>
+              </a:ln>
+            </p:spPr>
+            <p:txBody>
+              <a:bodyPr spcFirstLastPara="1" wrap="square" lIns="91425" tIns="91425" rIns="91425" bIns="91425" anchor="ctr" anchorCtr="0">
+                <a:noAutofit/>
+              </a:bodyPr>
+              <a:lstStyle/>
+              <a:p>
+                <a:pPr marL="0" lvl="0" indent="0" algn="l" rtl="0">
+                  <a:spcBef>
+                    <a:spcPts val="0"/>
+                  </a:spcBef>
+                  <a:spcAft>
+                    <a:spcPts val="0"/>
+                  </a:spcAft>
+                  <a:buNone/>
+                </a:pPr>
+                <a:endParaRPr dirty="0">
+                  <a:latin typeface="Microsoft GothicNeo Light" panose="020B0300000101010101" pitchFamily="50" charset="-127"/>
+                  <a:ea typeface="Microsoft GothicNeo Light" panose="020B0300000101010101" pitchFamily="50" charset="-127"/>
+                  <a:cs typeface="Microsoft GothicNeo Light" panose="020B0300000101010101" pitchFamily="50" charset="-127"/>
+                </a:endParaRPr>
+              </a:p>
+            </p:txBody>
+          </p:sp>
+          <p:sp>
+            <p:nvSpPr>
+              <p:cNvPr id="49" name="TextBox 48">
+                <a:extLst>
+                  <a:ext uri="{FF2B5EF4-FFF2-40B4-BE49-F238E27FC236}">
+                    <a16:creationId xmlns:a16="http://schemas.microsoft.com/office/drawing/2014/main" id="{7F1BB242-218B-2551-9DB9-850911D5018F}"/>
+                  </a:ext>
+                </a:extLst>
+              </p:cNvPr>
+              <p:cNvSpPr txBox="1"/>
+              <p:nvPr/>
+            </p:nvSpPr>
+            <p:spPr>
+              <a:xfrm>
+                <a:off x="758170" y="3371987"/>
+                <a:ext cx="707245" cy="307777"/>
+              </a:xfrm>
+              <a:prstGeom prst="rect">
+                <a:avLst/>
+              </a:prstGeom>
+              <a:noFill/>
+            </p:spPr>
+            <p:txBody>
+              <a:bodyPr wrap="none" rtlCol="0">
+                <a:spAutoFit/>
+              </a:bodyPr>
+              <a:lstStyle/>
+              <a:p>
+                <a:pPr algn="ctr"/>
+                <a:r>
+                  <a:rPr lang="en-US" altLang="ko-KR" dirty="0">
+                    <a:latin typeface="Microsoft GothicNeo Light" panose="020B0300000101010101" pitchFamily="50" charset="-127"/>
+                    <a:ea typeface="Microsoft GothicNeo Light" panose="020B0300000101010101" pitchFamily="50" charset="-127"/>
+                    <a:cs typeface="Microsoft GothicNeo Light" panose="020B0300000101010101" pitchFamily="50" charset="-127"/>
+                  </a:rPr>
+                  <a:t>USER3</a:t>
+                </a:r>
+                <a:endParaRPr lang="ko-KR" altLang="en-US" dirty="0">
+                  <a:latin typeface="Microsoft GothicNeo Light" panose="020B0300000101010101" pitchFamily="50" charset="-127"/>
+                  <a:ea typeface="Microsoft GothicNeo Light" panose="020B0300000101010101" pitchFamily="50" charset="-127"/>
+                  <a:cs typeface="Microsoft GothicNeo Light" panose="020B0300000101010101" pitchFamily="50" charset="-127"/>
+                </a:endParaRPr>
+              </a:p>
+            </p:txBody>
+          </p:sp>
+        </p:grpSp>
+        <p:grpSp>
+          <p:nvGrpSpPr>
+            <p:cNvPr id="50" name="그룹 49">
+              <a:extLst>
+                <a:ext uri="{FF2B5EF4-FFF2-40B4-BE49-F238E27FC236}">
+                  <a16:creationId xmlns:a16="http://schemas.microsoft.com/office/drawing/2014/main" id="{497D0BB1-EC81-67DD-17BA-B2C05C3C3BF8}"/>
+                </a:ext>
+              </a:extLst>
+            </p:cNvPr>
+            <p:cNvGrpSpPr/>
+            <p:nvPr/>
+          </p:nvGrpSpPr>
+          <p:grpSpPr>
+            <a:xfrm>
+              <a:off x="1117470" y="833810"/>
+              <a:ext cx="598422" cy="931193"/>
+              <a:chOff x="755766" y="2571750"/>
+              <a:chExt cx="712054" cy="1108014"/>
+            </a:xfrm>
+          </p:grpSpPr>
+          <p:pic>
+            <p:nvPicPr>
+              <p:cNvPr id="51" name="그래픽 50" descr="사용자 단색으로 채워진">
+                <a:extLst>
+                  <a:ext uri="{FF2B5EF4-FFF2-40B4-BE49-F238E27FC236}">
+                    <a16:creationId xmlns:a16="http://schemas.microsoft.com/office/drawing/2014/main" id="{738B6D1C-F22E-C7E0-2513-198D4A5BA1E7}"/>
+                  </a:ext>
+                </a:extLst>
+              </p:cNvPr>
+              <p:cNvPicPr>
+                <a:picLocks noChangeAspect="1"/>
+              </p:cNvPicPr>
+              <p:nvPr/>
+            </p:nvPicPr>
+            <p:blipFill>
+              <a:blip r:embed="rId2">
+                <a:extLst>
+                  <a:ext uri="{96DAC541-7B7A-43D3-8B79-37D633B846F1}">
+                    <asvg:svgBlip xmlns:asvg="http://schemas.microsoft.com/office/drawing/2016/SVG/main" r:embed="rId3"/>
+                  </a:ext>
+                </a:extLst>
+              </a:blip>
+              <a:stretch>
+                <a:fillRect/>
+              </a:stretch>
+            </p:blipFill>
+            <p:spPr>
+              <a:xfrm>
+                <a:off x="780085" y="2841688"/>
+                <a:ext cx="663414" cy="663414"/>
+              </a:xfrm>
+              <a:prstGeom prst="rect">
+                <a:avLst/>
+              </a:prstGeom>
+            </p:spPr>
+          </p:pic>
+          <p:sp>
+            <p:nvSpPr>
+              <p:cNvPr id="52" name="Google Shape;80;p14">
+                <a:extLst>
+                  <a:ext uri="{FF2B5EF4-FFF2-40B4-BE49-F238E27FC236}">
+                    <a16:creationId xmlns:a16="http://schemas.microsoft.com/office/drawing/2014/main" id="{B2E2E323-3540-92D4-1BFE-89B280EADEBE}"/>
+                  </a:ext>
+                </a:extLst>
+              </p:cNvPr>
+              <p:cNvSpPr/>
+              <p:nvPr/>
+            </p:nvSpPr>
+            <p:spPr>
+              <a:xfrm>
+                <a:off x="943566" y="2571750"/>
+                <a:ext cx="336452" cy="329495"/>
+              </a:xfrm>
+              <a:prstGeom prst="ellipse">
+                <a:avLst/>
+              </a:prstGeom>
+              <a:solidFill>
+                <a:schemeClr val="bg1"/>
+              </a:solidFill>
+              <a:ln w="9525" cap="flat" cmpd="sng">
+                <a:noFill/>
+                <a:prstDash val="solid"/>
+                <a:round/>
+                <a:headEnd type="none" w="sm" len="sm"/>
+                <a:tailEnd type="none" w="sm" len="sm"/>
+              </a:ln>
+            </p:spPr>
+            <p:txBody>
+              <a:bodyPr spcFirstLastPara="1" wrap="square" lIns="91425" tIns="91425" rIns="91425" bIns="91425" anchor="ctr" anchorCtr="0">
+                <a:noAutofit/>
+              </a:bodyPr>
+              <a:lstStyle/>
+              <a:p>
+                <a:pPr marL="0" lvl="0" indent="0" algn="l" rtl="0">
+                  <a:spcBef>
+                    <a:spcPts val="0"/>
+                  </a:spcBef>
+                  <a:spcAft>
+                    <a:spcPts val="0"/>
+                  </a:spcAft>
+                  <a:buNone/>
+                </a:pPr>
+                <a:endParaRPr dirty="0">
+                  <a:latin typeface="Microsoft GothicNeo Light" panose="020B0300000101010101" pitchFamily="50" charset="-127"/>
+                  <a:ea typeface="Microsoft GothicNeo Light" panose="020B0300000101010101" pitchFamily="50" charset="-127"/>
+                  <a:cs typeface="Microsoft GothicNeo Light" panose="020B0300000101010101" pitchFamily="50" charset="-127"/>
+                </a:endParaRPr>
+              </a:p>
+            </p:txBody>
+          </p:sp>
+          <p:sp>
+            <p:nvSpPr>
+              <p:cNvPr id="53" name="TextBox 52">
+                <a:extLst>
+                  <a:ext uri="{FF2B5EF4-FFF2-40B4-BE49-F238E27FC236}">
+                    <a16:creationId xmlns:a16="http://schemas.microsoft.com/office/drawing/2014/main" id="{5E5629AD-2331-1EC6-1D99-431C42796120}"/>
+                  </a:ext>
+                </a:extLst>
+              </p:cNvPr>
+              <p:cNvSpPr txBox="1"/>
+              <p:nvPr/>
+            </p:nvSpPr>
+            <p:spPr>
+              <a:xfrm>
+                <a:off x="755766" y="3371987"/>
+                <a:ext cx="712054" cy="307777"/>
+              </a:xfrm>
+              <a:prstGeom prst="rect">
+                <a:avLst/>
+              </a:prstGeom>
+              <a:noFill/>
+            </p:spPr>
+            <p:txBody>
+              <a:bodyPr wrap="none" rtlCol="0">
+                <a:spAutoFit/>
+              </a:bodyPr>
+              <a:lstStyle/>
+              <a:p>
+                <a:pPr algn="ctr"/>
+                <a:r>
+                  <a:rPr lang="en-US" altLang="ko-KR" dirty="0">
+                    <a:latin typeface="Microsoft GothicNeo Light" panose="020B0300000101010101" pitchFamily="50" charset="-127"/>
+                    <a:ea typeface="Microsoft GothicNeo Light" panose="020B0300000101010101" pitchFamily="50" charset="-127"/>
+                    <a:cs typeface="Microsoft GothicNeo Light" panose="020B0300000101010101" pitchFamily="50" charset="-127"/>
+                  </a:rPr>
+                  <a:t>USER4</a:t>
+                </a:r>
+                <a:endParaRPr lang="ko-KR" altLang="en-US" dirty="0">
+                  <a:latin typeface="Microsoft GothicNeo Light" panose="020B0300000101010101" pitchFamily="50" charset="-127"/>
+                  <a:ea typeface="Microsoft GothicNeo Light" panose="020B0300000101010101" pitchFamily="50" charset="-127"/>
+                  <a:cs typeface="Microsoft GothicNeo Light" panose="020B0300000101010101" pitchFamily="50" charset="-127"/>
+                </a:endParaRPr>
+              </a:p>
+            </p:txBody>
+          </p:sp>
+        </p:grpSp>
+        <p:sp>
+          <p:nvSpPr>
+            <p:cNvPr id="54" name="원통형 53">
+              <a:extLst>
+                <a:ext uri="{FF2B5EF4-FFF2-40B4-BE49-F238E27FC236}">
+                  <a16:creationId xmlns:a16="http://schemas.microsoft.com/office/drawing/2014/main" id="{E20AC7ED-CC7E-758E-E6C9-743C2FD06B25}"/>
+                </a:ext>
+              </a:extLst>
+            </p:cNvPr>
+            <p:cNvSpPr/>
+            <p:nvPr/>
+          </p:nvSpPr>
+          <p:spPr>
+            <a:xfrm>
+              <a:off x="2405607" y="2408450"/>
+              <a:ext cx="427130" cy="666237"/>
+            </a:xfrm>
+            <a:prstGeom prst="can">
+              <a:avLst/>
+            </a:prstGeom>
+            <a:solidFill>
+              <a:srgbClr val="FF0000"/>
+            </a:solidFill>
+            <a:ln>
+              <a:solidFill>
+                <a:srgbClr val="C00000"/>
+              </a:solidFill>
+            </a:ln>
+          </p:spPr>
+          <p:style>
+            <a:lnRef idx="2">
+              <a:schemeClr val="accent1">
+                <a:shade val="50000"/>
+              </a:schemeClr>
+            </a:lnRef>
+            <a:fillRef idx="1">
+              <a:schemeClr val="accent1"/>
+            </a:fillRef>
+            <a:effectRef idx="0">
+              <a:schemeClr val="accent1"/>
+            </a:effectRef>
+            <a:fontRef idx="minor">
+              <a:schemeClr val="lt1"/>
+            </a:fontRef>
+          </p:style>
+          <p:txBody>
+            <a:bodyPr rtlCol="0" anchor="ctr"/>
+            <a:lstStyle/>
+            <a:p>
+              <a:pPr algn="ctr"/>
+              <a:endParaRPr lang="ko-KR" altLang="en-US"/>
             </a:p>
           </p:txBody>
         </p:sp>
         <p:sp>
           <p:nvSpPr>
-            <p:cNvPr id="28" name="TextBox 27">
+            <p:cNvPr id="55" name="원통형 54">
               <a:extLst>
                 <a:ext uri="{FF2B5EF4-FFF2-40B4-BE49-F238E27FC236}">
-                  <a16:creationId xmlns:a16="http://schemas.microsoft.com/office/drawing/2014/main" id="{3D549906-47AE-7F28-9D73-C9B4BFEF5E38}"/>
+                  <a16:creationId xmlns:a16="http://schemas.microsoft.com/office/drawing/2014/main" id="{52620C77-4572-A519-8060-6240AACDCCE3}"/>
+                </a:ext>
+              </a:extLst>
+            </p:cNvPr>
+            <p:cNvSpPr/>
+            <p:nvPr/>
+          </p:nvSpPr>
+          <p:spPr>
+            <a:xfrm>
+              <a:off x="2699718" y="770823"/>
+              <a:ext cx="427130" cy="666237"/>
+            </a:xfrm>
+            <a:prstGeom prst="can">
+              <a:avLst/>
+            </a:prstGeom>
+            <a:solidFill>
+              <a:srgbClr val="00B050"/>
+            </a:solidFill>
+            <a:ln>
+              <a:solidFill>
+                <a:srgbClr val="249052"/>
+              </a:solidFill>
+            </a:ln>
+          </p:spPr>
+          <p:style>
+            <a:lnRef idx="2">
+              <a:schemeClr val="accent1">
+                <a:shade val="50000"/>
+              </a:schemeClr>
+            </a:lnRef>
+            <a:fillRef idx="1">
+              <a:schemeClr val="accent1"/>
+            </a:fillRef>
+            <a:effectRef idx="0">
+              <a:schemeClr val="accent1"/>
+            </a:effectRef>
+            <a:fontRef idx="minor">
+              <a:schemeClr val="lt1"/>
+            </a:fontRef>
+          </p:style>
+          <p:txBody>
+            <a:bodyPr rtlCol="0" anchor="ctr"/>
+            <a:lstStyle/>
+            <a:p>
+              <a:pPr algn="ctr"/>
+              <a:endParaRPr lang="ko-KR" altLang="en-US"/>
+            </a:p>
+          </p:txBody>
+        </p:sp>
+        <p:sp>
+          <p:nvSpPr>
+            <p:cNvPr id="56" name="폭발: 8pt 55">
+              <a:extLst>
+                <a:ext uri="{FF2B5EF4-FFF2-40B4-BE49-F238E27FC236}">
+                  <a16:creationId xmlns:a16="http://schemas.microsoft.com/office/drawing/2014/main" id="{43D329EC-711D-32AC-7A08-ECBB1AE50A32}"/>
+                </a:ext>
+              </a:extLst>
+            </p:cNvPr>
+            <p:cNvSpPr/>
+            <p:nvPr/>
+          </p:nvSpPr>
+          <p:spPr>
+            <a:xfrm>
+              <a:off x="737963" y="2305089"/>
+              <a:ext cx="313975" cy="369048"/>
+            </a:xfrm>
+            <a:prstGeom prst="irregularSeal1">
+              <a:avLst/>
+            </a:prstGeom>
+            <a:solidFill>
+              <a:schemeClr val="accent4"/>
+            </a:solidFill>
+            <a:ln>
+              <a:noFill/>
+            </a:ln>
+          </p:spPr>
+          <p:style>
+            <a:lnRef idx="0">
+              <a:scrgbClr r="0" g="0" b="0"/>
+            </a:lnRef>
+            <a:fillRef idx="0">
+              <a:scrgbClr r="0" g="0" b="0"/>
+            </a:fillRef>
+            <a:effectRef idx="0">
+              <a:scrgbClr r="0" g="0" b="0"/>
+            </a:effectRef>
+            <a:fontRef idx="minor">
+              <a:schemeClr val="lt1"/>
+            </a:fontRef>
+          </p:style>
+          <p:txBody>
+            <a:bodyPr rtlCol="0" anchor="ctr"/>
+            <a:lstStyle/>
+            <a:p>
+              <a:pPr algn="ctr"/>
+              <a:r>
+                <a:rPr lang="en-US" altLang="ko-KR" b="1" dirty="0"/>
+                <a:t>1</a:t>
+              </a:r>
+              <a:endParaRPr lang="ko-KR" altLang="en-US" b="1" dirty="0"/>
+            </a:p>
+          </p:txBody>
+        </p:sp>
+        <p:sp>
+          <p:nvSpPr>
+            <p:cNvPr id="57" name="폭발: 8pt 56">
+              <a:extLst>
+                <a:ext uri="{FF2B5EF4-FFF2-40B4-BE49-F238E27FC236}">
+                  <a16:creationId xmlns:a16="http://schemas.microsoft.com/office/drawing/2014/main" id="{6ABB1D65-C6B6-297C-BFF0-15C9B85F2953}"/>
+                </a:ext>
+              </a:extLst>
+            </p:cNvPr>
+            <p:cNvSpPr/>
+            <p:nvPr/>
+          </p:nvSpPr>
+          <p:spPr>
+            <a:xfrm>
+              <a:off x="2321814" y="2794988"/>
+              <a:ext cx="313975" cy="369048"/>
+            </a:xfrm>
+            <a:prstGeom prst="irregularSeal1">
+              <a:avLst/>
+            </a:prstGeom>
+            <a:solidFill>
+              <a:schemeClr val="accent4"/>
+            </a:solidFill>
+            <a:ln>
+              <a:noFill/>
+            </a:ln>
+          </p:spPr>
+          <p:style>
+            <a:lnRef idx="0">
+              <a:scrgbClr r="0" g="0" b="0"/>
+            </a:lnRef>
+            <a:fillRef idx="0">
+              <a:scrgbClr r="0" g="0" b="0"/>
+            </a:fillRef>
+            <a:effectRef idx="0">
+              <a:scrgbClr r="0" g="0" b="0"/>
+            </a:effectRef>
+            <a:fontRef idx="minor">
+              <a:schemeClr val="lt1"/>
+            </a:fontRef>
+          </p:style>
+          <p:txBody>
+            <a:bodyPr rtlCol="0" anchor="ctr"/>
+            <a:lstStyle/>
+            <a:p>
+              <a:pPr algn="ctr"/>
+              <a:r>
+                <a:rPr lang="en-US" altLang="ko-KR" b="1" dirty="0"/>
+                <a:t>2</a:t>
+              </a:r>
+              <a:endParaRPr lang="ko-KR" altLang="en-US" b="1" dirty="0"/>
+            </a:p>
+          </p:txBody>
+        </p:sp>
+        <p:sp>
+          <p:nvSpPr>
+            <p:cNvPr id="58" name="폭발: 8pt 57">
+              <a:extLst>
+                <a:ext uri="{FF2B5EF4-FFF2-40B4-BE49-F238E27FC236}">
+                  <a16:creationId xmlns:a16="http://schemas.microsoft.com/office/drawing/2014/main" id="{ACA4973E-5B83-A28F-5EFB-5FCF0E51F2CA}"/>
+                </a:ext>
+              </a:extLst>
+            </p:cNvPr>
+            <p:cNvSpPr/>
+            <p:nvPr/>
+          </p:nvSpPr>
+          <p:spPr>
+            <a:xfrm>
+              <a:off x="2559432" y="970394"/>
+              <a:ext cx="313975" cy="369048"/>
+            </a:xfrm>
+            <a:prstGeom prst="irregularSeal1">
+              <a:avLst/>
+            </a:prstGeom>
+            <a:solidFill>
+              <a:schemeClr val="accent4"/>
+            </a:solidFill>
+            <a:ln>
+              <a:noFill/>
+            </a:ln>
+          </p:spPr>
+          <p:style>
+            <a:lnRef idx="0">
+              <a:scrgbClr r="0" g="0" b="0"/>
+            </a:lnRef>
+            <a:fillRef idx="0">
+              <a:scrgbClr r="0" g="0" b="0"/>
+            </a:fillRef>
+            <a:effectRef idx="0">
+              <a:scrgbClr r="0" g="0" b="0"/>
+            </a:effectRef>
+            <a:fontRef idx="minor">
+              <a:schemeClr val="lt1"/>
+            </a:fontRef>
+          </p:style>
+          <p:txBody>
+            <a:bodyPr rtlCol="0" anchor="ctr"/>
+            <a:lstStyle/>
+            <a:p>
+              <a:pPr algn="ctr"/>
+              <a:r>
+                <a:rPr lang="en-US" altLang="ko-KR" b="1" dirty="0"/>
+                <a:t>3</a:t>
+              </a:r>
+              <a:endParaRPr lang="ko-KR" altLang="en-US" b="1" dirty="0"/>
+            </a:p>
+          </p:txBody>
+        </p:sp>
+        <p:sp>
+          <p:nvSpPr>
+            <p:cNvPr id="59" name="폭발: 8pt 58">
+              <a:extLst>
+                <a:ext uri="{FF2B5EF4-FFF2-40B4-BE49-F238E27FC236}">
+                  <a16:creationId xmlns:a16="http://schemas.microsoft.com/office/drawing/2014/main" id="{7FEB803F-F580-A07E-3ACF-AE0D262561C5}"/>
+                </a:ext>
+              </a:extLst>
+            </p:cNvPr>
+            <p:cNvSpPr/>
+            <p:nvPr/>
+          </p:nvSpPr>
+          <p:spPr>
+            <a:xfrm>
+              <a:off x="1601788" y="1347634"/>
+              <a:ext cx="313975" cy="369048"/>
+            </a:xfrm>
+            <a:prstGeom prst="irregularSeal1">
+              <a:avLst/>
+            </a:prstGeom>
+            <a:solidFill>
+              <a:schemeClr val="accent4"/>
+            </a:solidFill>
+            <a:ln>
+              <a:noFill/>
+            </a:ln>
+          </p:spPr>
+          <p:style>
+            <a:lnRef idx="0">
+              <a:scrgbClr r="0" g="0" b="0"/>
+            </a:lnRef>
+            <a:fillRef idx="0">
+              <a:scrgbClr r="0" g="0" b="0"/>
+            </a:fillRef>
+            <a:effectRef idx="0">
+              <a:scrgbClr r="0" g="0" b="0"/>
+            </a:effectRef>
+            <a:fontRef idx="minor">
+              <a:schemeClr val="lt1"/>
+            </a:fontRef>
+          </p:style>
+          <p:txBody>
+            <a:bodyPr rtlCol="0" anchor="ctr"/>
+            <a:lstStyle/>
+            <a:p>
+              <a:pPr algn="ctr"/>
+              <a:r>
+                <a:rPr lang="en-US" altLang="ko-KR" b="1" dirty="0"/>
+                <a:t>4</a:t>
+              </a:r>
+              <a:endParaRPr lang="ko-KR" altLang="en-US" b="1" dirty="0"/>
+            </a:p>
+          </p:txBody>
+        </p:sp>
+        <p:grpSp>
+          <p:nvGrpSpPr>
+            <p:cNvPr id="60" name="그룹 59">
+              <a:extLst>
+                <a:ext uri="{FF2B5EF4-FFF2-40B4-BE49-F238E27FC236}">
+                  <a16:creationId xmlns:a16="http://schemas.microsoft.com/office/drawing/2014/main" id="{E8ED3ADE-ADD5-255D-DF58-6E02CF889EB6}"/>
+                </a:ext>
+              </a:extLst>
+            </p:cNvPr>
+            <p:cNvGrpSpPr/>
+            <p:nvPr/>
+          </p:nvGrpSpPr>
+          <p:grpSpPr>
+            <a:xfrm>
+              <a:off x="191619" y="3708776"/>
+              <a:ext cx="694421" cy="1108014"/>
+              <a:chOff x="764582" y="2571750"/>
+              <a:chExt cx="694421" cy="1108014"/>
+            </a:xfrm>
+          </p:grpSpPr>
+          <p:pic>
+            <p:nvPicPr>
+              <p:cNvPr id="61" name="그래픽 60" descr="사용자 단색으로 채워진">
+                <a:extLst>
+                  <a:ext uri="{FF2B5EF4-FFF2-40B4-BE49-F238E27FC236}">
+                    <a16:creationId xmlns:a16="http://schemas.microsoft.com/office/drawing/2014/main" id="{8C7237E3-6C09-9731-BF2A-07C3AAECB960}"/>
+                  </a:ext>
+                </a:extLst>
+              </p:cNvPr>
+              <p:cNvPicPr>
+                <a:picLocks noChangeAspect="1"/>
+              </p:cNvPicPr>
+              <p:nvPr/>
+            </p:nvPicPr>
+            <p:blipFill>
+              <a:blip r:embed="rId2">
+                <a:extLst>
+                  <a:ext uri="{96DAC541-7B7A-43D3-8B79-37D633B846F1}">
+                    <asvg:svgBlip xmlns:asvg="http://schemas.microsoft.com/office/drawing/2016/SVG/main" r:embed="rId3"/>
+                  </a:ext>
+                </a:extLst>
+              </a:blip>
+              <a:stretch>
+                <a:fillRect/>
+              </a:stretch>
+            </p:blipFill>
+            <p:spPr>
+              <a:xfrm>
+                <a:off x="780085" y="2841688"/>
+                <a:ext cx="663414" cy="663414"/>
+              </a:xfrm>
+              <a:prstGeom prst="rect">
+                <a:avLst/>
+              </a:prstGeom>
+            </p:spPr>
+          </p:pic>
+          <p:sp>
+            <p:nvSpPr>
+              <p:cNvPr id="62" name="Google Shape;80;p14">
+                <a:extLst>
+                  <a:ext uri="{FF2B5EF4-FFF2-40B4-BE49-F238E27FC236}">
+                    <a16:creationId xmlns:a16="http://schemas.microsoft.com/office/drawing/2014/main" id="{4AB79468-BDDC-D28D-97EF-B3D7207193E8}"/>
+                  </a:ext>
+                </a:extLst>
+              </p:cNvPr>
+              <p:cNvSpPr/>
+              <p:nvPr/>
+            </p:nvSpPr>
+            <p:spPr>
+              <a:xfrm>
+                <a:off x="943566" y="2571750"/>
+                <a:ext cx="336452" cy="329495"/>
+              </a:xfrm>
+              <a:prstGeom prst="ellipse">
+                <a:avLst/>
+              </a:prstGeom>
+              <a:solidFill>
+                <a:schemeClr val="accent1"/>
+              </a:solidFill>
+              <a:ln w="9525" cap="flat" cmpd="sng">
+                <a:noFill/>
+                <a:prstDash val="solid"/>
+                <a:round/>
+                <a:headEnd type="none" w="sm" len="sm"/>
+                <a:tailEnd type="none" w="sm" len="sm"/>
+              </a:ln>
+            </p:spPr>
+            <p:txBody>
+              <a:bodyPr spcFirstLastPara="1" wrap="square" lIns="91425" tIns="91425" rIns="91425" bIns="91425" anchor="ctr" anchorCtr="0">
+                <a:noAutofit/>
+              </a:bodyPr>
+              <a:lstStyle/>
+              <a:p>
+                <a:pPr marL="0" lvl="0" indent="0" algn="l" rtl="0">
+                  <a:spcBef>
+                    <a:spcPts val="0"/>
+                  </a:spcBef>
+                  <a:spcAft>
+                    <a:spcPts val="0"/>
+                  </a:spcAft>
+                  <a:buNone/>
+                </a:pPr>
+                <a:endParaRPr dirty="0">
+                  <a:latin typeface="Microsoft GothicNeo Light" panose="020B0300000101010101" pitchFamily="50" charset="-127"/>
+                  <a:ea typeface="Microsoft GothicNeo Light" panose="020B0300000101010101" pitchFamily="50" charset="-127"/>
+                  <a:cs typeface="Microsoft GothicNeo Light" panose="020B0300000101010101" pitchFamily="50" charset="-127"/>
+                </a:endParaRPr>
+              </a:p>
+            </p:txBody>
+          </p:sp>
+          <p:sp>
+            <p:nvSpPr>
+              <p:cNvPr id="63" name="TextBox 62">
+                <a:extLst>
+                  <a:ext uri="{FF2B5EF4-FFF2-40B4-BE49-F238E27FC236}">
+                    <a16:creationId xmlns:a16="http://schemas.microsoft.com/office/drawing/2014/main" id="{FDFB2937-A7B0-5ADB-3320-2D97CF1002A8}"/>
+                  </a:ext>
+                </a:extLst>
+              </p:cNvPr>
+              <p:cNvSpPr txBox="1"/>
+              <p:nvPr/>
+            </p:nvSpPr>
+            <p:spPr>
+              <a:xfrm>
+                <a:off x="764582" y="3371987"/>
+                <a:ext cx="694421" cy="307777"/>
+              </a:xfrm>
+              <a:prstGeom prst="rect">
+                <a:avLst/>
+              </a:prstGeom>
+              <a:noFill/>
+            </p:spPr>
+            <p:txBody>
+              <a:bodyPr wrap="none" rtlCol="0">
+                <a:spAutoFit/>
+              </a:bodyPr>
+              <a:lstStyle/>
+              <a:p>
+                <a:pPr algn="ctr"/>
+                <a:r>
+                  <a:rPr lang="en-US" altLang="ko-KR" dirty="0">
+                    <a:latin typeface="Microsoft GothicNeo Light" panose="020B0300000101010101" pitchFamily="50" charset="-127"/>
+                    <a:ea typeface="Microsoft GothicNeo Light" panose="020B0300000101010101" pitchFamily="50" charset="-127"/>
+                    <a:cs typeface="Microsoft GothicNeo Light" panose="020B0300000101010101" pitchFamily="50" charset="-127"/>
+                  </a:rPr>
+                  <a:t>USER1</a:t>
+                </a:r>
+                <a:endParaRPr lang="ko-KR" altLang="en-US" dirty="0">
+                  <a:latin typeface="Microsoft GothicNeo Light" panose="020B0300000101010101" pitchFamily="50" charset="-127"/>
+                  <a:ea typeface="Microsoft GothicNeo Light" panose="020B0300000101010101" pitchFamily="50" charset="-127"/>
+                  <a:cs typeface="Microsoft GothicNeo Light" panose="020B0300000101010101" pitchFamily="50" charset="-127"/>
+                </a:endParaRPr>
+              </a:p>
+            </p:txBody>
+          </p:sp>
+        </p:grpSp>
+        <p:grpSp>
+          <p:nvGrpSpPr>
+            <p:cNvPr id="64" name="그룹 63">
+              <a:extLst>
+                <a:ext uri="{FF2B5EF4-FFF2-40B4-BE49-F238E27FC236}">
+                  <a16:creationId xmlns:a16="http://schemas.microsoft.com/office/drawing/2014/main" id="{7237EB31-4390-D863-C4CF-A8851240F99F}"/>
+                </a:ext>
+              </a:extLst>
+            </p:cNvPr>
+            <p:cNvGrpSpPr/>
+            <p:nvPr/>
+          </p:nvGrpSpPr>
+          <p:grpSpPr>
+            <a:xfrm>
+              <a:off x="960281" y="3708776"/>
+              <a:ext cx="707245" cy="1108014"/>
+              <a:chOff x="758170" y="2571750"/>
+              <a:chExt cx="707245" cy="1108014"/>
+            </a:xfrm>
+          </p:grpSpPr>
+          <p:pic>
+            <p:nvPicPr>
+              <p:cNvPr id="65" name="그래픽 64" descr="사용자 단색으로 채워진">
+                <a:extLst>
+                  <a:ext uri="{FF2B5EF4-FFF2-40B4-BE49-F238E27FC236}">
+                    <a16:creationId xmlns:a16="http://schemas.microsoft.com/office/drawing/2014/main" id="{1945F3D9-6111-374D-A16C-020B338FB316}"/>
+                  </a:ext>
+                </a:extLst>
+              </p:cNvPr>
+              <p:cNvPicPr>
+                <a:picLocks noChangeAspect="1"/>
+              </p:cNvPicPr>
+              <p:nvPr/>
+            </p:nvPicPr>
+            <p:blipFill>
+              <a:blip r:embed="rId2">
+                <a:extLst>
+                  <a:ext uri="{96DAC541-7B7A-43D3-8B79-37D633B846F1}">
+                    <asvg:svgBlip xmlns:asvg="http://schemas.microsoft.com/office/drawing/2016/SVG/main" r:embed="rId3"/>
+                  </a:ext>
+                </a:extLst>
+              </a:blip>
+              <a:stretch>
+                <a:fillRect/>
+              </a:stretch>
+            </p:blipFill>
+            <p:spPr>
+              <a:xfrm>
+                <a:off x="780085" y="2841688"/>
+                <a:ext cx="663414" cy="663414"/>
+              </a:xfrm>
+              <a:prstGeom prst="rect">
+                <a:avLst/>
+              </a:prstGeom>
+            </p:spPr>
+          </p:pic>
+          <p:sp>
+            <p:nvSpPr>
+              <p:cNvPr id="66" name="Google Shape;80;p14">
+                <a:extLst>
+                  <a:ext uri="{FF2B5EF4-FFF2-40B4-BE49-F238E27FC236}">
+                    <a16:creationId xmlns:a16="http://schemas.microsoft.com/office/drawing/2014/main" id="{35CBFF23-2021-4A27-20C6-3DC075B08B38}"/>
+                  </a:ext>
+                </a:extLst>
+              </p:cNvPr>
+              <p:cNvSpPr/>
+              <p:nvPr/>
+            </p:nvSpPr>
+            <p:spPr>
+              <a:xfrm>
+                <a:off x="943566" y="2571750"/>
+                <a:ext cx="336452" cy="329495"/>
+              </a:xfrm>
+              <a:prstGeom prst="ellipse">
+                <a:avLst/>
+              </a:prstGeom>
+              <a:solidFill>
+                <a:srgbClr val="FF0000"/>
+              </a:solidFill>
+              <a:ln w="9525" cap="flat" cmpd="sng">
+                <a:noFill/>
+                <a:prstDash val="solid"/>
+                <a:round/>
+                <a:headEnd type="none" w="sm" len="sm"/>
+                <a:tailEnd type="none" w="sm" len="sm"/>
+              </a:ln>
+            </p:spPr>
+            <p:txBody>
+              <a:bodyPr spcFirstLastPara="1" wrap="square" lIns="91425" tIns="91425" rIns="91425" bIns="91425" anchor="ctr" anchorCtr="0">
+                <a:noAutofit/>
+              </a:bodyPr>
+              <a:lstStyle/>
+              <a:p>
+                <a:pPr marL="0" lvl="0" indent="0" algn="l" rtl="0">
+                  <a:spcBef>
+                    <a:spcPts val="0"/>
+                  </a:spcBef>
+                  <a:spcAft>
+                    <a:spcPts val="0"/>
+                  </a:spcAft>
+                  <a:buNone/>
+                </a:pPr>
+                <a:endParaRPr dirty="0">
+                  <a:latin typeface="Microsoft GothicNeo Light" panose="020B0300000101010101" pitchFamily="50" charset="-127"/>
+                  <a:ea typeface="Microsoft GothicNeo Light" panose="020B0300000101010101" pitchFamily="50" charset="-127"/>
+                  <a:cs typeface="Microsoft GothicNeo Light" panose="020B0300000101010101" pitchFamily="50" charset="-127"/>
+                </a:endParaRPr>
+              </a:p>
+            </p:txBody>
+          </p:sp>
+          <p:sp>
+            <p:nvSpPr>
+              <p:cNvPr id="67" name="TextBox 66">
+                <a:extLst>
+                  <a:ext uri="{FF2B5EF4-FFF2-40B4-BE49-F238E27FC236}">
+                    <a16:creationId xmlns:a16="http://schemas.microsoft.com/office/drawing/2014/main" id="{20527942-D62D-AAAE-1518-6D87B74E788F}"/>
+                  </a:ext>
+                </a:extLst>
+              </p:cNvPr>
+              <p:cNvSpPr txBox="1"/>
+              <p:nvPr/>
+            </p:nvSpPr>
+            <p:spPr>
+              <a:xfrm>
+                <a:off x="758170" y="3371987"/>
+                <a:ext cx="707245" cy="307777"/>
+              </a:xfrm>
+              <a:prstGeom prst="rect">
+                <a:avLst/>
+              </a:prstGeom>
+              <a:noFill/>
+            </p:spPr>
+            <p:txBody>
+              <a:bodyPr wrap="none" rtlCol="0">
+                <a:spAutoFit/>
+              </a:bodyPr>
+              <a:lstStyle/>
+              <a:p>
+                <a:pPr algn="ctr"/>
+                <a:r>
+                  <a:rPr lang="en-US" altLang="ko-KR" dirty="0">
+                    <a:latin typeface="Microsoft GothicNeo Light" panose="020B0300000101010101" pitchFamily="50" charset="-127"/>
+                    <a:ea typeface="Microsoft GothicNeo Light" panose="020B0300000101010101" pitchFamily="50" charset="-127"/>
+                    <a:cs typeface="Microsoft GothicNeo Light" panose="020B0300000101010101" pitchFamily="50" charset="-127"/>
+                  </a:rPr>
+                  <a:t>USER2</a:t>
+                </a:r>
+              </a:p>
+            </p:txBody>
+          </p:sp>
+        </p:grpSp>
+        <p:grpSp>
+          <p:nvGrpSpPr>
+            <p:cNvPr id="68" name="그룹 67">
+              <a:extLst>
+                <a:ext uri="{FF2B5EF4-FFF2-40B4-BE49-F238E27FC236}">
+                  <a16:creationId xmlns:a16="http://schemas.microsoft.com/office/drawing/2014/main" id="{5F11DA92-DA59-115A-6DA6-9A982029A120}"/>
+                </a:ext>
+              </a:extLst>
+            </p:cNvPr>
+            <p:cNvGrpSpPr/>
+            <p:nvPr/>
+          </p:nvGrpSpPr>
+          <p:grpSpPr>
+            <a:xfrm>
+              <a:off x="1741767" y="3708776"/>
+              <a:ext cx="707245" cy="1108014"/>
+              <a:chOff x="758170" y="2571750"/>
+              <a:chExt cx="707245" cy="1108014"/>
+            </a:xfrm>
+          </p:grpSpPr>
+          <p:pic>
+            <p:nvPicPr>
+              <p:cNvPr id="69" name="그래픽 68" descr="사용자 단색으로 채워진">
+                <a:extLst>
+                  <a:ext uri="{FF2B5EF4-FFF2-40B4-BE49-F238E27FC236}">
+                    <a16:creationId xmlns:a16="http://schemas.microsoft.com/office/drawing/2014/main" id="{2A13DBC7-AE0A-5B2A-7B97-87DEF27AB477}"/>
+                  </a:ext>
+                </a:extLst>
+              </p:cNvPr>
+              <p:cNvPicPr>
+                <a:picLocks noChangeAspect="1"/>
+              </p:cNvPicPr>
+              <p:nvPr/>
+            </p:nvPicPr>
+            <p:blipFill>
+              <a:blip r:embed="rId2">
+                <a:extLst>
+                  <a:ext uri="{96DAC541-7B7A-43D3-8B79-37D633B846F1}">
+                    <asvg:svgBlip xmlns:asvg="http://schemas.microsoft.com/office/drawing/2016/SVG/main" r:embed="rId3"/>
+                  </a:ext>
+                </a:extLst>
+              </a:blip>
+              <a:stretch>
+                <a:fillRect/>
+              </a:stretch>
+            </p:blipFill>
+            <p:spPr>
+              <a:xfrm>
+                <a:off x="780085" y="2841688"/>
+                <a:ext cx="663414" cy="663414"/>
+              </a:xfrm>
+              <a:prstGeom prst="rect">
+                <a:avLst/>
+              </a:prstGeom>
+            </p:spPr>
+          </p:pic>
+          <p:sp>
+            <p:nvSpPr>
+              <p:cNvPr id="70" name="Google Shape;80;p14">
+                <a:extLst>
+                  <a:ext uri="{FF2B5EF4-FFF2-40B4-BE49-F238E27FC236}">
+                    <a16:creationId xmlns:a16="http://schemas.microsoft.com/office/drawing/2014/main" id="{65CAAB17-1E7B-6F4D-82AA-B6F4E4FC3F66}"/>
+                  </a:ext>
+                </a:extLst>
+              </p:cNvPr>
+              <p:cNvSpPr/>
+              <p:nvPr/>
+            </p:nvSpPr>
+            <p:spPr>
+              <a:xfrm>
+                <a:off x="943566" y="2571750"/>
+                <a:ext cx="336452" cy="329495"/>
+              </a:xfrm>
+              <a:prstGeom prst="ellipse">
+                <a:avLst/>
+              </a:prstGeom>
+              <a:solidFill>
+                <a:srgbClr val="00B050"/>
+              </a:solidFill>
+              <a:ln w="9525" cap="flat" cmpd="sng">
+                <a:noFill/>
+                <a:prstDash val="solid"/>
+                <a:round/>
+                <a:headEnd type="none" w="sm" len="sm"/>
+                <a:tailEnd type="none" w="sm" len="sm"/>
+              </a:ln>
+            </p:spPr>
+            <p:txBody>
+              <a:bodyPr spcFirstLastPara="1" wrap="square" lIns="91425" tIns="91425" rIns="91425" bIns="91425" anchor="ctr" anchorCtr="0">
+                <a:noAutofit/>
+              </a:bodyPr>
+              <a:lstStyle/>
+              <a:p>
+                <a:pPr marL="0" lvl="0" indent="0" algn="l" rtl="0">
+                  <a:spcBef>
+                    <a:spcPts val="0"/>
+                  </a:spcBef>
+                  <a:spcAft>
+                    <a:spcPts val="0"/>
+                  </a:spcAft>
+                  <a:buNone/>
+                </a:pPr>
+                <a:endParaRPr dirty="0">
+                  <a:latin typeface="Microsoft GothicNeo Light" panose="020B0300000101010101" pitchFamily="50" charset="-127"/>
+                  <a:ea typeface="Microsoft GothicNeo Light" panose="020B0300000101010101" pitchFamily="50" charset="-127"/>
+                  <a:cs typeface="Microsoft GothicNeo Light" panose="020B0300000101010101" pitchFamily="50" charset="-127"/>
+                </a:endParaRPr>
+              </a:p>
+            </p:txBody>
+          </p:sp>
+          <p:sp>
+            <p:nvSpPr>
+              <p:cNvPr id="71" name="TextBox 70">
+                <a:extLst>
+                  <a:ext uri="{FF2B5EF4-FFF2-40B4-BE49-F238E27FC236}">
+                    <a16:creationId xmlns:a16="http://schemas.microsoft.com/office/drawing/2014/main" id="{337527EE-3996-5168-9DD3-05F7D14B888B}"/>
+                  </a:ext>
+                </a:extLst>
+              </p:cNvPr>
+              <p:cNvSpPr txBox="1"/>
+              <p:nvPr/>
+            </p:nvSpPr>
+            <p:spPr>
+              <a:xfrm>
+                <a:off x="758170" y="3371987"/>
+                <a:ext cx="707245" cy="307777"/>
+              </a:xfrm>
+              <a:prstGeom prst="rect">
+                <a:avLst/>
+              </a:prstGeom>
+              <a:noFill/>
+            </p:spPr>
+            <p:txBody>
+              <a:bodyPr wrap="none" rtlCol="0">
+                <a:spAutoFit/>
+              </a:bodyPr>
+              <a:lstStyle/>
+              <a:p>
+                <a:pPr algn="ctr"/>
+                <a:r>
+                  <a:rPr lang="en-US" altLang="ko-KR" dirty="0">
+                    <a:latin typeface="Microsoft GothicNeo Light" panose="020B0300000101010101" pitchFamily="50" charset="-127"/>
+                    <a:ea typeface="Microsoft GothicNeo Light" panose="020B0300000101010101" pitchFamily="50" charset="-127"/>
+                    <a:cs typeface="Microsoft GothicNeo Light" panose="020B0300000101010101" pitchFamily="50" charset="-127"/>
+                  </a:rPr>
+                  <a:t>USER3</a:t>
+                </a:r>
+                <a:endParaRPr lang="ko-KR" altLang="en-US" dirty="0">
+                  <a:latin typeface="Microsoft GothicNeo Light" panose="020B0300000101010101" pitchFamily="50" charset="-127"/>
+                  <a:ea typeface="Microsoft GothicNeo Light" panose="020B0300000101010101" pitchFamily="50" charset="-127"/>
+                  <a:cs typeface="Microsoft GothicNeo Light" panose="020B0300000101010101" pitchFamily="50" charset="-127"/>
+                </a:endParaRPr>
+              </a:p>
+            </p:txBody>
+          </p:sp>
+        </p:grpSp>
+        <p:grpSp>
+          <p:nvGrpSpPr>
+            <p:cNvPr id="72" name="그룹 71">
+              <a:extLst>
+                <a:ext uri="{FF2B5EF4-FFF2-40B4-BE49-F238E27FC236}">
+                  <a16:creationId xmlns:a16="http://schemas.microsoft.com/office/drawing/2014/main" id="{3E16398E-779F-1C2F-EFA3-31674B551C8D}"/>
+                </a:ext>
+              </a:extLst>
+            </p:cNvPr>
+            <p:cNvGrpSpPr/>
+            <p:nvPr/>
+          </p:nvGrpSpPr>
+          <p:grpSpPr>
+            <a:xfrm>
+              <a:off x="2523254" y="3708776"/>
+              <a:ext cx="712054" cy="1108014"/>
+              <a:chOff x="755766" y="2571750"/>
+              <a:chExt cx="712054" cy="1108014"/>
+            </a:xfrm>
+          </p:grpSpPr>
+          <p:pic>
+            <p:nvPicPr>
+              <p:cNvPr id="73" name="그래픽 72" descr="사용자 단색으로 채워진">
+                <a:extLst>
+                  <a:ext uri="{FF2B5EF4-FFF2-40B4-BE49-F238E27FC236}">
+                    <a16:creationId xmlns:a16="http://schemas.microsoft.com/office/drawing/2014/main" id="{08890667-74B7-9F5B-0D95-D94705ADDCB8}"/>
+                  </a:ext>
+                </a:extLst>
+              </p:cNvPr>
+              <p:cNvPicPr>
+                <a:picLocks noChangeAspect="1"/>
+              </p:cNvPicPr>
+              <p:nvPr/>
+            </p:nvPicPr>
+            <p:blipFill>
+              <a:blip r:embed="rId2">
+                <a:extLst>
+                  <a:ext uri="{96DAC541-7B7A-43D3-8B79-37D633B846F1}">
+                    <asvg:svgBlip xmlns:asvg="http://schemas.microsoft.com/office/drawing/2016/SVG/main" r:embed="rId3"/>
+                  </a:ext>
+                </a:extLst>
+              </a:blip>
+              <a:stretch>
+                <a:fillRect/>
+              </a:stretch>
+            </p:blipFill>
+            <p:spPr>
+              <a:xfrm>
+                <a:off x="780085" y="2841688"/>
+                <a:ext cx="663414" cy="663414"/>
+              </a:xfrm>
+              <a:prstGeom prst="rect">
+                <a:avLst/>
+              </a:prstGeom>
+            </p:spPr>
+          </p:pic>
+          <p:sp>
+            <p:nvSpPr>
+              <p:cNvPr id="74" name="Google Shape;80;p14">
+                <a:extLst>
+                  <a:ext uri="{FF2B5EF4-FFF2-40B4-BE49-F238E27FC236}">
+                    <a16:creationId xmlns:a16="http://schemas.microsoft.com/office/drawing/2014/main" id="{D7282794-C66A-5FD2-2DB7-67DE9E74BBDE}"/>
+                  </a:ext>
+                </a:extLst>
+              </p:cNvPr>
+              <p:cNvSpPr/>
+              <p:nvPr/>
+            </p:nvSpPr>
+            <p:spPr>
+              <a:xfrm>
+                <a:off x="943566" y="2571750"/>
+                <a:ext cx="336452" cy="329495"/>
+              </a:xfrm>
+              <a:prstGeom prst="ellipse">
+                <a:avLst/>
+              </a:prstGeom>
+              <a:solidFill>
+                <a:schemeClr val="bg1"/>
+              </a:solidFill>
+              <a:ln w="9525" cap="flat" cmpd="sng">
+                <a:noFill/>
+                <a:prstDash val="solid"/>
+                <a:round/>
+                <a:headEnd type="none" w="sm" len="sm"/>
+                <a:tailEnd type="none" w="sm" len="sm"/>
+              </a:ln>
+            </p:spPr>
+            <p:txBody>
+              <a:bodyPr spcFirstLastPara="1" wrap="square" lIns="91425" tIns="91425" rIns="91425" bIns="91425" anchor="ctr" anchorCtr="0">
+                <a:noAutofit/>
+              </a:bodyPr>
+              <a:lstStyle/>
+              <a:p>
+                <a:pPr marL="0" lvl="0" indent="0" algn="l" rtl="0">
+                  <a:spcBef>
+                    <a:spcPts val="0"/>
+                  </a:spcBef>
+                  <a:spcAft>
+                    <a:spcPts val="0"/>
+                  </a:spcAft>
+                  <a:buNone/>
+                </a:pPr>
+                <a:endParaRPr dirty="0">
+                  <a:latin typeface="Microsoft GothicNeo Light" panose="020B0300000101010101" pitchFamily="50" charset="-127"/>
+                  <a:ea typeface="Microsoft GothicNeo Light" panose="020B0300000101010101" pitchFamily="50" charset="-127"/>
+                  <a:cs typeface="Microsoft GothicNeo Light" panose="020B0300000101010101" pitchFamily="50" charset="-127"/>
+                </a:endParaRPr>
+              </a:p>
+            </p:txBody>
+          </p:sp>
+          <p:sp>
+            <p:nvSpPr>
+              <p:cNvPr id="75" name="TextBox 74">
+                <a:extLst>
+                  <a:ext uri="{FF2B5EF4-FFF2-40B4-BE49-F238E27FC236}">
+                    <a16:creationId xmlns:a16="http://schemas.microsoft.com/office/drawing/2014/main" id="{046E7ED9-D910-0AA0-E50C-00E7E0B6666E}"/>
+                  </a:ext>
+                </a:extLst>
+              </p:cNvPr>
+              <p:cNvSpPr txBox="1"/>
+              <p:nvPr/>
+            </p:nvSpPr>
+            <p:spPr>
+              <a:xfrm>
+                <a:off x="755766" y="3371987"/>
+                <a:ext cx="712054" cy="307777"/>
+              </a:xfrm>
+              <a:prstGeom prst="rect">
+                <a:avLst/>
+              </a:prstGeom>
+              <a:noFill/>
+            </p:spPr>
+            <p:txBody>
+              <a:bodyPr wrap="none" rtlCol="0">
+                <a:spAutoFit/>
+              </a:bodyPr>
+              <a:lstStyle/>
+              <a:p>
+                <a:pPr algn="ctr"/>
+                <a:r>
+                  <a:rPr lang="en-US" altLang="ko-KR" dirty="0">
+                    <a:latin typeface="Microsoft GothicNeo Light" panose="020B0300000101010101" pitchFamily="50" charset="-127"/>
+                    <a:ea typeface="Microsoft GothicNeo Light" panose="020B0300000101010101" pitchFamily="50" charset="-127"/>
+                    <a:cs typeface="Microsoft GothicNeo Light" panose="020B0300000101010101" pitchFamily="50" charset="-127"/>
+                  </a:rPr>
+                  <a:t>USER4</a:t>
+                </a:r>
+                <a:endParaRPr lang="ko-KR" altLang="en-US" dirty="0">
+                  <a:latin typeface="Microsoft GothicNeo Light" panose="020B0300000101010101" pitchFamily="50" charset="-127"/>
+                  <a:ea typeface="Microsoft GothicNeo Light" panose="020B0300000101010101" pitchFamily="50" charset="-127"/>
+                  <a:cs typeface="Microsoft GothicNeo Light" panose="020B0300000101010101" pitchFamily="50" charset="-127"/>
+                </a:endParaRPr>
+              </a:p>
+            </p:txBody>
+          </p:sp>
+        </p:grpSp>
+        <p:sp>
+          <p:nvSpPr>
+            <p:cNvPr id="78" name="TextBox 77">
+              <a:extLst>
+                <a:ext uri="{FF2B5EF4-FFF2-40B4-BE49-F238E27FC236}">
+                  <a16:creationId xmlns:a16="http://schemas.microsoft.com/office/drawing/2014/main" id="{7A85E026-F9A7-6410-040A-0427722C6CDB}"/>
                 </a:ext>
               </a:extLst>
             </p:cNvPr>
@@ -8090,8 +9581,8 @@
           </p:nvSpPr>
           <p:spPr>
             <a:xfrm>
-              <a:off x="764582" y="3371987"/>
-              <a:ext cx="694421" cy="307777"/>
+              <a:off x="95640" y="3304577"/>
+              <a:ext cx="2065130" cy="307777"/>
             </a:xfrm>
             <a:prstGeom prst="rect">
               <a:avLst/>
@@ -8099,1490 +9590,39 @@
             <a:noFill/>
           </p:spPr>
           <p:txBody>
-            <a:bodyPr wrap="none" rtlCol="0">
+            <a:bodyPr wrap="square">
               <a:spAutoFit/>
             </a:bodyPr>
             <a:lstStyle/>
             <a:p>
-              <a:pPr algn="ctr"/>
-              <a:r>
-                <a:rPr lang="en-US" altLang="ko-KR" dirty="0">
-                  <a:latin typeface="Microsoft GothicNeo Light" panose="020B0300000101010101" pitchFamily="50" charset="-127"/>
-                  <a:ea typeface="Microsoft GothicNeo Light" panose="020B0300000101010101" pitchFamily="50" charset="-127"/>
-                  <a:cs typeface="Microsoft GothicNeo Light" panose="020B0300000101010101" pitchFamily="50" charset="-127"/>
-                </a:rPr>
-                <a:t>USER1</a:t>
-              </a:r>
-              <a:endParaRPr lang="ko-KR" altLang="en-US" dirty="0">
-                <a:latin typeface="Microsoft GothicNeo Light" panose="020B0300000101010101" pitchFamily="50" charset="-127"/>
-                <a:ea typeface="Microsoft GothicNeo Light" panose="020B0300000101010101" pitchFamily="50" charset="-127"/>
-                <a:cs typeface="Microsoft GothicNeo Light" panose="020B0300000101010101" pitchFamily="50" charset="-127"/>
-              </a:endParaRPr>
-            </a:p>
-          </p:txBody>
-        </p:sp>
-      </p:grpSp>
-      <p:grpSp>
-        <p:nvGrpSpPr>
-          <p:cNvPr id="42" name="그룹 41">
-            <a:extLst>
-              <a:ext uri="{FF2B5EF4-FFF2-40B4-BE49-F238E27FC236}">
-                <a16:creationId xmlns:a16="http://schemas.microsoft.com/office/drawing/2014/main" id="{DE150F89-3882-3999-0A97-62C0E6C29A9F}"/>
-              </a:ext>
-            </a:extLst>
-          </p:cNvPr>
-          <p:cNvGrpSpPr/>
-          <p:nvPr/>
-        </p:nvGrpSpPr>
-        <p:grpSpPr>
-          <a:xfrm>
-            <a:off x="1908745" y="2447202"/>
-            <a:ext cx="594380" cy="931193"/>
-            <a:chOff x="758170" y="2571750"/>
-            <a:chExt cx="707245" cy="1108014"/>
-          </a:xfrm>
-        </p:grpSpPr>
-        <p:pic>
-          <p:nvPicPr>
-            <p:cNvPr id="43" name="그래픽 42" descr="사용자 단색으로 채워진">
-              <a:extLst>
-                <a:ext uri="{FF2B5EF4-FFF2-40B4-BE49-F238E27FC236}">
-                  <a16:creationId xmlns:a16="http://schemas.microsoft.com/office/drawing/2014/main" id="{358D68AD-A581-C202-76F7-9E3C6E1635CD}"/>
-                </a:ext>
-              </a:extLst>
-            </p:cNvPr>
-            <p:cNvPicPr>
-              <a:picLocks noChangeAspect="1"/>
-            </p:cNvPicPr>
-            <p:nvPr/>
-          </p:nvPicPr>
-          <p:blipFill>
-            <a:blip r:embed="rId2">
-              <a:extLst>
-                <a:ext uri="{96DAC541-7B7A-43D3-8B79-37D633B846F1}">
-                  <asvg:svgBlip xmlns:asvg="http://schemas.microsoft.com/office/drawing/2016/SVG/main" r:embed="rId3"/>
-                </a:ext>
-              </a:extLst>
-            </a:blip>
-            <a:stretch>
-              <a:fillRect/>
-            </a:stretch>
-          </p:blipFill>
-          <p:spPr>
-            <a:xfrm>
-              <a:off x="780085" y="2841688"/>
-              <a:ext cx="663414" cy="663414"/>
-            </a:xfrm>
-            <a:prstGeom prst="rect">
-              <a:avLst/>
-            </a:prstGeom>
-          </p:spPr>
-        </p:pic>
-        <p:sp>
-          <p:nvSpPr>
-            <p:cNvPr id="44" name="Google Shape;80;p14">
-              <a:extLst>
-                <a:ext uri="{FF2B5EF4-FFF2-40B4-BE49-F238E27FC236}">
-                  <a16:creationId xmlns:a16="http://schemas.microsoft.com/office/drawing/2014/main" id="{BDBFA851-774B-BAB5-CA6E-980592CFB27B}"/>
-                </a:ext>
-              </a:extLst>
-            </p:cNvPr>
-            <p:cNvSpPr/>
-            <p:nvPr/>
-          </p:nvSpPr>
-          <p:spPr>
-            <a:xfrm>
-              <a:off x="943566" y="2571750"/>
-              <a:ext cx="336452" cy="329495"/>
-            </a:xfrm>
-            <a:prstGeom prst="ellipse">
-              <a:avLst/>
-            </a:prstGeom>
-            <a:solidFill>
-              <a:srgbClr val="FF0000"/>
-            </a:solidFill>
-            <a:ln w="9525" cap="flat" cmpd="sng">
-              <a:noFill/>
-              <a:prstDash val="solid"/>
-              <a:round/>
-              <a:headEnd type="none" w="sm" len="sm"/>
-              <a:tailEnd type="none" w="sm" len="sm"/>
-            </a:ln>
-          </p:spPr>
-          <p:txBody>
-            <a:bodyPr spcFirstLastPara="1" wrap="square" lIns="91425" tIns="91425" rIns="91425" bIns="91425" anchor="ctr" anchorCtr="0">
-              <a:noAutofit/>
-            </a:bodyPr>
-            <a:lstStyle/>
-            <a:p>
-              <a:pPr marL="0" lvl="0" indent="0" algn="l" rtl="0">
+              <a:pPr lvl="0" rtl="0">
                 <a:spcBef>
                   <a:spcPts val="0"/>
                 </a:spcBef>
                 <a:spcAft>
                   <a:spcPts val="0"/>
                 </a:spcAft>
-                <a:buNone/>
               </a:pPr>
-              <a:endParaRPr dirty="0">
-                <a:latin typeface="Microsoft GothicNeo Light" panose="020B0300000101010101" pitchFamily="50" charset="-127"/>
-                <a:ea typeface="Microsoft GothicNeo Light" panose="020B0300000101010101" pitchFamily="50" charset="-127"/>
-                <a:cs typeface="Microsoft GothicNeo Light" panose="020B0300000101010101" pitchFamily="50" charset="-127"/>
-              </a:endParaRPr>
-            </a:p>
-          </p:txBody>
-        </p:sp>
-        <p:sp>
-          <p:nvSpPr>
-            <p:cNvPr id="45" name="TextBox 44">
-              <a:extLst>
-                <a:ext uri="{FF2B5EF4-FFF2-40B4-BE49-F238E27FC236}">
-                  <a16:creationId xmlns:a16="http://schemas.microsoft.com/office/drawing/2014/main" id="{A8A7BBD4-4F5A-2290-74D5-4C92664220EB}"/>
-                </a:ext>
-              </a:extLst>
-            </p:cNvPr>
-            <p:cNvSpPr txBox="1"/>
-            <p:nvPr/>
-          </p:nvSpPr>
-          <p:spPr>
-            <a:xfrm>
-              <a:off x="758170" y="3371987"/>
-              <a:ext cx="707245" cy="307777"/>
-            </a:xfrm>
-            <a:prstGeom prst="rect">
-              <a:avLst/>
-            </a:prstGeom>
-            <a:noFill/>
-          </p:spPr>
-          <p:txBody>
-            <a:bodyPr wrap="none" rtlCol="0">
-              <a:spAutoFit/>
-            </a:bodyPr>
-            <a:lstStyle/>
-            <a:p>
-              <a:pPr algn="ctr"/>
               <a:r>
-                <a:rPr lang="en-US" altLang="ko-KR" dirty="0">
+                <a:rPr lang="ko-KR" altLang="en-US" dirty="0" err="1">
                   <a:latin typeface="Microsoft GothicNeo Light" panose="020B0300000101010101" pitchFamily="50" charset="-127"/>
                   <a:ea typeface="Microsoft GothicNeo Light" panose="020B0300000101010101" pitchFamily="50" charset="-127"/>
                   <a:cs typeface="Microsoft GothicNeo Light" panose="020B0300000101010101" pitchFamily="50" charset="-127"/>
                 </a:rPr>
-                <a:t>USER2</a:t>
+                <a:t>기믹</a:t>
+              </a:r>
+              <a:r>
+                <a:rPr lang="ko-KR" altLang="en-US" dirty="0">
+                  <a:latin typeface="Microsoft GothicNeo Light" panose="020B0300000101010101" pitchFamily="50" charset="-127"/>
+                  <a:ea typeface="Microsoft GothicNeo Light" panose="020B0300000101010101" pitchFamily="50" charset="-127"/>
+                  <a:cs typeface="Microsoft GothicNeo Light" panose="020B0300000101010101" pitchFamily="50" charset="-127"/>
+                </a:rPr>
+                <a:t> 파괴 순서</a:t>
               </a:r>
             </a:p>
           </p:txBody>
         </p:sp>
       </p:grpSp>
-      <p:grpSp>
-        <p:nvGrpSpPr>
-          <p:cNvPr id="46" name="그룹 45">
-            <a:extLst>
-              <a:ext uri="{FF2B5EF4-FFF2-40B4-BE49-F238E27FC236}">
-                <a16:creationId xmlns:a16="http://schemas.microsoft.com/office/drawing/2014/main" id="{938F13B0-0B69-5469-ECED-C3AEB73EFC40}"/>
-              </a:ext>
-            </a:extLst>
-          </p:cNvPr>
-          <p:cNvGrpSpPr/>
-          <p:nvPr/>
-        </p:nvGrpSpPr>
-        <p:grpSpPr>
-          <a:xfrm>
-            <a:off x="2124180" y="588486"/>
-            <a:ext cx="594380" cy="931193"/>
-            <a:chOff x="758170" y="2571750"/>
-            <a:chExt cx="707245" cy="1108014"/>
-          </a:xfrm>
-        </p:grpSpPr>
-        <p:pic>
-          <p:nvPicPr>
-            <p:cNvPr id="47" name="그래픽 46" descr="사용자 단색으로 채워진">
-              <a:extLst>
-                <a:ext uri="{FF2B5EF4-FFF2-40B4-BE49-F238E27FC236}">
-                  <a16:creationId xmlns:a16="http://schemas.microsoft.com/office/drawing/2014/main" id="{F711D364-EC95-9B84-5E69-6238E0F167AA}"/>
-                </a:ext>
-              </a:extLst>
-            </p:cNvPr>
-            <p:cNvPicPr>
-              <a:picLocks noChangeAspect="1"/>
-            </p:cNvPicPr>
-            <p:nvPr/>
-          </p:nvPicPr>
-          <p:blipFill>
-            <a:blip r:embed="rId2">
-              <a:extLst>
-                <a:ext uri="{96DAC541-7B7A-43D3-8B79-37D633B846F1}">
-                  <asvg:svgBlip xmlns:asvg="http://schemas.microsoft.com/office/drawing/2016/SVG/main" r:embed="rId3"/>
-                </a:ext>
-              </a:extLst>
-            </a:blip>
-            <a:stretch>
-              <a:fillRect/>
-            </a:stretch>
-          </p:blipFill>
-          <p:spPr>
-            <a:xfrm>
-              <a:off x="780085" y="2841688"/>
-              <a:ext cx="663414" cy="663414"/>
-            </a:xfrm>
-            <a:prstGeom prst="rect">
-              <a:avLst/>
-            </a:prstGeom>
-          </p:spPr>
-        </p:pic>
-        <p:sp>
-          <p:nvSpPr>
-            <p:cNvPr id="48" name="Google Shape;80;p14">
-              <a:extLst>
-                <a:ext uri="{FF2B5EF4-FFF2-40B4-BE49-F238E27FC236}">
-                  <a16:creationId xmlns:a16="http://schemas.microsoft.com/office/drawing/2014/main" id="{4441B952-4397-51A9-83B7-C202BDED4336}"/>
-                </a:ext>
-              </a:extLst>
-            </p:cNvPr>
-            <p:cNvSpPr/>
-            <p:nvPr/>
-          </p:nvSpPr>
-          <p:spPr>
-            <a:xfrm>
-              <a:off x="943566" y="2571750"/>
-              <a:ext cx="336452" cy="329495"/>
-            </a:xfrm>
-            <a:prstGeom prst="ellipse">
-              <a:avLst/>
-            </a:prstGeom>
-            <a:solidFill>
-              <a:srgbClr val="00B050"/>
-            </a:solidFill>
-            <a:ln w="9525" cap="flat" cmpd="sng">
-              <a:noFill/>
-              <a:prstDash val="solid"/>
-              <a:round/>
-              <a:headEnd type="none" w="sm" len="sm"/>
-              <a:tailEnd type="none" w="sm" len="sm"/>
-            </a:ln>
-          </p:spPr>
-          <p:txBody>
-            <a:bodyPr spcFirstLastPara="1" wrap="square" lIns="91425" tIns="91425" rIns="91425" bIns="91425" anchor="ctr" anchorCtr="0">
-              <a:noAutofit/>
-            </a:bodyPr>
-            <a:lstStyle/>
-            <a:p>
-              <a:pPr marL="0" lvl="0" indent="0" algn="l" rtl="0">
-                <a:spcBef>
-                  <a:spcPts val="0"/>
-                </a:spcBef>
-                <a:spcAft>
-                  <a:spcPts val="0"/>
-                </a:spcAft>
-                <a:buNone/>
-              </a:pPr>
-              <a:endParaRPr dirty="0">
-                <a:latin typeface="Microsoft GothicNeo Light" panose="020B0300000101010101" pitchFamily="50" charset="-127"/>
-                <a:ea typeface="Microsoft GothicNeo Light" panose="020B0300000101010101" pitchFamily="50" charset="-127"/>
-                <a:cs typeface="Microsoft GothicNeo Light" panose="020B0300000101010101" pitchFamily="50" charset="-127"/>
-              </a:endParaRPr>
-            </a:p>
-          </p:txBody>
-        </p:sp>
-        <p:sp>
-          <p:nvSpPr>
-            <p:cNvPr id="49" name="TextBox 48">
-              <a:extLst>
-                <a:ext uri="{FF2B5EF4-FFF2-40B4-BE49-F238E27FC236}">
-                  <a16:creationId xmlns:a16="http://schemas.microsoft.com/office/drawing/2014/main" id="{7F1BB242-218B-2551-9DB9-850911D5018F}"/>
-                </a:ext>
-              </a:extLst>
-            </p:cNvPr>
-            <p:cNvSpPr txBox="1"/>
-            <p:nvPr/>
-          </p:nvSpPr>
-          <p:spPr>
-            <a:xfrm>
-              <a:off x="758170" y="3371987"/>
-              <a:ext cx="707245" cy="307777"/>
-            </a:xfrm>
-            <a:prstGeom prst="rect">
-              <a:avLst/>
-            </a:prstGeom>
-            <a:noFill/>
-          </p:spPr>
-          <p:txBody>
-            <a:bodyPr wrap="none" rtlCol="0">
-              <a:spAutoFit/>
-            </a:bodyPr>
-            <a:lstStyle/>
-            <a:p>
-              <a:pPr algn="ctr"/>
-              <a:r>
-                <a:rPr lang="en-US" altLang="ko-KR" dirty="0">
-                  <a:latin typeface="Microsoft GothicNeo Light" panose="020B0300000101010101" pitchFamily="50" charset="-127"/>
-                  <a:ea typeface="Microsoft GothicNeo Light" panose="020B0300000101010101" pitchFamily="50" charset="-127"/>
-                  <a:cs typeface="Microsoft GothicNeo Light" panose="020B0300000101010101" pitchFamily="50" charset="-127"/>
-                </a:rPr>
-                <a:t>USER3</a:t>
-              </a:r>
-              <a:endParaRPr lang="ko-KR" altLang="en-US" dirty="0">
-                <a:latin typeface="Microsoft GothicNeo Light" panose="020B0300000101010101" pitchFamily="50" charset="-127"/>
-                <a:ea typeface="Microsoft GothicNeo Light" panose="020B0300000101010101" pitchFamily="50" charset="-127"/>
-                <a:cs typeface="Microsoft GothicNeo Light" panose="020B0300000101010101" pitchFamily="50" charset="-127"/>
-              </a:endParaRPr>
-            </a:p>
-          </p:txBody>
-        </p:sp>
-      </p:grpSp>
-      <p:grpSp>
-        <p:nvGrpSpPr>
-          <p:cNvPr id="50" name="그룹 49">
-            <a:extLst>
-              <a:ext uri="{FF2B5EF4-FFF2-40B4-BE49-F238E27FC236}">
-                <a16:creationId xmlns:a16="http://schemas.microsoft.com/office/drawing/2014/main" id="{497D0BB1-EC81-67DD-17BA-B2C05C3C3BF8}"/>
-              </a:ext>
-            </a:extLst>
-          </p:cNvPr>
-          <p:cNvGrpSpPr/>
-          <p:nvPr/>
-        </p:nvGrpSpPr>
-        <p:grpSpPr>
-          <a:xfrm>
-            <a:off x="1117470" y="833810"/>
-            <a:ext cx="598422" cy="931193"/>
-            <a:chOff x="755766" y="2571750"/>
-            <a:chExt cx="712054" cy="1108014"/>
-          </a:xfrm>
-        </p:grpSpPr>
-        <p:pic>
-          <p:nvPicPr>
-            <p:cNvPr id="51" name="그래픽 50" descr="사용자 단색으로 채워진">
-              <a:extLst>
-                <a:ext uri="{FF2B5EF4-FFF2-40B4-BE49-F238E27FC236}">
-                  <a16:creationId xmlns:a16="http://schemas.microsoft.com/office/drawing/2014/main" id="{738B6D1C-F22E-C7E0-2513-198D4A5BA1E7}"/>
-                </a:ext>
-              </a:extLst>
-            </p:cNvPr>
-            <p:cNvPicPr>
-              <a:picLocks noChangeAspect="1"/>
-            </p:cNvPicPr>
-            <p:nvPr/>
-          </p:nvPicPr>
-          <p:blipFill>
-            <a:blip r:embed="rId2">
-              <a:extLst>
-                <a:ext uri="{96DAC541-7B7A-43D3-8B79-37D633B846F1}">
-                  <asvg:svgBlip xmlns:asvg="http://schemas.microsoft.com/office/drawing/2016/SVG/main" r:embed="rId3"/>
-                </a:ext>
-              </a:extLst>
-            </a:blip>
-            <a:stretch>
-              <a:fillRect/>
-            </a:stretch>
-          </p:blipFill>
-          <p:spPr>
-            <a:xfrm>
-              <a:off x="780085" y="2841688"/>
-              <a:ext cx="663414" cy="663414"/>
-            </a:xfrm>
-            <a:prstGeom prst="rect">
-              <a:avLst/>
-            </a:prstGeom>
-          </p:spPr>
-        </p:pic>
-        <p:sp>
-          <p:nvSpPr>
-            <p:cNvPr id="52" name="Google Shape;80;p14">
-              <a:extLst>
-                <a:ext uri="{FF2B5EF4-FFF2-40B4-BE49-F238E27FC236}">
-                  <a16:creationId xmlns:a16="http://schemas.microsoft.com/office/drawing/2014/main" id="{B2E2E323-3540-92D4-1BFE-89B280EADEBE}"/>
-                </a:ext>
-              </a:extLst>
-            </p:cNvPr>
-            <p:cNvSpPr/>
-            <p:nvPr/>
-          </p:nvSpPr>
-          <p:spPr>
-            <a:xfrm>
-              <a:off x="943566" y="2571750"/>
-              <a:ext cx="336452" cy="329495"/>
-            </a:xfrm>
-            <a:prstGeom prst="ellipse">
-              <a:avLst/>
-            </a:prstGeom>
-            <a:solidFill>
-              <a:schemeClr val="bg1"/>
-            </a:solidFill>
-            <a:ln w="9525" cap="flat" cmpd="sng">
-              <a:noFill/>
-              <a:prstDash val="solid"/>
-              <a:round/>
-              <a:headEnd type="none" w="sm" len="sm"/>
-              <a:tailEnd type="none" w="sm" len="sm"/>
-            </a:ln>
-          </p:spPr>
-          <p:txBody>
-            <a:bodyPr spcFirstLastPara="1" wrap="square" lIns="91425" tIns="91425" rIns="91425" bIns="91425" anchor="ctr" anchorCtr="0">
-              <a:noAutofit/>
-            </a:bodyPr>
-            <a:lstStyle/>
-            <a:p>
-              <a:pPr marL="0" lvl="0" indent="0" algn="l" rtl="0">
-                <a:spcBef>
-                  <a:spcPts val="0"/>
-                </a:spcBef>
-                <a:spcAft>
-                  <a:spcPts val="0"/>
-                </a:spcAft>
-                <a:buNone/>
-              </a:pPr>
-              <a:endParaRPr dirty="0">
-                <a:latin typeface="Microsoft GothicNeo Light" panose="020B0300000101010101" pitchFamily="50" charset="-127"/>
-                <a:ea typeface="Microsoft GothicNeo Light" panose="020B0300000101010101" pitchFamily="50" charset="-127"/>
-                <a:cs typeface="Microsoft GothicNeo Light" panose="020B0300000101010101" pitchFamily="50" charset="-127"/>
-              </a:endParaRPr>
-            </a:p>
-          </p:txBody>
-        </p:sp>
-        <p:sp>
-          <p:nvSpPr>
-            <p:cNvPr id="53" name="TextBox 52">
-              <a:extLst>
-                <a:ext uri="{FF2B5EF4-FFF2-40B4-BE49-F238E27FC236}">
-                  <a16:creationId xmlns:a16="http://schemas.microsoft.com/office/drawing/2014/main" id="{5E5629AD-2331-1EC6-1D99-431C42796120}"/>
-                </a:ext>
-              </a:extLst>
-            </p:cNvPr>
-            <p:cNvSpPr txBox="1"/>
-            <p:nvPr/>
-          </p:nvSpPr>
-          <p:spPr>
-            <a:xfrm>
-              <a:off x="755766" y="3371987"/>
-              <a:ext cx="712054" cy="307777"/>
-            </a:xfrm>
-            <a:prstGeom prst="rect">
-              <a:avLst/>
-            </a:prstGeom>
-            <a:noFill/>
-          </p:spPr>
-          <p:txBody>
-            <a:bodyPr wrap="none" rtlCol="0">
-              <a:spAutoFit/>
-            </a:bodyPr>
-            <a:lstStyle/>
-            <a:p>
-              <a:pPr algn="ctr"/>
-              <a:r>
-                <a:rPr lang="en-US" altLang="ko-KR" dirty="0">
-                  <a:latin typeface="Microsoft GothicNeo Light" panose="020B0300000101010101" pitchFamily="50" charset="-127"/>
-                  <a:ea typeface="Microsoft GothicNeo Light" panose="020B0300000101010101" pitchFamily="50" charset="-127"/>
-                  <a:cs typeface="Microsoft GothicNeo Light" panose="020B0300000101010101" pitchFamily="50" charset="-127"/>
-                </a:rPr>
-                <a:t>USER4</a:t>
-              </a:r>
-              <a:endParaRPr lang="ko-KR" altLang="en-US" dirty="0">
-                <a:latin typeface="Microsoft GothicNeo Light" panose="020B0300000101010101" pitchFamily="50" charset="-127"/>
-                <a:ea typeface="Microsoft GothicNeo Light" panose="020B0300000101010101" pitchFamily="50" charset="-127"/>
-                <a:cs typeface="Microsoft GothicNeo Light" panose="020B0300000101010101" pitchFamily="50" charset="-127"/>
-              </a:endParaRPr>
-            </a:p>
-          </p:txBody>
-        </p:sp>
-      </p:grpSp>
-      <p:sp>
-        <p:nvSpPr>
-          <p:cNvPr id="54" name="원통형 53">
-            <a:extLst>
-              <a:ext uri="{FF2B5EF4-FFF2-40B4-BE49-F238E27FC236}">
-                <a16:creationId xmlns:a16="http://schemas.microsoft.com/office/drawing/2014/main" id="{E20AC7ED-CC7E-758E-E6C9-743C2FD06B25}"/>
-              </a:ext>
-            </a:extLst>
-          </p:cNvPr>
-          <p:cNvSpPr/>
-          <p:nvPr/>
-        </p:nvSpPr>
-        <p:spPr>
-          <a:xfrm>
-            <a:off x="2405607" y="2408450"/>
-            <a:ext cx="427130" cy="666237"/>
-          </a:xfrm>
-          <a:prstGeom prst="can">
-            <a:avLst/>
-          </a:prstGeom>
-          <a:solidFill>
-            <a:srgbClr val="FF0000"/>
-          </a:solidFill>
-          <a:ln>
-            <a:solidFill>
-              <a:srgbClr val="C00000"/>
-            </a:solidFill>
-          </a:ln>
-        </p:spPr>
-        <p:style>
-          <a:lnRef idx="2">
-            <a:schemeClr val="accent1">
-              <a:shade val="50000"/>
-            </a:schemeClr>
-          </a:lnRef>
-          <a:fillRef idx="1">
-            <a:schemeClr val="accent1"/>
-          </a:fillRef>
-          <a:effectRef idx="0">
-            <a:schemeClr val="accent1"/>
-          </a:effectRef>
-          <a:fontRef idx="minor">
-            <a:schemeClr val="lt1"/>
-          </a:fontRef>
-        </p:style>
-        <p:txBody>
-          <a:bodyPr rtlCol="0" anchor="ctr"/>
-          <a:lstStyle/>
-          <a:p>
-            <a:pPr algn="ctr"/>
-            <a:endParaRPr lang="ko-KR" altLang="en-US"/>
-          </a:p>
-        </p:txBody>
-      </p:sp>
-      <p:sp>
-        <p:nvSpPr>
-          <p:cNvPr id="55" name="원통형 54">
-            <a:extLst>
-              <a:ext uri="{FF2B5EF4-FFF2-40B4-BE49-F238E27FC236}">
-                <a16:creationId xmlns:a16="http://schemas.microsoft.com/office/drawing/2014/main" id="{52620C77-4572-A519-8060-6240AACDCCE3}"/>
-              </a:ext>
-            </a:extLst>
-          </p:cNvPr>
-          <p:cNvSpPr/>
-          <p:nvPr/>
-        </p:nvSpPr>
-        <p:spPr>
-          <a:xfrm>
-            <a:off x="2699718" y="770823"/>
-            <a:ext cx="427130" cy="666237"/>
-          </a:xfrm>
-          <a:prstGeom prst="can">
-            <a:avLst/>
-          </a:prstGeom>
-          <a:solidFill>
-            <a:srgbClr val="00B050"/>
-          </a:solidFill>
-          <a:ln>
-            <a:solidFill>
-              <a:srgbClr val="249052"/>
-            </a:solidFill>
-          </a:ln>
-        </p:spPr>
-        <p:style>
-          <a:lnRef idx="2">
-            <a:schemeClr val="accent1">
-              <a:shade val="50000"/>
-            </a:schemeClr>
-          </a:lnRef>
-          <a:fillRef idx="1">
-            <a:schemeClr val="accent1"/>
-          </a:fillRef>
-          <a:effectRef idx="0">
-            <a:schemeClr val="accent1"/>
-          </a:effectRef>
-          <a:fontRef idx="minor">
-            <a:schemeClr val="lt1"/>
-          </a:fontRef>
-        </p:style>
-        <p:txBody>
-          <a:bodyPr rtlCol="0" anchor="ctr"/>
-          <a:lstStyle/>
-          <a:p>
-            <a:pPr algn="ctr"/>
-            <a:endParaRPr lang="ko-KR" altLang="en-US"/>
-          </a:p>
-        </p:txBody>
-      </p:sp>
-      <p:sp>
-        <p:nvSpPr>
-          <p:cNvPr id="56" name="폭발: 8pt 55">
-            <a:extLst>
-              <a:ext uri="{FF2B5EF4-FFF2-40B4-BE49-F238E27FC236}">
-                <a16:creationId xmlns:a16="http://schemas.microsoft.com/office/drawing/2014/main" id="{43D329EC-711D-32AC-7A08-ECBB1AE50A32}"/>
-              </a:ext>
-            </a:extLst>
-          </p:cNvPr>
-          <p:cNvSpPr/>
-          <p:nvPr/>
-        </p:nvSpPr>
-        <p:spPr>
-          <a:xfrm>
-            <a:off x="737963" y="2305089"/>
-            <a:ext cx="313975" cy="369048"/>
-          </a:xfrm>
-          <a:prstGeom prst="irregularSeal1">
-            <a:avLst/>
-          </a:prstGeom>
-          <a:solidFill>
-            <a:schemeClr val="accent4"/>
-          </a:solidFill>
-          <a:ln>
-            <a:noFill/>
-          </a:ln>
-        </p:spPr>
-        <p:style>
-          <a:lnRef idx="0">
-            <a:scrgbClr r="0" g="0" b="0"/>
-          </a:lnRef>
-          <a:fillRef idx="0">
-            <a:scrgbClr r="0" g="0" b="0"/>
-          </a:fillRef>
-          <a:effectRef idx="0">
-            <a:scrgbClr r="0" g="0" b="0"/>
-          </a:effectRef>
-          <a:fontRef idx="minor">
-            <a:schemeClr val="lt1"/>
-          </a:fontRef>
-        </p:style>
-        <p:txBody>
-          <a:bodyPr rtlCol="0" anchor="ctr"/>
-          <a:lstStyle/>
-          <a:p>
-            <a:pPr algn="ctr"/>
-            <a:r>
-              <a:rPr lang="en-US" altLang="ko-KR" b="1" dirty="0"/>
-              <a:t>1</a:t>
-            </a:r>
-            <a:endParaRPr lang="ko-KR" altLang="en-US" b="1" dirty="0"/>
-          </a:p>
-        </p:txBody>
-      </p:sp>
-      <p:sp>
-        <p:nvSpPr>
-          <p:cNvPr id="57" name="폭발: 8pt 56">
-            <a:extLst>
-              <a:ext uri="{FF2B5EF4-FFF2-40B4-BE49-F238E27FC236}">
-                <a16:creationId xmlns:a16="http://schemas.microsoft.com/office/drawing/2014/main" id="{6ABB1D65-C6B6-297C-BFF0-15C9B85F2953}"/>
-              </a:ext>
-            </a:extLst>
-          </p:cNvPr>
-          <p:cNvSpPr/>
-          <p:nvPr/>
-        </p:nvSpPr>
-        <p:spPr>
-          <a:xfrm>
-            <a:off x="2321814" y="2794988"/>
-            <a:ext cx="313975" cy="369048"/>
-          </a:xfrm>
-          <a:prstGeom prst="irregularSeal1">
-            <a:avLst/>
-          </a:prstGeom>
-          <a:solidFill>
-            <a:schemeClr val="accent4"/>
-          </a:solidFill>
-          <a:ln>
-            <a:noFill/>
-          </a:ln>
-        </p:spPr>
-        <p:style>
-          <a:lnRef idx="0">
-            <a:scrgbClr r="0" g="0" b="0"/>
-          </a:lnRef>
-          <a:fillRef idx="0">
-            <a:scrgbClr r="0" g="0" b="0"/>
-          </a:fillRef>
-          <a:effectRef idx="0">
-            <a:scrgbClr r="0" g="0" b="0"/>
-          </a:effectRef>
-          <a:fontRef idx="minor">
-            <a:schemeClr val="lt1"/>
-          </a:fontRef>
-        </p:style>
-        <p:txBody>
-          <a:bodyPr rtlCol="0" anchor="ctr"/>
-          <a:lstStyle/>
-          <a:p>
-            <a:pPr algn="ctr"/>
-            <a:r>
-              <a:rPr lang="en-US" altLang="ko-KR" b="1" dirty="0"/>
-              <a:t>2</a:t>
-            </a:r>
-            <a:endParaRPr lang="ko-KR" altLang="en-US" b="1" dirty="0"/>
-          </a:p>
-        </p:txBody>
-      </p:sp>
-      <p:sp>
-        <p:nvSpPr>
-          <p:cNvPr id="58" name="폭발: 8pt 57">
-            <a:extLst>
-              <a:ext uri="{FF2B5EF4-FFF2-40B4-BE49-F238E27FC236}">
-                <a16:creationId xmlns:a16="http://schemas.microsoft.com/office/drawing/2014/main" id="{ACA4973E-5B83-A28F-5EFB-5FCF0E51F2CA}"/>
-              </a:ext>
-            </a:extLst>
-          </p:cNvPr>
-          <p:cNvSpPr/>
-          <p:nvPr/>
-        </p:nvSpPr>
-        <p:spPr>
-          <a:xfrm>
-            <a:off x="2559432" y="970394"/>
-            <a:ext cx="313975" cy="369048"/>
-          </a:xfrm>
-          <a:prstGeom prst="irregularSeal1">
-            <a:avLst/>
-          </a:prstGeom>
-          <a:solidFill>
-            <a:schemeClr val="accent4"/>
-          </a:solidFill>
-          <a:ln>
-            <a:noFill/>
-          </a:ln>
-        </p:spPr>
-        <p:style>
-          <a:lnRef idx="0">
-            <a:scrgbClr r="0" g="0" b="0"/>
-          </a:lnRef>
-          <a:fillRef idx="0">
-            <a:scrgbClr r="0" g="0" b="0"/>
-          </a:fillRef>
-          <a:effectRef idx="0">
-            <a:scrgbClr r="0" g="0" b="0"/>
-          </a:effectRef>
-          <a:fontRef idx="minor">
-            <a:schemeClr val="lt1"/>
-          </a:fontRef>
-        </p:style>
-        <p:txBody>
-          <a:bodyPr rtlCol="0" anchor="ctr"/>
-          <a:lstStyle/>
-          <a:p>
-            <a:pPr algn="ctr"/>
-            <a:r>
-              <a:rPr lang="en-US" altLang="ko-KR" b="1" dirty="0"/>
-              <a:t>3</a:t>
-            </a:r>
-            <a:endParaRPr lang="ko-KR" altLang="en-US" b="1" dirty="0"/>
-          </a:p>
-        </p:txBody>
-      </p:sp>
-      <p:sp>
-        <p:nvSpPr>
-          <p:cNvPr id="59" name="폭발: 8pt 58">
-            <a:extLst>
-              <a:ext uri="{FF2B5EF4-FFF2-40B4-BE49-F238E27FC236}">
-                <a16:creationId xmlns:a16="http://schemas.microsoft.com/office/drawing/2014/main" id="{7FEB803F-F580-A07E-3ACF-AE0D262561C5}"/>
-              </a:ext>
-            </a:extLst>
-          </p:cNvPr>
-          <p:cNvSpPr/>
-          <p:nvPr/>
-        </p:nvSpPr>
-        <p:spPr>
-          <a:xfrm>
-            <a:off x="1601788" y="1347634"/>
-            <a:ext cx="313975" cy="369048"/>
-          </a:xfrm>
-          <a:prstGeom prst="irregularSeal1">
-            <a:avLst/>
-          </a:prstGeom>
-          <a:solidFill>
-            <a:schemeClr val="accent4"/>
-          </a:solidFill>
-          <a:ln>
-            <a:noFill/>
-          </a:ln>
-        </p:spPr>
-        <p:style>
-          <a:lnRef idx="0">
-            <a:scrgbClr r="0" g="0" b="0"/>
-          </a:lnRef>
-          <a:fillRef idx="0">
-            <a:scrgbClr r="0" g="0" b="0"/>
-          </a:fillRef>
-          <a:effectRef idx="0">
-            <a:scrgbClr r="0" g="0" b="0"/>
-          </a:effectRef>
-          <a:fontRef idx="minor">
-            <a:schemeClr val="lt1"/>
-          </a:fontRef>
-        </p:style>
-        <p:txBody>
-          <a:bodyPr rtlCol="0" anchor="ctr"/>
-          <a:lstStyle/>
-          <a:p>
-            <a:pPr algn="ctr"/>
-            <a:r>
-              <a:rPr lang="en-US" altLang="ko-KR" b="1" dirty="0"/>
-              <a:t>4</a:t>
-            </a:r>
-            <a:endParaRPr lang="ko-KR" altLang="en-US" b="1" dirty="0"/>
-          </a:p>
-        </p:txBody>
-      </p:sp>
-      <p:grpSp>
-        <p:nvGrpSpPr>
-          <p:cNvPr id="60" name="그룹 59">
-            <a:extLst>
-              <a:ext uri="{FF2B5EF4-FFF2-40B4-BE49-F238E27FC236}">
-                <a16:creationId xmlns:a16="http://schemas.microsoft.com/office/drawing/2014/main" id="{E8ED3ADE-ADD5-255D-DF58-6E02CF889EB6}"/>
-              </a:ext>
-            </a:extLst>
-          </p:cNvPr>
-          <p:cNvGrpSpPr/>
-          <p:nvPr/>
-        </p:nvGrpSpPr>
-        <p:grpSpPr>
-          <a:xfrm>
-            <a:off x="191619" y="3708776"/>
-            <a:ext cx="694421" cy="1108014"/>
-            <a:chOff x="764582" y="2571750"/>
-            <a:chExt cx="694421" cy="1108014"/>
-          </a:xfrm>
-        </p:grpSpPr>
-        <p:pic>
-          <p:nvPicPr>
-            <p:cNvPr id="61" name="그래픽 60" descr="사용자 단색으로 채워진">
-              <a:extLst>
-                <a:ext uri="{FF2B5EF4-FFF2-40B4-BE49-F238E27FC236}">
-                  <a16:creationId xmlns:a16="http://schemas.microsoft.com/office/drawing/2014/main" id="{8C7237E3-6C09-9731-BF2A-07C3AAECB960}"/>
-                </a:ext>
-              </a:extLst>
-            </p:cNvPr>
-            <p:cNvPicPr>
-              <a:picLocks noChangeAspect="1"/>
-            </p:cNvPicPr>
-            <p:nvPr/>
-          </p:nvPicPr>
-          <p:blipFill>
-            <a:blip r:embed="rId2">
-              <a:extLst>
-                <a:ext uri="{96DAC541-7B7A-43D3-8B79-37D633B846F1}">
-                  <asvg:svgBlip xmlns:asvg="http://schemas.microsoft.com/office/drawing/2016/SVG/main" r:embed="rId3"/>
-                </a:ext>
-              </a:extLst>
-            </a:blip>
-            <a:stretch>
-              <a:fillRect/>
-            </a:stretch>
-          </p:blipFill>
-          <p:spPr>
-            <a:xfrm>
-              <a:off x="780085" y="2841688"/>
-              <a:ext cx="663414" cy="663414"/>
-            </a:xfrm>
-            <a:prstGeom prst="rect">
-              <a:avLst/>
-            </a:prstGeom>
-          </p:spPr>
-        </p:pic>
-        <p:sp>
-          <p:nvSpPr>
-            <p:cNvPr id="62" name="Google Shape;80;p14">
-              <a:extLst>
-                <a:ext uri="{FF2B5EF4-FFF2-40B4-BE49-F238E27FC236}">
-                  <a16:creationId xmlns:a16="http://schemas.microsoft.com/office/drawing/2014/main" id="{4AB79468-BDDC-D28D-97EF-B3D7207193E8}"/>
-                </a:ext>
-              </a:extLst>
-            </p:cNvPr>
-            <p:cNvSpPr/>
-            <p:nvPr/>
-          </p:nvSpPr>
-          <p:spPr>
-            <a:xfrm>
-              <a:off x="943566" y="2571750"/>
-              <a:ext cx="336452" cy="329495"/>
-            </a:xfrm>
-            <a:prstGeom prst="ellipse">
-              <a:avLst/>
-            </a:prstGeom>
-            <a:solidFill>
-              <a:schemeClr val="accent1"/>
-            </a:solidFill>
-            <a:ln w="9525" cap="flat" cmpd="sng">
-              <a:noFill/>
-              <a:prstDash val="solid"/>
-              <a:round/>
-              <a:headEnd type="none" w="sm" len="sm"/>
-              <a:tailEnd type="none" w="sm" len="sm"/>
-            </a:ln>
-          </p:spPr>
-          <p:txBody>
-            <a:bodyPr spcFirstLastPara="1" wrap="square" lIns="91425" tIns="91425" rIns="91425" bIns="91425" anchor="ctr" anchorCtr="0">
-              <a:noAutofit/>
-            </a:bodyPr>
-            <a:lstStyle/>
-            <a:p>
-              <a:pPr marL="0" lvl="0" indent="0" algn="l" rtl="0">
-                <a:spcBef>
-                  <a:spcPts val="0"/>
-                </a:spcBef>
-                <a:spcAft>
-                  <a:spcPts val="0"/>
-                </a:spcAft>
-                <a:buNone/>
-              </a:pPr>
-              <a:endParaRPr dirty="0">
-                <a:latin typeface="Microsoft GothicNeo Light" panose="020B0300000101010101" pitchFamily="50" charset="-127"/>
-                <a:ea typeface="Microsoft GothicNeo Light" panose="020B0300000101010101" pitchFamily="50" charset="-127"/>
-                <a:cs typeface="Microsoft GothicNeo Light" panose="020B0300000101010101" pitchFamily="50" charset="-127"/>
-              </a:endParaRPr>
-            </a:p>
-          </p:txBody>
-        </p:sp>
-        <p:sp>
-          <p:nvSpPr>
-            <p:cNvPr id="63" name="TextBox 62">
-              <a:extLst>
-                <a:ext uri="{FF2B5EF4-FFF2-40B4-BE49-F238E27FC236}">
-                  <a16:creationId xmlns:a16="http://schemas.microsoft.com/office/drawing/2014/main" id="{FDFB2937-A7B0-5ADB-3320-2D97CF1002A8}"/>
-                </a:ext>
-              </a:extLst>
-            </p:cNvPr>
-            <p:cNvSpPr txBox="1"/>
-            <p:nvPr/>
-          </p:nvSpPr>
-          <p:spPr>
-            <a:xfrm>
-              <a:off x="764582" y="3371987"/>
-              <a:ext cx="694421" cy="307777"/>
-            </a:xfrm>
-            <a:prstGeom prst="rect">
-              <a:avLst/>
-            </a:prstGeom>
-            <a:noFill/>
-          </p:spPr>
-          <p:txBody>
-            <a:bodyPr wrap="none" rtlCol="0">
-              <a:spAutoFit/>
-            </a:bodyPr>
-            <a:lstStyle/>
-            <a:p>
-              <a:pPr algn="ctr"/>
-              <a:r>
-                <a:rPr lang="en-US" altLang="ko-KR" dirty="0">
-                  <a:latin typeface="Microsoft GothicNeo Light" panose="020B0300000101010101" pitchFamily="50" charset="-127"/>
-                  <a:ea typeface="Microsoft GothicNeo Light" panose="020B0300000101010101" pitchFamily="50" charset="-127"/>
-                  <a:cs typeface="Microsoft GothicNeo Light" panose="020B0300000101010101" pitchFamily="50" charset="-127"/>
-                </a:rPr>
-                <a:t>USER1</a:t>
-              </a:r>
-              <a:endParaRPr lang="ko-KR" altLang="en-US" dirty="0">
-                <a:latin typeface="Microsoft GothicNeo Light" panose="020B0300000101010101" pitchFamily="50" charset="-127"/>
-                <a:ea typeface="Microsoft GothicNeo Light" panose="020B0300000101010101" pitchFamily="50" charset="-127"/>
-                <a:cs typeface="Microsoft GothicNeo Light" panose="020B0300000101010101" pitchFamily="50" charset="-127"/>
-              </a:endParaRPr>
-            </a:p>
-          </p:txBody>
-        </p:sp>
-      </p:grpSp>
-      <p:grpSp>
-        <p:nvGrpSpPr>
-          <p:cNvPr id="64" name="그룹 63">
-            <a:extLst>
-              <a:ext uri="{FF2B5EF4-FFF2-40B4-BE49-F238E27FC236}">
-                <a16:creationId xmlns:a16="http://schemas.microsoft.com/office/drawing/2014/main" id="{7237EB31-4390-D863-C4CF-A8851240F99F}"/>
-              </a:ext>
-            </a:extLst>
-          </p:cNvPr>
-          <p:cNvGrpSpPr/>
-          <p:nvPr/>
-        </p:nvGrpSpPr>
-        <p:grpSpPr>
-          <a:xfrm>
-            <a:off x="960281" y="3708776"/>
-            <a:ext cx="707245" cy="1108014"/>
-            <a:chOff x="758170" y="2571750"/>
-            <a:chExt cx="707245" cy="1108014"/>
-          </a:xfrm>
-        </p:grpSpPr>
-        <p:pic>
-          <p:nvPicPr>
-            <p:cNvPr id="65" name="그래픽 64" descr="사용자 단색으로 채워진">
-              <a:extLst>
-                <a:ext uri="{FF2B5EF4-FFF2-40B4-BE49-F238E27FC236}">
-                  <a16:creationId xmlns:a16="http://schemas.microsoft.com/office/drawing/2014/main" id="{1945F3D9-6111-374D-A16C-020B338FB316}"/>
-                </a:ext>
-              </a:extLst>
-            </p:cNvPr>
-            <p:cNvPicPr>
-              <a:picLocks noChangeAspect="1"/>
-            </p:cNvPicPr>
-            <p:nvPr/>
-          </p:nvPicPr>
-          <p:blipFill>
-            <a:blip r:embed="rId2">
-              <a:extLst>
-                <a:ext uri="{96DAC541-7B7A-43D3-8B79-37D633B846F1}">
-                  <asvg:svgBlip xmlns:asvg="http://schemas.microsoft.com/office/drawing/2016/SVG/main" r:embed="rId3"/>
-                </a:ext>
-              </a:extLst>
-            </a:blip>
-            <a:stretch>
-              <a:fillRect/>
-            </a:stretch>
-          </p:blipFill>
-          <p:spPr>
-            <a:xfrm>
-              <a:off x="780085" y="2841688"/>
-              <a:ext cx="663414" cy="663414"/>
-            </a:xfrm>
-            <a:prstGeom prst="rect">
-              <a:avLst/>
-            </a:prstGeom>
-          </p:spPr>
-        </p:pic>
-        <p:sp>
-          <p:nvSpPr>
-            <p:cNvPr id="66" name="Google Shape;80;p14">
-              <a:extLst>
-                <a:ext uri="{FF2B5EF4-FFF2-40B4-BE49-F238E27FC236}">
-                  <a16:creationId xmlns:a16="http://schemas.microsoft.com/office/drawing/2014/main" id="{35CBFF23-2021-4A27-20C6-3DC075B08B38}"/>
-                </a:ext>
-              </a:extLst>
-            </p:cNvPr>
-            <p:cNvSpPr/>
-            <p:nvPr/>
-          </p:nvSpPr>
-          <p:spPr>
-            <a:xfrm>
-              <a:off x="943566" y="2571750"/>
-              <a:ext cx="336452" cy="329495"/>
-            </a:xfrm>
-            <a:prstGeom prst="ellipse">
-              <a:avLst/>
-            </a:prstGeom>
-            <a:solidFill>
-              <a:srgbClr val="FF0000"/>
-            </a:solidFill>
-            <a:ln w="9525" cap="flat" cmpd="sng">
-              <a:noFill/>
-              <a:prstDash val="solid"/>
-              <a:round/>
-              <a:headEnd type="none" w="sm" len="sm"/>
-              <a:tailEnd type="none" w="sm" len="sm"/>
-            </a:ln>
-          </p:spPr>
-          <p:txBody>
-            <a:bodyPr spcFirstLastPara="1" wrap="square" lIns="91425" tIns="91425" rIns="91425" bIns="91425" anchor="ctr" anchorCtr="0">
-              <a:noAutofit/>
-            </a:bodyPr>
-            <a:lstStyle/>
-            <a:p>
-              <a:pPr marL="0" lvl="0" indent="0" algn="l" rtl="0">
-                <a:spcBef>
-                  <a:spcPts val="0"/>
-                </a:spcBef>
-                <a:spcAft>
-                  <a:spcPts val="0"/>
-                </a:spcAft>
-                <a:buNone/>
-              </a:pPr>
-              <a:endParaRPr dirty="0">
-                <a:latin typeface="Microsoft GothicNeo Light" panose="020B0300000101010101" pitchFamily="50" charset="-127"/>
-                <a:ea typeface="Microsoft GothicNeo Light" panose="020B0300000101010101" pitchFamily="50" charset="-127"/>
-                <a:cs typeface="Microsoft GothicNeo Light" panose="020B0300000101010101" pitchFamily="50" charset="-127"/>
-              </a:endParaRPr>
-            </a:p>
-          </p:txBody>
-        </p:sp>
-        <p:sp>
-          <p:nvSpPr>
-            <p:cNvPr id="67" name="TextBox 66">
-              <a:extLst>
-                <a:ext uri="{FF2B5EF4-FFF2-40B4-BE49-F238E27FC236}">
-                  <a16:creationId xmlns:a16="http://schemas.microsoft.com/office/drawing/2014/main" id="{20527942-D62D-AAAE-1518-6D87B74E788F}"/>
-                </a:ext>
-              </a:extLst>
-            </p:cNvPr>
-            <p:cNvSpPr txBox="1"/>
-            <p:nvPr/>
-          </p:nvSpPr>
-          <p:spPr>
-            <a:xfrm>
-              <a:off x="758170" y="3371987"/>
-              <a:ext cx="707245" cy="307777"/>
-            </a:xfrm>
-            <a:prstGeom prst="rect">
-              <a:avLst/>
-            </a:prstGeom>
-            <a:noFill/>
-          </p:spPr>
-          <p:txBody>
-            <a:bodyPr wrap="none" rtlCol="0">
-              <a:spAutoFit/>
-            </a:bodyPr>
-            <a:lstStyle/>
-            <a:p>
-              <a:pPr algn="ctr"/>
-              <a:r>
-                <a:rPr lang="en-US" altLang="ko-KR" dirty="0">
-                  <a:latin typeface="Microsoft GothicNeo Light" panose="020B0300000101010101" pitchFamily="50" charset="-127"/>
-                  <a:ea typeface="Microsoft GothicNeo Light" panose="020B0300000101010101" pitchFamily="50" charset="-127"/>
-                  <a:cs typeface="Microsoft GothicNeo Light" panose="020B0300000101010101" pitchFamily="50" charset="-127"/>
-                </a:rPr>
-                <a:t>USER2</a:t>
-              </a:r>
-            </a:p>
-          </p:txBody>
-        </p:sp>
-      </p:grpSp>
-      <p:grpSp>
-        <p:nvGrpSpPr>
-          <p:cNvPr id="68" name="그룹 67">
-            <a:extLst>
-              <a:ext uri="{FF2B5EF4-FFF2-40B4-BE49-F238E27FC236}">
-                <a16:creationId xmlns:a16="http://schemas.microsoft.com/office/drawing/2014/main" id="{5F11DA92-DA59-115A-6DA6-9A982029A120}"/>
-              </a:ext>
-            </a:extLst>
-          </p:cNvPr>
-          <p:cNvGrpSpPr/>
-          <p:nvPr/>
-        </p:nvGrpSpPr>
-        <p:grpSpPr>
-          <a:xfrm>
-            <a:off x="1741767" y="3708776"/>
-            <a:ext cx="707245" cy="1108014"/>
-            <a:chOff x="758170" y="2571750"/>
-            <a:chExt cx="707245" cy="1108014"/>
-          </a:xfrm>
-        </p:grpSpPr>
-        <p:pic>
-          <p:nvPicPr>
-            <p:cNvPr id="69" name="그래픽 68" descr="사용자 단색으로 채워진">
-              <a:extLst>
-                <a:ext uri="{FF2B5EF4-FFF2-40B4-BE49-F238E27FC236}">
-                  <a16:creationId xmlns:a16="http://schemas.microsoft.com/office/drawing/2014/main" id="{2A13DBC7-AE0A-5B2A-7B97-87DEF27AB477}"/>
-                </a:ext>
-              </a:extLst>
-            </p:cNvPr>
-            <p:cNvPicPr>
-              <a:picLocks noChangeAspect="1"/>
-            </p:cNvPicPr>
-            <p:nvPr/>
-          </p:nvPicPr>
-          <p:blipFill>
-            <a:blip r:embed="rId2">
-              <a:extLst>
-                <a:ext uri="{96DAC541-7B7A-43D3-8B79-37D633B846F1}">
-                  <asvg:svgBlip xmlns:asvg="http://schemas.microsoft.com/office/drawing/2016/SVG/main" r:embed="rId3"/>
-                </a:ext>
-              </a:extLst>
-            </a:blip>
-            <a:stretch>
-              <a:fillRect/>
-            </a:stretch>
-          </p:blipFill>
-          <p:spPr>
-            <a:xfrm>
-              <a:off x="780085" y="2841688"/>
-              <a:ext cx="663414" cy="663414"/>
-            </a:xfrm>
-            <a:prstGeom prst="rect">
-              <a:avLst/>
-            </a:prstGeom>
-          </p:spPr>
-        </p:pic>
-        <p:sp>
-          <p:nvSpPr>
-            <p:cNvPr id="70" name="Google Shape;80;p14">
-              <a:extLst>
-                <a:ext uri="{FF2B5EF4-FFF2-40B4-BE49-F238E27FC236}">
-                  <a16:creationId xmlns:a16="http://schemas.microsoft.com/office/drawing/2014/main" id="{65CAAB17-1E7B-6F4D-82AA-B6F4E4FC3F66}"/>
-                </a:ext>
-              </a:extLst>
-            </p:cNvPr>
-            <p:cNvSpPr/>
-            <p:nvPr/>
-          </p:nvSpPr>
-          <p:spPr>
-            <a:xfrm>
-              <a:off x="943566" y="2571750"/>
-              <a:ext cx="336452" cy="329495"/>
-            </a:xfrm>
-            <a:prstGeom prst="ellipse">
-              <a:avLst/>
-            </a:prstGeom>
-            <a:solidFill>
-              <a:srgbClr val="00B050"/>
-            </a:solidFill>
-            <a:ln w="9525" cap="flat" cmpd="sng">
-              <a:noFill/>
-              <a:prstDash val="solid"/>
-              <a:round/>
-              <a:headEnd type="none" w="sm" len="sm"/>
-              <a:tailEnd type="none" w="sm" len="sm"/>
-            </a:ln>
-          </p:spPr>
-          <p:txBody>
-            <a:bodyPr spcFirstLastPara="1" wrap="square" lIns="91425" tIns="91425" rIns="91425" bIns="91425" anchor="ctr" anchorCtr="0">
-              <a:noAutofit/>
-            </a:bodyPr>
-            <a:lstStyle/>
-            <a:p>
-              <a:pPr marL="0" lvl="0" indent="0" algn="l" rtl="0">
-                <a:spcBef>
-                  <a:spcPts val="0"/>
-                </a:spcBef>
-                <a:spcAft>
-                  <a:spcPts val="0"/>
-                </a:spcAft>
-                <a:buNone/>
-              </a:pPr>
-              <a:endParaRPr dirty="0">
-                <a:latin typeface="Microsoft GothicNeo Light" panose="020B0300000101010101" pitchFamily="50" charset="-127"/>
-                <a:ea typeface="Microsoft GothicNeo Light" panose="020B0300000101010101" pitchFamily="50" charset="-127"/>
-                <a:cs typeface="Microsoft GothicNeo Light" panose="020B0300000101010101" pitchFamily="50" charset="-127"/>
-              </a:endParaRPr>
-            </a:p>
-          </p:txBody>
-        </p:sp>
-        <p:sp>
-          <p:nvSpPr>
-            <p:cNvPr id="71" name="TextBox 70">
-              <a:extLst>
-                <a:ext uri="{FF2B5EF4-FFF2-40B4-BE49-F238E27FC236}">
-                  <a16:creationId xmlns:a16="http://schemas.microsoft.com/office/drawing/2014/main" id="{337527EE-3996-5168-9DD3-05F7D14B888B}"/>
-                </a:ext>
-              </a:extLst>
-            </p:cNvPr>
-            <p:cNvSpPr txBox="1"/>
-            <p:nvPr/>
-          </p:nvSpPr>
-          <p:spPr>
-            <a:xfrm>
-              <a:off x="758170" y="3371987"/>
-              <a:ext cx="707245" cy="307777"/>
-            </a:xfrm>
-            <a:prstGeom prst="rect">
-              <a:avLst/>
-            </a:prstGeom>
-            <a:noFill/>
-          </p:spPr>
-          <p:txBody>
-            <a:bodyPr wrap="none" rtlCol="0">
-              <a:spAutoFit/>
-            </a:bodyPr>
-            <a:lstStyle/>
-            <a:p>
-              <a:pPr algn="ctr"/>
-              <a:r>
-                <a:rPr lang="en-US" altLang="ko-KR" dirty="0">
-                  <a:latin typeface="Microsoft GothicNeo Light" panose="020B0300000101010101" pitchFamily="50" charset="-127"/>
-                  <a:ea typeface="Microsoft GothicNeo Light" panose="020B0300000101010101" pitchFamily="50" charset="-127"/>
-                  <a:cs typeface="Microsoft GothicNeo Light" panose="020B0300000101010101" pitchFamily="50" charset="-127"/>
-                </a:rPr>
-                <a:t>USER3</a:t>
-              </a:r>
-              <a:endParaRPr lang="ko-KR" altLang="en-US" dirty="0">
-                <a:latin typeface="Microsoft GothicNeo Light" panose="020B0300000101010101" pitchFamily="50" charset="-127"/>
-                <a:ea typeface="Microsoft GothicNeo Light" panose="020B0300000101010101" pitchFamily="50" charset="-127"/>
-                <a:cs typeface="Microsoft GothicNeo Light" panose="020B0300000101010101" pitchFamily="50" charset="-127"/>
-              </a:endParaRPr>
-            </a:p>
-          </p:txBody>
-        </p:sp>
-      </p:grpSp>
-      <p:grpSp>
-        <p:nvGrpSpPr>
-          <p:cNvPr id="72" name="그룹 71">
-            <a:extLst>
-              <a:ext uri="{FF2B5EF4-FFF2-40B4-BE49-F238E27FC236}">
-                <a16:creationId xmlns:a16="http://schemas.microsoft.com/office/drawing/2014/main" id="{3E16398E-779F-1C2F-EFA3-31674B551C8D}"/>
-              </a:ext>
-            </a:extLst>
-          </p:cNvPr>
-          <p:cNvGrpSpPr/>
-          <p:nvPr/>
-        </p:nvGrpSpPr>
-        <p:grpSpPr>
-          <a:xfrm>
-            <a:off x="2523254" y="3708776"/>
-            <a:ext cx="712054" cy="1108014"/>
-            <a:chOff x="755766" y="2571750"/>
-            <a:chExt cx="712054" cy="1108014"/>
-          </a:xfrm>
-        </p:grpSpPr>
-        <p:pic>
-          <p:nvPicPr>
-            <p:cNvPr id="73" name="그래픽 72" descr="사용자 단색으로 채워진">
-              <a:extLst>
-                <a:ext uri="{FF2B5EF4-FFF2-40B4-BE49-F238E27FC236}">
-                  <a16:creationId xmlns:a16="http://schemas.microsoft.com/office/drawing/2014/main" id="{08890667-74B7-9F5B-0D95-D94705ADDCB8}"/>
-                </a:ext>
-              </a:extLst>
-            </p:cNvPr>
-            <p:cNvPicPr>
-              <a:picLocks noChangeAspect="1"/>
-            </p:cNvPicPr>
-            <p:nvPr/>
-          </p:nvPicPr>
-          <p:blipFill>
-            <a:blip r:embed="rId2">
-              <a:extLst>
-                <a:ext uri="{96DAC541-7B7A-43D3-8B79-37D633B846F1}">
-                  <asvg:svgBlip xmlns:asvg="http://schemas.microsoft.com/office/drawing/2016/SVG/main" r:embed="rId3"/>
-                </a:ext>
-              </a:extLst>
-            </a:blip>
-            <a:stretch>
-              <a:fillRect/>
-            </a:stretch>
-          </p:blipFill>
-          <p:spPr>
-            <a:xfrm>
-              <a:off x="780085" y="2841688"/>
-              <a:ext cx="663414" cy="663414"/>
-            </a:xfrm>
-            <a:prstGeom prst="rect">
-              <a:avLst/>
-            </a:prstGeom>
-          </p:spPr>
-        </p:pic>
-        <p:sp>
-          <p:nvSpPr>
-            <p:cNvPr id="74" name="Google Shape;80;p14">
-              <a:extLst>
-                <a:ext uri="{FF2B5EF4-FFF2-40B4-BE49-F238E27FC236}">
-                  <a16:creationId xmlns:a16="http://schemas.microsoft.com/office/drawing/2014/main" id="{D7282794-C66A-5FD2-2DB7-67DE9E74BBDE}"/>
-                </a:ext>
-              </a:extLst>
-            </p:cNvPr>
-            <p:cNvSpPr/>
-            <p:nvPr/>
-          </p:nvSpPr>
-          <p:spPr>
-            <a:xfrm>
-              <a:off x="943566" y="2571750"/>
-              <a:ext cx="336452" cy="329495"/>
-            </a:xfrm>
-            <a:prstGeom prst="ellipse">
-              <a:avLst/>
-            </a:prstGeom>
-            <a:solidFill>
-              <a:schemeClr val="bg1"/>
-            </a:solidFill>
-            <a:ln w="9525" cap="flat" cmpd="sng">
-              <a:noFill/>
-              <a:prstDash val="solid"/>
-              <a:round/>
-              <a:headEnd type="none" w="sm" len="sm"/>
-              <a:tailEnd type="none" w="sm" len="sm"/>
-            </a:ln>
-          </p:spPr>
-          <p:txBody>
-            <a:bodyPr spcFirstLastPara="1" wrap="square" lIns="91425" tIns="91425" rIns="91425" bIns="91425" anchor="ctr" anchorCtr="0">
-              <a:noAutofit/>
-            </a:bodyPr>
-            <a:lstStyle/>
-            <a:p>
-              <a:pPr marL="0" lvl="0" indent="0" algn="l" rtl="0">
-                <a:spcBef>
-                  <a:spcPts val="0"/>
-                </a:spcBef>
-                <a:spcAft>
-                  <a:spcPts val="0"/>
-                </a:spcAft>
-                <a:buNone/>
-              </a:pPr>
-              <a:endParaRPr dirty="0">
-                <a:latin typeface="Microsoft GothicNeo Light" panose="020B0300000101010101" pitchFamily="50" charset="-127"/>
-                <a:ea typeface="Microsoft GothicNeo Light" panose="020B0300000101010101" pitchFamily="50" charset="-127"/>
-                <a:cs typeface="Microsoft GothicNeo Light" panose="020B0300000101010101" pitchFamily="50" charset="-127"/>
-              </a:endParaRPr>
-            </a:p>
-          </p:txBody>
-        </p:sp>
-        <p:sp>
-          <p:nvSpPr>
-            <p:cNvPr id="75" name="TextBox 74">
-              <a:extLst>
-                <a:ext uri="{FF2B5EF4-FFF2-40B4-BE49-F238E27FC236}">
-                  <a16:creationId xmlns:a16="http://schemas.microsoft.com/office/drawing/2014/main" id="{046E7ED9-D910-0AA0-E50C-00E7E0B6666E}"/>
-                </a:ext>
-              </a:extLst>
-            </p:cNvPr>
-            <p:cNvSpPr txBox="1"/>
-            <p:nvPr/>
-          </p:nvSpPr>
-          <p:spPr>
-            <a:xfrm>
-              <a:off x="755766" y="3371987"/>
-              <a:ext cx="712054" cy="307777"/>
-            </a:xfrm>
-            <a:prstGeom prst="rect">
-              <a:avLst/>
-            </a:prstGeom>
-            <a:noFill/>
-          </p:spPr>
-          <p:txBody>
-            <a:bodyPr wrap="none" rtlCol="0">
-              <a:spAutoFit/>
-            </a:bodyPr>
-            <a:lstStyle/>
-            <a:p>
-              <a:pPr algn="ctr"/>
-              <a:r>
-                <a:rPr lang="en-US" altLang="ko-KR" dirty="0">
-                  <a:latin typeface="Microsoft GothicNeo Light" panose="020B0300000101010101" pitchFamily="50" charset="-127"/>
-                  <a:ea typeface="Microsoft GothicNeo Light" panose="020B0300000101010101" pitchFamily="50" charset="-127"/>
-                  <a:cs typeface="Microsoft GothicNeo Light" panose="020B0300000101010101" pitchFamily="50" charset="-127"/>
-                </a:rPr>
-                <a:t>USER4</a:t>
-              </a:r>
-              <a:endParaRPr lang="ko-KR" altLang="en-US" dirty="0">
-                <a:latin typeface="Microsoft GothicNeo Light" panose="020B0300000101010101" pitchFamily="50" charset="-127"/>
-                <a:ea typeface="Microsoft GothicNeo Light" panose="020B0300000101010101" pitchFamily="50" charset="-127"/>
-                <a:cs typeface="Microsoft GothicNeo Light" panose="020B0300000101010101" pitchFamily="50" charset="-127"/>
-              </a:endParaRPr>
-            </a:p>
-          </p:txBody>
-        </p:sp>
-      </p:grpSp>
-      <p:sp>
-        <p:nvSpPr>
-          <p:cNvPr id="78" name="TextBox 77">
-            <a:extLst>
-              <a:ext uri="{FF2B5EF4-FFF2-40B4-BE49-F238E27FC236}">
-                <a16:creationId xmlns:a16="http://schemas.microsoft.com/office/drawing/2014/main" id="{7A85E026-F9A7-6410-040A-0427722C6CDB}"/>
-              </a:ext>
-            </a:extLst>
-          </p:cNvPr>
-          <p:cNvSpPr txBox="1"/>
-          <p:nvPr/>
-        </p:nvSpPr>
-        <p:spPr>
-          <a:xfrm>
-            <a:off x="95640" y="3304577"/>
-            <a:ext cx="2065130" cy="307777"/>
-          </a:xfrm>
-          <a:prstGeom prst="rect">
-            <a:avLst/>
-          </a:prstGeom>
-          <a:noFill/>
-        </p:spPr>
-        <p:txBody>
-          <a:bodyPr wrap="square">
-            <a:spAutoFit/>
-          </a:bodyPr>
-          <a:lstStyle/>
-          <a:p>
-            <a:pPr lvl="0" rtl="0">
-              <a:spcBef>
-                <a:spcPts val="0"/>
-              </a:spcBef>
-              <a:spcAft>
-                <a:spcPts val="0"/>
-              </a:spcAft>
-            </a:pPr>
-            <a:r>
-              <a:rPr lang="ko-KR" altLang="en-US" dirty="0" err="1">
-                <a:latin typeface="Microsoft GothicNeo Light" panose="020B0300000101010101" pitchFamily="50" charset="-127"/>
-                <a:ea typeface="Microsoft GothicNeo Light" panose="020B0300000101010101" pitchFamily="50" charset="-127"/>
-                <a:cs typeface="Microsoft GothicNeo Light" panose="020B0300000101010101" pitchFamily="50" charset="-127"/>
-              </a:rPr>
-              <a:t>기믹</a:t>
-            </a:r>
-            <a:r>
-              <a:rPr lang="ko-KR" altLang="en-US" dirty="0">
-                <a:latin typeface="Microsoft GothicNeo Light" panose="020B0300000101010101" pitchFamily="50" charset="-127"/>
-                <a:ea typeface="Microsoft GothicNeo Light" panose="020B0300000101010101" pitchFamily="50" charset="-127"/>
-                <a:cs typeface="Microsoft GothicNeo Light" panose="020B0300000101010101" pitchFamily="50" charset="-127"/>
-              </a:rPr>
-              <a:t> 파괴 순서</a:t>
-            </a:r>
-          </a:p>
-        </p:txBody>
-      </p:sp>
       <p:sp>
         <p:nvSpPr>
           <p:cNvPr id="79" name="Google Shape;89;p15">
@@ -11829,7 +11869,40 @@
       </a:bgFillStyleLst>
     </a:fmtScheme>
   </a:themeElements>
-  <a:objectDefaults/>
+  <a:objectDefaults>
+    <a:spDef>
+      <a:spPr>
+        <a:solidFill>
+          <a:schemeClr val="bg2">
+            <a:lumMod val="20000"/>
+            <a:lumOff val="80000"/>
+          </a:schemeClr>
+        </a:solidFill>
+        <a:ln w="38100" cap="flat" cmpd="sng">
+          <a:noFill/>
+          <a:prstDash val="solid"/>
+          <a:round/>
+          <a:headEnd type="none" w="sm" len="sm"/>
+          <a:tailEnd type="none" w="sm" len="sm"/>
+        </a:ln>
+      </a:spPr>
+      <a:bodyPr spcFirstLastPara="1" wrap="square" lIns="91425" tIns="91425" rIns="91425" bIns="91425" anchor="ctr" anchorCtr="0">
+        <a:noAutofit/>
+      </a:bodyPr>
+      <a:lstStyle>
+        <a:defPPr marL="0" indent="0" algn="l" rtl="0">
+          <a:spcBef>
+            <a:spcPts val="0"/>
+          </a:spcBef>
+          <a:spcAft>
+            <a:spcPts val="0"/>
+          </a:spcAft>
+          <a:buNone/>
+          <a:defRPr/>
+        </a:defPPr>
+      </a:lstStyle>
+    </a:spDef>
+  </a:objectDefaults>
   <a:extraClrSchemeLst/>
 </a:theme>
 </file>
